--- a/src/images/media/slides/pptx/GlyGen-slides-template.pptx
+++ b/src/images/media/slides/pptx/GlyGen-slides-template.pptx
@@ -4,14 +4,12 @@
   <p:sldMasterIdLst>
     <p:sldMasterId id="2147483660" r:id="rId1"/>
   </p:sldMasterIdLst>
-  <p:notesMasterIdLst>
-    <p:notesMasterId r:id="rId6"/>
-  </p:notesMasterIdLst>
   <p:sldIdLst>
     <p:sldId id="256" r:id="rId2"/>
-    <p:sldId id="257" r:id="rId3"/>
-    <p:sldId id="258" r:id="rId4"/>
-    <p:sldId id="259" r:id="rId5"/>
+    <p:sldId id="260" r:id="rId3"/>
+    <p:sldId id="261" r:id="rId4"/>
+    <p:sldId id="262" r:id="rId5"/>
+    <p:sldId id="265" r:id="rId6"/>
   </p:sldIdLst>
   <p:sldSz cx="9144000" cy="6858000" type="screen4x3"/>
   <p:notesSz cx="6858000" cy="9144000"/>
@@ -112,446 +110,21 @@
   </p:defaultTextStyle>
   <p:extLst>
     <p:ext uri="{EFAFB233-063F-42B5-8137-9DF3F51BA10A}">
-      <p15:sldGuideLst xmlns:p15="http://schemas.microsoft.com/office/powerpoint/2012/main"/>
-    </p:ext>
-    <p:ext uri="{2D200454-40CA-4A62-9FC3-DE9A4176ACB9}">
-      <p15:notesGuideLst xmlns:p15="http://schemas.microsoft.com/office/powerpoint/2012/main"/>
+      <p15:sldGuideLst xmlns:p15="http://schemas.microsoft.com/office/powerpoint/2012/main">
+        <p15:guide id="1" orient="horz" pos="2160" userDrawn="1">
+          <p15:clr>
+            <a:srgbClr val="A4A3A4"/>
+          </p15:clr>
+        </p15:guide>
+        <p15:guide id="2" pos="2880" userDrawn="1">
+          <p15:clr>
+            <a:srgbClr val="A4A3A4"/>
+          </p15:clr>
+        </p15:guide>
+      </p15:sldGuideLst>
     </p:ext>
   </p:extLst>
 </p:presentation>
-</file>
-
-<file path=ppt/notesMasters/notesMaster1.xml><?xml version="1.0" encoding="utf-8"?>
-<p:notesMaster xmlns:a="http://schemas.openxmlformats.org/drawingml/2006/main" xmlns:r="http://schemas.openxmlformats.org/officeDocument/2006/relationships" xmlns:p="http://schemas.openxmlformats.org/presentationml/2006/main">
-  <p:cSld>
-    <p:bg>
-      <p:bgRef idx="1001">
-        <a:schemeClr val="bg1"/>
-      </p:bgRef>
-    </p:bg>
-    <p:spTree>
-      <p:nvGrpSpPr>
-        <p:cNvPr id="1" name=""/>
-        <p:cNvGrpSpPr/>
-        <p:nvPr/>
-      </p:nvGrpSpPr>
-      <p:grpSpPr>
-        <a:xfrm>
-          <a:off x="0" y="0"/>
-          <a:ext cx="0" cy="0"/>
-          <a:chOff x="0" y="0"/>
-          <a:chExt cx="0" cy="0"/>
-        </a:xfrm>
-      </p:grpSpPr>
-      <p:sp>
-        <p:nvSpPr>
-          <p:cNvPr id="2" name="Header Placeholder 1"/>
-          <p:cNvSpPr>
-            <a:spLocks noGrp="1"/>
-          </p:cNvSpPr>
-          <p:nvPr>
-            <p:ph type="hdr" sz="quarter"/>
-          </p:nvPr>
-        </p:nvSpPr>
-        <p:spPr>
-          <a:xfrm>
-            <a:off x="0" y="0"/>
-            <a:ext cx="2971800" cy="458788"/>
-          </a:xfrm>
-          <a:prstGeom prst="rect">
-            <a:avLst/>
-          </a:prstGeom>
-        </p:spPr>
-        <p:txBody>
-          <a:bodyPr vert="horz" lIns="91440" tIns="45720" rIns="91440" bIns="45720" rtlCol="0"/>
-          <a:lstStyle>
-            <a:lvl1pPr algn="l">
-              <a:defRPr sz="1200"/>
-            </a:lvl1pPr>
-          </a:lstStyle>
-          <a:p>
-            <a:endParaRPr lang="en-US"/>
-          </a:p>
-        </p:txBody>
-      </p:sp>
-      <p:sp>
-        <p:nvSpPr>
-          <p:cNvPr id="3" name="Date Placeholder 2"/>
-          <p:cNvSpPr>
-            <a:spLocks noGrp="1"/>
-          </p:cNvSpPr>
-          <p:nvPr>
-            <p:ph type="dt" idx="1"/>
-          </p:nvPr>
-        </p:nvSpPr>
-        <p:spPr>
-          <a:xfrm>
-            <a:off x="3884613" y="0"/>
-            <a:ext cx="2971800" cy="458788"/>
-          </a:xfrm>
-          <a:prstGeom prst="rect">
-            <a:avLst/>
-          </a:prstGeom>
-        </p:spPr>
-        <p:txBody>
-          <a:bodyPr vert="horz" lIns="91440" tIns="45720" rIns="91440" bIns="45720" rtlCol="0"/>
-          <a:lstStyle>
-            <a:lvl1pPr algn="r">
-              <a:defRPr sz="1200"/>
-            </a:lvl1pPr>
-          </a:lstStyle>
-          <a:p>
-            <a:fld id="{9C3DD324-6672-7A40-958C-FF1D6F845529}" type="datetimeFigureOut">
-              <a:rPr lang="en-US" smtClean="0"/>
-              <a:t>7/18/19</a:t>
-            </a:fld>
-            <a:endParaRPr lang="en-US"/>
-          </a:p>
-        </p:txBody>
-      </p:sp>
-      <p:sp>
-        <p:nvSpPr>
-          <p:cNvPr id="4" name="Slide Image Placeholder 3"/>
-          <p:cNvSpPr>
-            <a:spLocks noGrp="1" noRot="1" noChangeAspect="1"/>
-          </p:cNvSpPr>
-          <p:nvPr>
-            <p:ph type="sldImg" idx="2"/>
-          </p:nvPr>
-        </p:nvSpPr>
-        <p:spPr>
-          <a:xfrm>
-            <a:off x="1371600" y="1143000"/>
-            <a:ext cx="4114800" cy="3086100"/>
-          </a:xfrm>
-          <a:prstGeom prst="rect">
-            <a:avLst/>
-          </a:prstGeom>
-          <a:noFill/>
-          <a:ln w="12700">
-            <a:solidFill>
-              <a:prstClr val="black"/>
-            </a:solidFill>
-          </a:ln>
-        </p:spPr>
-        <p:txBody>
-          <a:bodyPr vert="horz" lIns="91440" tIns="45720" rIns="91440" bIns="45720" rtlCol="0" anchor="ctr"/>
-          <a:lstStyle/>
-          <a:p>
-            <a:endParaRPr lang="en-US"/>
-          </a:p>
-        </p:txBody>
-      </p:sp>
-      <p:sp>
-        <p:nvSpPr>
-          <p:cNvPr id="5" name="Notes Placeholder 4"/>
-          <p:cNvSpPr>
-            <a:spLocks noGrp="1"/>
-          </p:cNvSpPr>
-          <p:nvPr>
-            <p:ph type="body" sz="quarter" idx="3"/>
-          </p:nvPr>
-        </p:nvSpPr>
-        <p:spPr>
-          <a:xfrm>
-            <a:off x="685800" y="4400550"/>
-            <a:ext cx="5486400" cy="3600450"/>
-          </a:xfrm>
-          <a:prstGeom prst="rect">
-            <a:avLst/>
-          </a:prstGeom>
-        </p:spPr>
-        <p:txBody>
-          <a:bodyPr vert="horz" lIns="91440" tIns="45720" rIns="91440" bIns="45720" rtlCol="0"/>
-          <a:lstStyle/>
-          <a:p>
-            <a:pPr lvl="0"/>
-            <a:r>
-              <a:rPr lang="en-US"/>
-              <a:t>Edit Master text styles</a:t>
-            </a:r>
-          </a:p>
-          <a:p>
-            <a:pPr lvl="1"/>
-            <a:r>
-              <a:rPr lang="en-US"/>
-              <a:t>Second level</a:t>
-            </a:r>
-          </a:p>
-          <a:p>
-            <a:pPr lvl="2"/>
-            <a:r>
-              <a:rPr lang="en-US"/>
-              <a:t>Third level</a:t>
-            </a:r>
-          </a:p>
-          <a:p>
-            <a:pPr lvl="3"/>
-            <a:r>
-              <a:rPr lang="en-US"/>
-              <a:t>Fourth level</a:t>
-            </a:r>
-          </a:p>
-          <a:p>
-            <a:pPr lvl="4"/>
-            <a:r>
-              <a:rPr lang="en-US"/>
-              <a:t>Fifth level</a:t>
-            </a:r>
-          </a:p>
-        </p:txBody>
-      </p:sp>
-      <p:sp>
-        <p:nvSpPr>
-          <p:cNvPr id="6" name="Footer Placeholder 5"/>
-          <p:cNvSpPr>
-            <a:spLocks noGrp="1"/>
-          </p:cNvSpPr>
-          <p:nvPr>
-            <p:ph type="ftr" sz="quarter" idx="4"/>
-          </p:nvPr>
-        </p:nvSpPr>
-        <p:spPr>
-          <a:xfrm>
-            <a:off x="0" y="8685213"/>
-            <a:ext cx="2971800" cy="458787"/>
-          </a:xfrm>
-          <a:prstGeom prst="rect">
-            <a:avLst/>
-          </a:prstGeom>
-        </p:spPr>
-        <p:txBody>
-          <a:bodyPr vert="horz" lIns="91440" tIns="45720" rIns="91440" bIns="45720" rtlCol="0" anchor="b"/>
-          <a:lstStyle>
-            <a:lvl1pPr algn="l">
-              <a:defRPr sz="1200"/>
-            </a:lvl1pPr>
-          </a:lstStyle>
-          <a:p>
-            <a:endParaRPr lang="en-US"/>
-          </a:p>
-        </p:txBody>
-      </p:sp>
-      <p:sp>
-        <p:nvSpPr>
-          <p:cNvPr id="7" name="Slide Number Placeholder 6"/>
-          <p:cNvSpPr>
-            <a:spLocks noGrp="1"/>
-          </p:cNvSpPr>
-          <p:nvPr>
-            <p:ph type="sldNum" sz="quarter" idx="5"/>
-          </p:nvPr>
-        </p:nvSpPr>
-        <p:spPr>
-          <a:xfrm>
-            <a:off x="3884613" y="8685213"/>
-            <a:ext cx="2971800" cy="458787"/>
-          </a:xfrm>
-          <a:prstGeom prst="rect">
-            <a:avLst/>
-          </a:prstGeom>
-        </p:spPr>
-        <p:txBody>
-          <a:bodyPr vert="horz" lIns="91440" tIns="45720" rIns="91440" bIns="45720" rtlCol="0" anchor="b"/>
-          <a:lstStyle>
-            <a:lvl1pPr algn="r">
-              <a:defRPr sz="1200"/>
-            </a:lvl1pPr>
-          </a:lstStyle>
-          <a:p>
-            <a:fld id="{F92191A7-689C-9143-B9F0-E768C0859DE6}" type="slidenum">
-              <a:rPr lang="en-US" smtClean="0"/>
-              <a:t>‹#›</a:t>
-            </a:fld>
-            <a:endParaRPr lang="en-US"/>
-          </a:p>
-        </p:txBody>
-      </p:sp>
-    </p:spTree>
-    <p:extLst>
-      <p:ext uri="{BB962C8B-B14F-4D97-AF65-F5344CB8AC3E}">
-        <p14:creationId xmlns:p14="http://schemas.microsoft.com/office/powerpoint/2010/main" val="1054463888"/>
-      </p:ext>
-    </p:extLst>
-  </p:cSld>
-  <p:clrMap bg1="lt1" tx1="dk1" bg2="lt2" tx2="dk2" accent1="accent1" accent2="accent2" accent3="accent3" accent4="accent4" accent5="accent5" accent6="accent6" hlink="hlink" folHlink="folHlink"/>
-  <p:notesStyle>
-    <a:lvl1pPr marL="0" algn="l" defTabSz="914400" rtl="0" eaLnBrk="1" latinLnBrk="0" hangingPunct="1">
-      <a:defRPr sz="1200" kern="1200">
-        <a:solidFill>
-          <a:schemeClr val="tx1"/>
-        </a:solidFill>
-        <a:latin typeface="+mn-lt"/>
-        <a:ea typeface="+mn-ea"/>
-        <a:cs typeface="+mn-cs"/>
-      </a:defRPr>
-    </a:lvl1pPr>
-    <a:lvl2pPr marL="457200" algn="l" defTabSz="914400" rtl="0" eaLnBrk="1" latinLnBrk="0" hangingPunct="1">
-      <a:defRPr sz="1200" kern="1200">
-        <a:solidFill>
-          <a:schemeClr val="tx1"/>
-        </a:solidFill>
-        <a:latin typeface="+mn-lt"/>
-        <a:ea typeface="+mn-ea"/>
-        <a:cs typeface="+mn-cs"/>
-      </a:defRPr>
-    </a:lvl2pPr>
-    <a:lvl3pPr marL="914400" algn="l" defTabSz="914400" rtl="0" eaLnBrk="1" latinLnBrk="0" hangingPunct="1">
-      <a:defRPr sz="1200" kern="1200">
-        <a:solidFill>
-          <a:schemeClr val="tx1"/>
-        </a:solidFill>
-        <a:latin typeface="+mn-lt"/>
-        <a:ea typeface="+mn-ea"/>
-        <a:cs typeface="+mn-cs"/>
-      </a:defRPr>
-    </a:lvl3pPr>
-    <a:lvl4pPr marL="1371600" algn="l" defTabSz="914400" rtl="0" eaLnBrk="1" latinLnBrk="0" hangingPunct="1">
-      <a:defRPr sz="1200" kern="1200">
-        <a:solidFill>
-          <a:schemeClr val="tx1"/>
-        </a:solidFill>
-        <a:latin typeface="+mn-lt"/>
-        <a:ea typeface="+mn-ea"/>
-        <a:cs typeface="+mn-cs"/>
-      </a:defRPr>
-    </a:lvl4pPr>
-    <a:lvl5pPr marL="1828800" algn="l" defTabSz="914400" rtl="0" eaLnBrk="1" latinLnBrk="0" hangingPunct="1">
-      <a:defRPr sz="1200" kern="1200">
-        <a:solidFill>
-          <a:schemeClr val="tx1"/>
-        </a:solidFill>
-        <a:latin typeface="+mn-lt"/>
-        <a:ea typeface="+mn-ea"/>
-        <a:cs typeface="+mn-cs"/>
-      </a:defRPr>
-    </a:lvl5pPr>
-    <a:lvl6pPr marL="2286000" algn="l" defTabSz="914400" rtl="0" eaLnBrk="1" latinLnBrk="0" hangingPunct="1">
-      <a:defRPr sz="1200" kern="1200">
-        <a:solidFill>
-          <a:schemeClr val="tx1"/>
-        </a:solidFill>
-        <a:latin typeface="+mn-lt"/>
-        <a:ea typeface="+mn-ea"/>
-        <a:cs typeface="+mn-cs"/>
-      </a:defRPr>
-    </a:lvl6pPr>
-    <a:lvl7pPr marL="2743200" algn="l" defTabSz="914400" rtl="0" eaLnBrk="1" latinLnBrk="0" hangingPunct="1">
-      <a:defRPr sz="1200" kern="1200">
-        <a:solidFill>
-          <a:schemeClr val="tx1"/>
-        </a:solidFill>
-        <a:latin typeface="+mn-lt"/>
-        <a:ea typeface="+mn-ea"/>
-        <a:cs typeface="+mn-cs"/>
-      </a:defRPr>
-    </a:lvl7pPr>
-    <a:lvl8pPr marL="3200400" algn="l" defTabSz="914400" rtl="0" eaLnBrk="1" latinLnBrk="0" hangingPunct="1">
-      <a:defRPr sz="1200" kern="1200">
-        <a:solidFill>
-          <a:schemeClr val="tx1"/>
-        </a:solidFill>
-        <a:latin typeface="+mn-lt"/>
-        <a:ea typeface="+mn-ea"/>
-        <a:cs typeface="+mn-cs"/>
-      </a:defRPr>
-    </a:lvl8pPr>
-    <a:lvl9pPr marL="3657600" algn="l" defTabSz="914400" rtl="0" eaLnBrk="1" latinLnBrk="0" hangingPunct="1">
-      <a:defRPr sz="1200" kern="1200">
-        <a:solidFill>
-          <a:schemeClr val="tx1"/>
-        </a:solidFill>
-        <a:latin typeface="+mn-lt"/>
-        <a:ea typeface="+mn-ea"/>
-        <a:cs typeface="+mn-cs"/>
-      </a:defRPr>
-    </a:lvl9pPr>
-  </p:notesStyle>
-</p:notesMaster>
-</file>
-
-<file path=ppt/notesSlides/notesSlide1.xml><?xml version="1.0" encoding="utf-8"?>
-<p:notes xmlns:a="http://schemas.openxmlformats.org/drawingml/2006/main" xmlns:r="http://schemas.openxmlformats.org/officeDocument/2006/relationships" xmlns:p="http://schemas.openxmlformats.org/presentationml/2006/main">
-  <p:cSld>
-    <p:spTree>
-      <p:nvGrpSpPr>
-        <p:cNvPr id="1" name=""/>
-        <p:cNvGrpSpPr/>
-        <p:nvPr/>
-      </p:nvGrpSpPr>
-      <p:grpSpPr>
-        <a:xfrm>
-          <a:off x="0" y="0"/>
-          <a:ext cx="0" cy="0"/>
-          <a:chOff x="0" y="0"/>
-          <a:chExt cx="0" cy="0"/>
-        </a:xfrm>
-      </p:grpSpPr>
-      <p:sp>
-        <p:nvSpPr>
-          <p:cNvPr id="2" name="Slide Image Placeholder 1"/>
-          <p:cNvSpPr>
-            <a:spLocks noGrp="1" noRot="1" noChangeAspect="1"/>
-          </p:cNvSpPr>
-          <p:nvPr>
-            <p:ph type="sldImg"/>
-          </p:nvPr>
-        </p:nvSpPr>
-        <p:spPr/>
-      </p:sp>
-      <p:sp>
-        <p:nvSpPr>
-          <p:cNvPr id="3" name="Notes Placeholder 2"/>
-          <p:cNvSpPr>
-            <a:spLocks noGrp="1"/>
-          </p:cNvSpPr>
-          <p:nvPr>
-            <p:ph type="body" idx="1"/>
-          </p:nvPr>
-        </p:nvSpPr>
-        <p:spPr/>
-        <p:txBody>
-          <a:bodyPr/>
-          <a:lstStyle/>
-          <a:p>
-            <a:endParaRPr lang="en-US" dirty="0"/>
-          </a:p>
-        </p:txBody>
-      </p:sp>
-      <p:sp>
-        <p:nvSpPr>
-          <p:cNvPr id="4" name="Slide Number Placeholder 3"/>
-          <p:cNvSpPr>
-            <a:spLocks noGrp="1"/>
-          </p:cNvSpPr>
-          <p:nvPr>
-            <p:ph type="sldNum" sz="quarter" idx="5"/>
-          </p:nvPr>
-        </p:nvSpPr>
-        <p:spPr/>
-        <p:txBody>
-          <a:bodyPr/>
-          <a:lstStyle/>
-          <a:p>
-            <a:fld id="{F92191A7-689C-9143-B9F0-E768C0859DE6}" type="slidenum">
-              <a:rPr lang="en-US" smtClean="0"/>
-              <a:t>3</a:t>
-            </a:fld>
-            <a:endParaRPr lang="en-US"/>
-          </a:p>
-        </p:txBody>
-      </p:sp>
-    </p:spTree>
-    <p:extLst>
-      <p:ext uri="{BB962C8B-B14F-4D97-AF65-F5344CB8AC3E}">
-        <p14:creationId xmlns:p14="http://schemas.microsoft.com/office/powerpoint/2010/main" val="862437933"/>
-      </p:ext>
-    </p:extLst>
-  </p:cSld>
-  <p:clrMapOvr>
-    <a:masterClrMapping/>
-  </p:clrMapOvr>
-</p:notes>
 </file>
 
 <file path=ppt/slideLayouts/slideLayout1.xml><?xml version="1.0" encoding="utf-8"?>
@@ -683,9 +256,9 @@
           <a:bodyPr/>
           <a:lstStyle/>
           <a:p>
-            <a:fld id="{F2905278-E09F-2F4C-BE16-F9802464170C}" type="datetimeFigureOut">
+            <a:fld id="{2880BE9F-762B-7246-8398-4DF381445DEA}" type="datetimeFigureOut">
               <a:rPr lang="en-US" smtClean="0"/>
-              <a:t>7/18/19</a:t>
+              <a:t>3/4/20</a:t>
             </a:fld>
             <a:endParaRPr lang="en-US"/>
           </a:p>
@@ -701,15 +274,7 @@
             <p:ph type="ftr" sz="quarter" idx="11"/>
           </p:nvPr>
         </p:nvSpPr>
-        <p:spPr>
-          <a:xfrm>
-            <a:off x="3028950" y="6356351"/>
-            <a:ext cx="3086100" cy="365125"/>
-          </a:xfrm>
-          <a:prstGeom prst="rect">
-            <a:avLst/>
-          </a:prstGeom>
-        </p:spPr>
+        <p:spPr/>
         <p:txBody>
           <a:bodyPr/>
           <a:lstStyle/>
@@ -733,7 +298,7 @@
           <a:bodyPr/>
           <a:lstStyle/>
           <a:p>
-            <a:fld id="{4C4EA819-C5B7-D34A-B166-9E545EA23F82}" type="slidenum">
+            <a:fld id="{EB5AFE88-A7FC-8B45-B38B-D61FC247B937}" type="slidenum">
               <a:rPr lang="en-US" smtClean="0"/>
               <a:t>‹#›</a:t>
             </a:fld>
@@ -744,7 +309,7 @@
     </p:spTree>
     <p:extLst>
       <p:ext uri="{BB962C8B-B14F-4D97-AF65-F5344CB8AC3E}">
-        <p14:creationId xmlns:p14="http://schemas.microsoft.com/office/powerpoint/2010/main" val="4242319089"/>
+        <p14:creationId xmlns:p14="http://schemas.microsoft.com/office/powerpoint/2010/main" val="2078361958"/>
       </p:ext>
     </p:extLst>
   </p:cSld>
@@ -861,9 +426,9 @@
           <a:bodyPr/>
           <a:lstStyle/>
           <a:p>
-            <a:fld id="{F2905278-E09F-2F4C-BE16-F9802464170C}" type="datetimeFigureOut">
+            <a:fld id="{2880BE9F-762B-7246-8398-4DF381445DEA}" type="datetimeFigureOut">
               <a:rPr lang="en-US" smtClean="0"/>
-              <a:t>7/18/19</a:t>
+              <a:t>3/4/20</a:t>
             </a:fld>
             <a:endParaRPr lang="en-US"/>
           </a:p>
@@ -879,15 +444,7 @@
             <p:ph type="ftr" sz="quarter" idx="11"/>
           </p:nvPr>
         </p:nvSpPr>
-        <p:spPr>
-          <a:xfrm>
-            <a:off x="3028950" y="6356351"/>
-            <a:ext cx="3086100" cy="365125"/>
-          </a:xfrm>
-          <a:prstGeom prst="rect">
-            <a:avLst/>
-          </a:prstGeom>
-        </p:spPr>
+        <p:spPr/>
         <p:txBody>
           <a:bodyPr/>
           <a:lstStyle/>
@@ -911,7 +468,7 @@
           <a:bodyPr/>
           <a:lstStyle/>
           <a:p>
-            <a:fld id="{4C4EA819-C5B7-D34A-B166-9E545EA23F82}" type="slidenum">
+            <a:fld id="{EB5AFE88-A7FC-8B45-B38B-D61FC247B937}" type="slidenum">
               <a:rPr lang="en-US" smtClean="0"/>
               <a:t>‹#›</a:t>
             </a:fld>
@@ -922,7 +479,7 @@
     </p:spTree>
     <p:extLst>
       <p:ext uri="{BB962C8B-B14F-4D97-AF65-F5344CB8AC3E}">
-        <p14:creationId xmlns:p14="http://schemas.microsoft.com/office/powerpoint/2010/main" val="753041492"/>
+        <p14:creationId xmlns:p14="http://schemas.microsoft.com/office/powerpoint/2010/main" val="2277916185"/>
       </p:ext>
     </p:extLst>
   </p:cSld>
@@ -1049,9 +606,9 @@
           <a:bodyPr/>
           <a:lstStyle/>
           <a:p>
-            <a:fld id="{F2905278-E09F-2F4C-BE16-F9802464170C}" type="datetimeFigureOut">
+            <a:fld id="{2880BE9F-762B-7246-8398-4DF381445DEA}" type="datetimeFigureOut">
               <a:rPr lang="en-US" smtClean="0"/>
-              <a:t>7/18/19</a:t>
+              <a:t>3/4/20</a:t>
             </a:fld>
             <a:endParaRPr lang="en-US"/>
           </a:p>
@@ -1067,15 +624,7 @@
             <p:ph type="ftr" sz="quarter" idx="11"/>
           </p:nvPr>
         </p:nvSpPr>
-        <p:spPr>
-          <a:xfrm>
-            <a:off x="3028950" y="6356351"/>
-            <a:ext cx="3086100" cy="365125"/>
-          </a:xfrm>
-          <a:prstGeom prst="rect">
-            <a:avLst/>
-          </a:prstGeom>
-        </p:spPr>
+        <p:spPr/>
         <p:txBody>
           <a:bodyPr/>
           <a:lstStyle/>
@@ -1099,7 +648,7 @@
           <a:bodyPr/>
           <a:lstStyle/>
           <a:p>
-            <a:fld id="{4C4EA819-C5B7-D34A-B166-9E545EA23F82}" type="slidenum">
+            <a:fld id="{EB5AFE88-A7FC-8B45-B38B-D61FC247B937}" type="slidenum">
               <a:rPr lang="en-US" smtClean="0"/>
               <a:t>‹#›</a:t>
             </a:fld>
@@ -1110,7 +659,7 @@
     </p:spTree>
     <p:extLst>
       <p:ext uri="{BB962C8B-B14F-4D97-AF65-F5344CB8AC3E}">
-        <p14:creationId xmlns:p14="http://schemas.microsoft.com/office/powerpoint/2010/main" val="2031774733"/>
+        <p14:creationId xmlns:p14="http://schemas.microsoft.com/office/powerpoint/2010/main" val="3182642103"/>
       </p:ext>
     </p:extLst>
   </p:cSld>
@@ -1177,37 +726,38 @@
           <a:p>
             <a:pPr lvl="0"/>
             <a:r>
-              <a:rPr lang="en-US" dirty="0"/>
+              <a:rPr lang="en-US"/>
               <a:t>Edit Master text styles</a:t>
             </a:r>
           </a:p>
           <a:p>
             <a:pPr lvl="1"/>
             <a:r>
-              <a:rPr lang="en-US" dirty="0"/>
+              <a:rPr lang="en-US"/>
               <a:t>Second level</a:t>
             </a:r>
           </a:p>
           <a:p>
             <a:pPr lvl="2"/>
             <a:r>
-              <a:rPr lang="en-US" dirty="0"/>
+              <a:rPr lang="en-US"/>
               <a:t>Third level</a:t>
             </a:r>
           </a:p>
           <a:p>
             <a:pPr lvl="3"/>
             <a:r>
-              <a:rPr lang="en-US" dirty="0"/>
+              <a:rPr lang="en-US"/>
               <a:t>Fourth level</a:t>
             </a:r>
           </a:p>
           <a:p>
             <a:pPr lvl="4"/>
             <a:r>
-              <a:rPr lang="en-US" dirty="0"/>
+              <a:rPr lang="en-US"/>
               <a:t>Fifth level</a:t>
             </a:r>
+            <a:endParaRPr lang="en-US" dirty="0"/>
           </a:p>
         </p:txBody>
       </p:sp>
@@ -1226,9 +776,9 @@
           <a:bodyPr/>
           <a:lstStyle/>
           <a:p>
-            <a:fld id="{F2905278-E09F-2F4C-BE16-F9802464170C}" type="datetimeFigureOut">
+            <a:fld id="{2880BE9F-762B-7246-8398-4DF381445DEA}" type="datetimeFigureOut">
               <a:rPr lang="en-US" smtClean="0"/>
-              <a:t>7/18/19</a:t>
+              <a:t>3/4/20</a:t>
             </a:fld>
             <a:endParaRPr lang="en-US"/>
           </a:p>
@@ -1244,15 +794,7 @@
             <p:ph type="ftr" sz="quarter" idx="11"/>
           </p:nvPr>
         </p:nvSpPr>
-        <p:spPr>
-          <a:xfrm>
-            <a:off x="3028950" y="6356351"/>
-            <a:ext cx="3086100" cy="365125"/>
-          </a:xfrm>
-          <a:prstGeom prst="rect">
-            <a:avLst/>
-          </a:prstGeom>
-        </p:spPr>
+        <p:spPr/>
         <p:txBody>
           <a:bodyPr/>
           <a:lstStyle/>
@@ -1276,7 +818,7 @@
           <a:bodyPr/>
           <a:lstStyle/>
           <a:p>
-            <a:fld id="{4C4EA819-C5B7-D34A-B166-9E545EA23F82}" type="slidenum">
+            <a:fld id="{EB5AFE88-A7FC-8B45-B38B-D61FC247B937}" type="slidenum">
               <a:rPr lang="en-US" smtClean="0"/>
               <a:t>‹#›</a:t>
             </a:fld>
@@ -1287,7 +829,7 @@
     </p:spTree>
     <p:extLst>
       <p:ext uri="{BB962C8B-B14F-4D97-AF65-F5344CB8AC3E}">
-        <p14:creationId xmlns:p14="http://schemas.microsoft.com/office/powerpoint/2010/main" val="656618540"/>
+        <p14:creationId xmlns:p14="http://schemas.microsoft.com/office/powerpoint/2010/main" val="1462154234"/>
       </p:ext>
     </p:extLst>
   </p:cSld>
@@ -1478,9 +1020,9 @@
           <a:bodyPr/>
           <a:lstStyle/>
           <a:p>
-            <a:fld id="{F2905278-E09F-2F4C-BE16-F9802464170C}" type="datetimeFigureOut">
+            <a:fld id="{2880BE9F-762B-7246-8398-4DF381445DEA}" type="datetimeFigureOut">
               <a:rPr lang="en-US" smtClean="0"/>
-              <a:t>7/18/19</a:t>
+              <a:t>3/4/20</a:t>
             </a:fld>
             <a:endParaRPr lang="en-US"/>
           </a:p>
@@ -1496,15 +1038,7 @@
             <p:ph type="ftr" sz="quarter" idx="11"/>
           </p:nvPr>
         </p:nvSpPr>
-        <p:spPr>
-          <a:xfrm>
-            <a:off x="3028950" y="6356351"/>
-            <a:ext cx="3086100" cy="365125"/>
-          </a:xfrm>
-          <a:prstGeom prst="rect">
-            <a:avLst/>
-          </a:prstGeom>
-        </p:spPr>
+        <p:spPr/>
         <p:txBody>
           <a:bodyPr/>
           <a:lstStyle/>
@@ -1528,7 +1062,7 @@
           <a:bodyPr/>
           <a:lstStyle/>
           <a:p>
-            <a:fld id="{4C4EA819-C5B7-D34A-B166-9E545EA23F82}" type="slidenum">
+            <a:fld id="{EB5AFE88-A7FC-8B45-B38B-D61FC247B937}" type="slidenum">
               <a:rPr lang="en-US" smtClean="0"/>
               <a:t>‹#›</a:t>
             </a:fld>
@@ -1539,7 +1073,7 @@
     </p:spTree>
     <p:extLst>
       <p:ext uri="{BB962C8B-B14F-4D97-AF65-F5344CB8AC3E}">
-        <p14:creationId xmlns:p14="http://schemas.microsoft.com/office/powerpoint/2010/main" val="2950395584"/>
+        <p14:creationId xmlns:p14="http://schemas.microsoft.com/office/powerpoint/2010/main" val="3265007446"/>
       </p:ext>
     </p:extLst>
   </p:cSld>
@@ -1718,9 +1252,9 @@
           <a:bodyPr/>
           <a:lstStyle/>
           <a:p>
-            <a:fld id="{F2905278-E09F-2F4C-BE16-F9802464170C}" type="datetimeFigureOut">
+            <a:fld id="{2880BE9F-762B-7246-8398-4DF381445DEA}" type="datetimeFigureOut">
               <a:rPr lang="en-US" smtClean="0"/>
-              <a:t>7/18/19</a:t>
+              <a:t>3/4/20</a:t>
             </a:fld>
             <a:endParaRPr lang="en-US"/>
           </a:p>
@@ -1736,15 +1270,7 @@
             <p:ph type="ftr" sz="quarter" idx="11"/>
           </p:nvPr>
         </p:nvSpPr>
-        <p:spPr>
-          <a:xfrm>
-            <a:off x="3028950" y="6356351"/>
-            <a:ext cx="3086100" cy="365125"/>
-          </a:xfrm>
-          <a:prstGeom prst="rect">
-            <a:avLst/>
-          </a:prstGeom>
-        </p:spPr>
+        <p:spPr/>
         <p:txBody>
           <a:bodyPr/>
           <a:lstStyle/>
@@ -1768,7 +1294,7 @@
           <a:bodyPr/>
           <a:lstStyle/>
           <a:p>
-            <a:fld id="{4C4EA819-C5B7-D34A-B166-9E545EA23F82}" type="slidenum">
+            <a:fld id="{EB5AFE88-A7FC-8B45-B38B-D61FC247B937}" type="slidenum">
               <a:rPr lang="en-US" smtClean="0"/>
               <a:t>‹#›</a:t>
             </a:fld>
@@ -1779,7 +1305,7 @@
     </p:spTree>
     <p:extLst>
       <p:ext uri="{BB962C8B-B14F-4D97-AF65-F5344CB8AC3E}">
-        <p14:creationId xmlns:p14="http://schemas.microsoft.com/office/powerpoint/2010/main" val="2975249400"/>
+        <p14:creationId xmlns:p14="http://schemas.microsoft.com/office/powerpoint/2010/main" val="3822895124"/>
       </p:ext>
     </p:extLst>
   </p:cSld>
@@ -2093,9 +1619,9 @@
           <a:bodyPr/>
           <a:lstStyle/>
           <a:p>
-            <a:fld id="{F2905278-E09F-2F4C-BE16-F9802464170C}" type="datetimeFigureOut">
+            <a:fld id="{2880BE9F-762B-7246-8398-4DF381445DEA}" type="datetimeFigureOut">
               <a:rPr lang="en-US" smtClean="0"/>
-              <a:t>7/18/19</a:t>
+              <a:t>3/4/20</a:t>
             </a:fld>
             <a:endParaRPr lang="en-US"/>
           </a:p>
@@ -2111,15 +1637,7 @@
             <p:ph type="ftr" sz="quarter" idx="11"/>
           </p:nvPr>
         </p:nvSpPr>
-        <p:spPr>
-          <a:xfrm>
-            <a:off x="3028950" y="6356351"/>
-            <a:ext cx="3086100" cy="365125"/>
-          </a:xfrm>
-          <a:prstGeom prst="rect">
-            <a:avLst/>
-          </a:prstGeom>
-        </p:spPr>
+        <p:spPr/>
         <p:txBody>
           <a:bodyPr/>
           <a:lstStyle/>
@@ -2143,7 +1661,7 @@
           <a:bodyPr/>
           <a:lstStyle/>
           <a:p>
-            <a:fld id="{4C4EA819-C5B7-D34A-B166-9E545EA23F82}" type="slidenum">
+            <a:fld id="{EB5AFE88-A7FC-8B45-B38B-D61FC247B937}" type="slidenum">
               <a:rPr lang="en-US" smtClean="0"/>
               <a:t>‹#›</a:t>
             </a:fld>
@@ -2154,7 +1672,7 @@
     </p:spTree>
     <p:extLst>
       <p:ext uri="{BB962C8B-B14F-4D97-AF65-F5344CB8AC3E}">
-        <p14:creationId xmlns:p14="http://schemas.microsoft.com/office/powerpoint/2010/main" val="3344610178"/>
+        <p14:creationId xmlns:p14="http://schemas.microsoft.com/office/powerpoint/2010/main" val="1147929417"/>
       </p:ext>
     </p:extLst>
   </p:cSld>
@@ -2219,9 +1737,9 @@
           <a:bodyPr/>
           <a:lstStyle/>
           <a:p>
-            <a:fld id="{F2905278-E09F-2F4C-BE16-F9802464170C}" type="datetimeFigureOut">
+            <a:fld id="{2880BE9F-762B-7246-8398-4DF381445DEA}" type="datetimeFigureOut">
               <a:rPr lang="en-US" smtClean="0"/>
-              <a:t>7/18/19</a:t>
+              <a:t>3/4/20</a:t>
             </a:fld>
             <a:endParaRPr lang="en-US"/>
           </a:p>
@@ -2237,15 +1755,7 @@
             <p:ph type="ftr" sz="quarter" idx="11"/>
           </p:nvPr>
         </p:nvSpPr>
-        <p:spPr>
-          <a:xfrm>
-            <a:off x="3028950" y="6356351"/>
-            <a:ext cx="3086100" cy="365125"/>
-          </a:xfrm>
-          <a:prstGeom prst="rect">
-            <a:avLst/>
-          </a:prstGeom>
-        </p:spPr>
+        <p:spPr/>
         <p:txBody>
           <a:bodyPr/>
           <a:lstStyle/>
@@ -2269,7 +1779,7 @@
           <a:bodyPr/>
           <a:lstStyle/>
           <a:p>
-            <a:fld id="{4C4EA819-C5B7-D34A-B166-9E545EA23F82}" type="slidenum">
+            <a:fld id="{EB5AFE88-A7FC-8B45-B38B-D61FC247B937}" type="slidenum">
               <a:rPr lang="en-US" smtClean="0"/>
               <a:t>‹#›</a:t>
             </a:fld>
@@ -2280,7 +1790,7 @@
     </p:spTree>
     <p:extLst>
       <p:ext uri="{BB962C8B-B14F-4D97-AF65-F5344CB8AC3E}">
-        <p14:creationId xmlns:p14="http://schemas.microsoft.com/office/powerpoint/2010/main" val="3270549913"/>
+        <p14:creationId xmlns:p14="http://schemas.microsoft.com/office/powerpoint/2010/main" val="4281455624"/>
       </p:ext>
     </p:extLst>
   </p:cSld>
@@ -2322,9 +1832,9 @@
           <a:bodyPr/>
           <a:lstStyle/>
           <a:p>
-            <a:fld id="{F2905278-E09F-2F4C-BE16-F9802464170C}" type="datetimeFigureOut">
+            <a:fld id="{2880BE9F-762B-7246-8398-4DF381445DEA}" type="datetimeFigureOut">
               <a:rPr lang="en-US" smtClean="0"/>
-              <a:t>7/18/19</a:t>
+              <a:t>3/4/20</a:t>
             </a:fld>
             <a:endParaRPr lang="en-US"/>
           </a:p>
@@ -2340,15 +1850,7 @@
             <p:ph type="ftr" sz="quarter" idx="11"/>
           </p:nvPr>
         </p:nvSpPr>
-        <p:spPr>
-          <a:xfrm>
-            <a:off x="3028950" y="6356351"/>
-            <a:ext cx="3086100" cy="365125"/>
-          </a:xfrm>
-          <a:prstGeom prst="rect">
-            <a:avLst/>
-          </a:prstGeom>
-        </p:spPr>
+        <p:spPr/>
         <p:txBody>
           <a:bodyPr/>
           <a:lstStyle/>
@@ -2372,7 +1874,7 @@
           <a:bodyPr/>
           <a:lstStyle/>
           <a:p>
-            <a:fld id="{4C4EA819-C5B7-D34A-B166-9E545EA23F82}" type="slidenum">
+            <a:fld id="{EB5AFE88-A7FC-8B45-B38B-D61FC247B937}" type="slidenum">
               <a:rPr lang="en-US" smtClean="0"/>
               <a:t>‹#›</a:t>
             </a:fld>
@@ -2383,7 +1885,7 @@
     </p:spTree>
     <p:extLst>
       <p:ext uri="{BB962C8B-B14F-4D97-AF65-F5344CB8AC3E}">
-        <p14:creationId xmlns:p14="http://schemas.microsoft.com/office/powerpoint/2010/main" val="380890048"/>
+        <p14:creationId xmlns:p14="http://schemas.microsoft.com/office/powerpoint/2010/main" val="2757602747"/>
       </p:ext>
     </p:extLst>
   </p:cSld>
@@ -2607,9 +2109,9 @@
           <a:bodyPr/>
           <a:lstStyle/>
           <a:p>
-            <a:fld id="{F2905278-E09F-2F4C-BE16-F9802464170C}" type="datetimeFigureOut">
+            <a:fld id="{2880BE9F-762B-7246-8398-4DF381445DEA}" type="datetimeFigureOut">
               <a:rPr lang="en-US" smtClean="0"/>
-              <a:t>7/18/19</a:t>
+              <a:t>3/4/20</a:t>
             </a:fld>
             <a:endParaRPr lang="en-US"/>
           </a:p>
@@ -2625,15 +2127,7 @@
             <p:ph type="ftr" sz="quarter" idx="11"/>
           </p:nvPr>
         </p:nvSpPr>
-        <p:spPr>
-          <a:xfrm>
-            <a:off x="3028950" y="6356351"/>
-            <a:ext cx="3086100" cy="365125"/>
-          </a:xfrm>
-          <a:prstGeom prst="rect">
-            <a:avLst/>
-          </a:prstGeom>
-        </p:spPr>
+        <p:spPr/>
         <p:txBody>
           <a:bodyPr/>
           <a:lstStyle/>
@@ -2657,7 +2151,7 @@
           <a:bodyPr/>
           <a:lstStyle/>
           <a:p>
-            <a:fld id="{4C4EA819-C5B7-D34A-B166-9E545EA23F82}" type="slidenum">
+            <a:fld id="{EB5AFE88-A7FC-8B45-B38B-D61FC247B937}" type="slidenum">
               <a:rPr lang="en-US" smtClean="0"/>
               <a:t>‹#›</a:t>
             </a:fld>
@@ -2668,7 +2162,7 @@
     </p:spTree>
     <p:extLst>
       <p:ext uri="{BB962C8B-B14F-4D97-AF65-F5344CB8AC3E}">
-        <p14:creationId xmlns:p14="http://schemas.microsoft.com/office/powerpoint/2010/main" val="3331713671"/>
+        <p14:creationId xmlns:p14="http://schemas.microsoft.com/office/powerpoint/2010/main" val="3939970271"/>
       </p:ext>
     </p:extLst>
   </p:cSld>
@@ -2872,9 +2366,9 @@
           <a:bodyPr/>
           <a:lstStyle/>
           <a:p>
-            <a:fld id="{F2905278-E09F-2F4C-BE16-F9802464170C}" type="datetimeFigureOut">
+            <a:fld id="{2880BE9F-762B-7246-8398-4DF381445DEA}" type="datetimeFigureOut">
               <a:rPr lang="en-US" smtClean="0"/>
-              <a:t>7/18/19</a:t>
+              <a:t>3/4/20</a:t>
             </a:fld>
             <a:endParaRPr lang="en-US"/>
           </a:p>
@@ -2890,15 +2384,7 @@
             <p:ph type="ftr" sz="quarter" idx="11"/>
           </p:nvPr>
         </p:nvSpPr>
-        <p:spPr>
-          <a:xfrm>
-            <a:off x="3028950" y="6356351"/>
-            <a:ext cx="3086100" cy="365125"/>
-          </a:xfrm>
-          <a:prstGeom prst="rect">
-            <a:avLst/>
-          </a:prstGeom>
-        </p:spPr>
+        <p:spPr/>
         <p:txBody>
           <a:bodyPr/>
           <a:lstStyle/>
@@ -2922,7 +2408,7 @@
           <a:bodyPr/>
           <a:lstStyle/>
           <a:p>
-            <a:fld id="{4C4EA819-C5B7-D34A-B166-9E545EA23F82}" type="slidenum">
+            <a:fld id="{EB5AFE88-A7FC-8B45-B38B-D61FC247B937}" type="slidenum">
               <a:rPr lang="en-US" smtClean="0"/>
               <a:t>‹#›</a:t>
             </a:fld>
@@ -2933,7 +2419,7 @@
     </p:spTree>
     <p:extLst>
       <p:ext uri="{BB962C8B-B14F-4D97-AF65-F5344CB8AC3E}">
-        <p14:creationId xmlns:p14="http://schemas.microsoft.com/office/powerpoint/2010/main" val="3082247715"/>
+        <p14:creationId xmlns:p14="http://schemas.microsoft.com/office/powerpoint/2010/main" val="1207849248"/>
       </p:ext>
     </p:extLst>
   </p:cSld>
@@ -2991,9 +2477,10 @@
           <a:lstStyle/>
           <a:p>
             <a:r>
-              <a:rPr lang="en-US" dirty="0"/>
+              <a:rPr lang="en-US"/>
               <a:t>Click to edit Master title style</a:t>
             </a:r>
+            <a:endParaRPr lang="en-US" dirty="0"/>
           </a:p>
         </p:txBody>
       </p:sp>
@@ -3024,37 +2511,38 @@
           <a:p>
             <a:pPr lvl="0"/>
             <a:r>
-              <a:rPr lang="en-US" dirty="0"/>
+              <a:rPr lang="en-US"/>
               <a:t>Edit Master text styles</a:t>
             </a:r>
           </a:p>
           <a:p>
             <a:pPr lvl="1"/>
             <a:r>
-              <a:rPr lang="en-US" dirty="0"/>
+              <a:rPr lang="en-US"/>
               <a:t>Second level</a:t>
             </a:r>
           </a:p>
           <a:p>
             <a:pPr lvl="2"/>
             <a:r>
-              <a:rPr lang="en-US" dirty="0"/>
+              <a:rPr lang="en-US"/>
               <a:t>Third level</a:t>
             </a:r>
           </a:p>
           <a:p>
             <a:pPr lvl="3"/>
             <a:r>
-              <a:rPr lang="en-US" dirty="0"/>
+              <a:rPr lang="en-US"/>
               <a:t>Fourth level</a:t>
             </a:r>
           </a:p>
           <a:p>
             <a:pPr lvl="4"/>
             <a:r>
-              <a:rPr lang="en-US" dirty="0"/>
+              <a:rPr lang="en-US"/>
               <a:t>Fifth level</a:t>
             </a:r>
+            <a:endParaRPr lang="en-US" dirty="0"/>
           </a:p>
         </p:txBody>
       </p:sp>
@@ -3091,10 +2579,47 @@
             </a:lvl1pPr>
           </a:lstStyle>
           <a:p>
-            <a:fld id="{F2905278-E09F-2F4C-BE16-F9802464170C}" type="datetimeFigureOut">
+            <a:fld id="{2880BE9F-762B-7246-8398-4DF381445DEA}" type="datetimeFigureOut">
               <a:rPr lang="en-US" smtClean="0"/>
-              <a:t>7/18/19</a:t>
+              <a:t>3/4/20</a:t>
             </a:fld>
+            <a:endParaRPr lang="en-US"/>
+          </a:p>
+        </p:txBody>
+      </p:sp>
+      <p:sp>
+        <p:nvSpPr>
+          <p:cNvPr id="5" name="Footer Placeholder 4"/>
+          <p:cNvSpPr>
+            <a:spLocks noGrp="1"/>
+          </p:cNvSpPr>
+          <p:nvPr>
+            <p:ph type="ftr" sz="quarter" idx="3"/>
+          </p:nvPr>
+        </p:nvSpPr>
+        <p:spPr>
+          <a:xfrm>
+            <a:off x="3028950" y="6356351"/>
+            <a:ext cx="3086100" cy="365125"/>
+          </a:xfrm>
+          <a:prstGeom prst="rect">
+            <a:avLst/>
+          </a:prstGeom>
+        </p:spPr>
+        <p:txBody>
+          <a:bodyPr vert="horz" lIns="91440" tIns="45720" rIns="91440" bIns="45720" rtlCol="0" anchor="ctr"/>
+          <a:lstStyle>
+            <a:lvl1pPr algn="ctr">
+              <a:defRPr sz="1200">
+                <a:solidFill>
+                  <a:schemeClr val="tx1">
+                    <a:tint val="75000"/>
+                  </a:schemeClr>
+                </a:solidFill>
+              </a:defRPr>
+            </a:lvl1pPr>
+          </a:lstStyle>
+          <a:p>
             <a:endParaRPr lang="en-US"/>
           </a:p>
         </p:txBody>
@@ -3132,7 +2657,7 @@
             </a:lvl1pPr>
           </a:lstStyle>
           <a:p>
-            <a:fld id="{4C4EA819-C5B7-D34A-B166-9E545EA23F82}" type="slidenum">
+            <a:fld id="{EB5AFE88-A7FC-8B45-B38B-D61FC247B937}" type="slidenum">
               <a:rPr lang="en-US" smtClean="0"/>
               <a:t>‹#›</a:t>
             </a:fld>
@@ -3140,211 +2665,10 @@
           </a:p>
         </p:txBody>
       </p:sp>
-      <p:sp>
-        <p:nvSpPr>
-          <p:cNvPr id="12" name="Rectangle 11">
-            <a:extLst>
-              <a:ext uri="{FF2B5EF4-FFF2-40B4-BE49-F238E27FC236}">
-                <a16:creationId xmlns:a16="http://schemas.microsoft.com/office/drawing/2014/main" id="{2BBAD203-FE67-3845-9BA0-9DEB9C13B849}"/>
-              </a:ext>
-            </a:extLst>
-          </p:cNvPr>
-          <p:cNvSpPr/>
-          <p:nvPr userDrawn="1"/>
-        </p:nvSpPr>
-        <p:spPr>
-          <a:xfrm>
-            <a:off x="1" y="-671"/>
-            <a:ext cx="9143999" cy="944025"/>
-          </a:xfrm>
-          <a:prstGeom prst="rect">
-            <a:avLst/>
-          </a:prstGeom>
-          <a:solidFill>
-            <a:srgbClr val="2D78B7"/>
-          </a:solidFill>
-          <a:ln>
-            <a:noFill/>
-          </a:ln>
-        </p:spPr>
-        <p:style>
-          <a:lnRef idx="2">
-            <a:schemeClr val="accent1">
-              <a:shade val="50000"/>
-            </a:schemeClr>
-          </a:lnRef>
-          <a:fillRef idx="1">
-            <a:schemeClr val="accent1"/>
-          </a:fillRef>
-          <a:effectRef idx="0">
-            <a:schemeClr val="accent1"/>
-          </a:effectRef>
-          <a:fontRef idx="minor">
-            <a:schemeClr val="lt1"/>
-          </a:fontRef>
-        </p:style>
-        <p:txBody>
-          <a:bodyPr rtlCol="0" anchor="ctr"/>
-          <a:lstStyle/>
-          <a:p>
-            <a:pPr algn="ctr"/>
-            <a:endParaRPr lang="en-US" dirty="0"/>
-          </a:p>
-        </p:txBody>
-      </p:sp>
-      <p:sp>
-        <p:nvSpPr>
-          <p:cNvPr id="13" name="Parallelogram 12">
-            <a:extLst>
-              <a:ext uri="{FF2B5EF4-FFF2-40B4-BE49-F238E27FC236}">
-                <a16:creationId xmlns:a16="http://schemas.microsoft.com/office/drawing/2014/main" id="{88AFAB5F-0CD4-3744-B2F6-7710C33ABAC7}"/>
-              </a:ext>
-            </a:extLst>
-          </p:cNvPr>
-          <p:cNvSpPr/>
-          <p:nvPr userDrawn="1"/>
-        </p:nvSpPr>
-        <p:spPr>
-          <a:xfrm rot="10800000">
-            <a:off x="2045287" y="4674"/>
-            <a:ext cx="6186487" cy="1074539"/>
-          </a:xfrm>
-          <a:prstGeom prst="parallelogram">
-            <a:avLst>
-              <a:gd name="adj" fmla="val 76856"/>
-            </a:avLst>
-          </a:prstGeom>
-          <a:solidFill>
-            <a:srgbClr val="797979"/>
-          </a:solidFill>
-          <a:ln>
-            <a:solidFill>
-              <a:srgbClr val="8C8C8C"/>
-            </a:solidFill>
-          </a:ln>
-        </p:spPr>
-        <p:style>
-          <a:lnRef idx="2">
-            <a:schemeClr val="accent1">
-              <a:shade val="50000"/>
-            </a:schemeClr>
-          </a:lnRef>
-          <a:fillRef idx="1">
-            <a:schemeClr val="accent1"/>
-          </a:fillRef>
-          <a:effectRef idx="0">
-            <a:schemeClr val="accent1"/>
-          </a:effectRef>
-          <a:fontRef idx="minor">
-            <a:schemeClr val="lt1"/>
-          </a:fontRef>
-        </p:style>
-        <p:txBody>
-          <a:bodyPr vert="horz" rtlCol="0" anchor="ctr"/>
-          <a:lstStyle/>
-          <a:p>
-            <a:pPr algn="ctr"/>
-            <a:endParaRPr lang="en-US" dirty="0"/>
-          </a:p>
-        </p:txBody>
-      </p:sp>
-      <p:sp>
-        <p:nvSpPr>
-          <p:cNvPr id="14" name="Rectangle 13">
-            <a:extLst>
-              <a:ext uri="{FF2B5EF4-FFF2-40B4-BE49-F238E27FC236}">
-                <a16:creationId xmlns:a16="http://schemas.microsoft.com/office/drawing/2014/main" id="{126E971A-38FF-0241-88EE-589E2DF6407A}"/>
-              </a:ext>
-            </a:extLst>
-          </p:cNvPr>
-          <p:cNvSpPr/>
-          <p:nvPr userDrawn="1"/>
-        </p:nvSpPr>
-        <p:spPr>
-          <a:xfrm>
-            <a:off x="-2" y="840668"/>
-            <a:ext cx="9144001" cy="114364"/>
-          </a:xfrm>
-          <a:prstGeom prst="rect">
-            <a:avLst/>
-          </a:prstGeom>
-          <a:solidFill>
-            <a:srgbClr val="60BA4B"/>
-          </a:solidFill>
-          <a:ln>
-            <a:solidFill>
-              <a:srgbClr val="60BA4B"/>
-            </a:solidFill>
-          </a:ln>
-        </p:spPr>
-        <p:style>
-          <a:lnRef idx="2">
-            <a:schemeClr val="accent1">
-              <a:shade val="50000"/>
-            </a:schemeClr>
-          </a:lnRef>
-          <a:fillRef idx="1">
-            <a:schemeClr val="accent1"/>
-          </a:fillRef>
-          <a:effectRef idx="0">
-            <a:schemeClr val="accent1"/>
-          </a:effectRef>
-          <a:fontRef idx="minor">
-            <a:schemeClr val="lt1"/>
-          </a:fontRef>
-        </p:style>
-        <p:txBody>
-          <a:bodyPr rtlCol="0" anchor="ctr"/>
-          <a:lstStyle/>
-          <a:p>
-            <a:pPr algn="ctr"/>
-            <a:endParaRPr lang="en-US" dirty="0"/>
-          </a:p>
-        </p:txBody>
-      </p:sp>
-      <p:pic>
-        <p:nvPicPr>
-          <p:cNvPr id="16" name="Graphic 15">
-            <a:extLst>
-              <a:ext uri="{FF2B5EF4-FFF2-40B4-BE49-F238E27FC236}">
-                <a16:creationId xmlns:a16="http://schemas.microsoft.com/office/drawing/2014/main" id="{11F1D90D-CE78-9846-8255-AD87DC930A71}"/>
-              </a:ext>
-            </a:extLst>
-          </p:cNvPr>
-          <p:cNvPicPr>
-            <a:picLocks noChangeAspect="1"/>
-          </p:cNvPicPr>
-          <p:nvPr userDrawn="1"/>
-        </p:nvPicPr>
-        <p:blipFill>
-          <a:blip r:embed="rId13">
-            <a:extLst>
-              <a:ext uri="{28A0092B-C50C-407E-A947-70E740481C1C}">
-                <a14:useLocalDpi xmlns:a14="http://schemas.microsoft.com/office/drawing/2010/main" val="0"/>
-              </a:ext>
-              <a:ext uri="{96DAC541-7B7A-43D3-8B79-37D633B846F1}">
-                <asvg:svgBlip xmlns:asvg="http://schemas.microsoft.com/office/drawing/2016/SVG/main" r:embed="rId14"/>
-              </a:ext>
-            </a:extLst>
-          </a:blip>
-          <a:stretch>
-            <a:fillRect/>
-          </a:stretch>
-        </p:blipFill>
-        <p:spPr>
-          <a:xfrm>
-            <a:off x="105418" y="230190"/>
-            <a:ext cx="2419327" cy="395890"/>
-          </a:xfrm>
-          <a:prstGeom prst="rect">
-            <a:avLst/>
-          </a:prstGeom>
-        </p:spPr>
-      </p:pic>
     </p:spTree>
     <p:extLst>
       <p:ext uri="{BB962C8B-B14F-4D97-AF65-F5344CB8AC3E}">
-        <p14:creationId xmlns:p14="http://schemas.microsoft.com/office/powerpoint/2010/main" val="749367634"/>
+        <p14:creationId xmlns:p14="http://schemas.microsoft.com/office/powerpoint/2010/main" val="912515637"/>
       </p:ext>
     </p:extLst>
   </p:cSld>
@@ -3376,7 +2700,7 @@
           <a:solidFill>
             <a:schemeClr val="tx1"/>
           </a:solidFill>
-          <a:latin typeface="Georgia" panose="02040502050405020303" pitchFamily="18" charset="0"/>
+          <a:latin typeface="+mj-lt"/>
           <a:ea typeface="+mj-ea"/>
           <a:cs typeface="+mj-cs"/>
         </a:defRPr>
@@ -3396,7 +2720,7 @@
           <a:solidFill>
             <a:schemeClr val="tx1"/>
           </a:solidFill>
-          <a:latin typeface="Georgia" panose="02040502050405020303" pitchFamily="18" charset="0"/>
+          <a:latin typeface="+mn-lt"/>
           <a:ea typeface="+mn-ea"/>
           <a:cs typeface="+mn-cs"/>
         </a:defRPr>
@@ -3414,7 +2738,7 @@
           <a:solidFill>
             <a:schemeClr val="tx1"/>
           </a:solidFill>
-          <a:latin typeface="Georgia" panose="02040502050405020303" pitchFamily="18" charset="0"/>
+          <a:latin typeface="+mn-lt"/>
           <a:ea typeface="+mn-ea"/>
           <a:cs typeface="+mn-cs"/>
         </a:defRPr>
@@ -3432,7 +2756,7 @@
           <a:solidFill>
             <a:schemeClr val="tx1"/>
           </a:solidFill>
-          <a:latin typeface="Georgia" panose="02040502050405020303" pitchFamily="18" charset="0"/>
+          <a:latin typeface="+mn-lt"/>
           <a:ea typeface="+mn-ea"/>
           <a:cs typeface="+mn-cs"/>
         </a:defRPr>
@@ -3450,7 +2774,7 @@
           <a:solidFill>
             <a:schemeClr val="tx1"/>
           </a:solidFill>
-          <a:latin typeface="Georgia" panose="02040502050405020303" pitchFamily="18" charset="0"/>
+          <a:latin typeface="+mn-lt"/>
           <a:ea typeface="+mn-ea"/>
           <a:cs typeface="+mn-cs"/>
         </a:defRPr>
@@ -3468,7 +2792,7 @@
           <a:solidFill>
             <a:schemeClr val="tx1"/>
           </a:solidFill>
-          <a:latin typeface="Georgia" panose="02040502050405020303" pitchFamily="18" charset="0"/>
+          <a:latin typeface="+mn-lt"/>
           <a:ea typeface="+mn-ea"/>
           <a:cs typeface="+mn-cs"/>
         </a:defRPr>
@@ -3667,7 +2991,7 @@
           <p:cNvPr id="2" name="Title 1">
             <a:extLst>
               <a:ext uri="{FF2B5EF4-FFF2-40B4-BE49-F238E27FC236}">
-                <a16:creationId xmlns:a16="http://schemas.microsoft.com/office/drawing/2014/main" id="{D8E89BF8-196C-DC41-B4B4-27717004ECF5}"/>
+                <a16:creationId xmlns:a16="http://schemas.microsoft.com/office/drawing/2014/main" id="{7A36191A-14AA-DC46-A1B9-D27EC36D042A}"/>
               </a:ext>
             </a:extLst>
           </p:cNvPr>
@@ -3692,7 +3016,7 @@
           <p:cNvPr id="3" name="Subtitle 2">
             <a:extLst>
               <a:ext uri="{FF2B5EF4-FFF2-40B4-BE49-F238E27FC236}">
-                <a16:creationId xmlns:a16="http://schemas.microsoft.com/office/drawing/2014/main" id="{D9861925-288F-A34E-9C91-3D8000FD10D8}"/>
+                <a16:creationId xmlns:a16="http://schemas.microsoft.com/office/drawing/2014/main" id="{EA7E949F-D576-7741-84F7-791C9E57C4B0}"/>
               </a:ext>
             </a:extLst>
           </p:cNvPr>
@@ -3708,16 +3032,451 @@
           <a:bodyPr/>
           <a:lstStyle/>
           <a:p>
-            <a:endParaRPr lang="en-US"/>
+            <a:endParaRPr lang="en-US" dirty="0"/>
+          </a:p>
+        </p:txBody>
+      </p:sp>
+      <p:sp>
+        <p:nvSpPr>
+          <p:cNvPr id="5" name="Rectangle 4">
+            <a:extLst>
+              <a:ext uri="{FF2B5EF4-FFF2-40B4-BE49-F238E27FC236}">
+                <a16:creationId xmlns:a16="http://schemas.microsoft.com/office/drawing/2014/main" id="{877996CF-9275-5848-A158-A540D9C4A13D}"/>
+              </a:ext>
+            </a:extLst>
+          </p:cNvPr>
+          <p:cNvSpPr/>
+          <p:nvPr/>
+        </p:nvSpPr>
+        <p:spPr>
+          <a:xfrm>
+            <a:off x="3" y="0"/>
+            <a:ext cx="9143999" cy="944025"/>
+          </a:xfrm>
+          <a:prstGeom prst="rect">
+            <a:avLst/>
+          </a:prstGeom>
+          <a:solidFill>
+            <a:srgbClr val="2D78B7"/>
+          </a:solidFill>
+          <a:ln>
+            <a:noFill/>
+          </a:ln>
+        </p:spPr>
+        <p:style>
+          <a:lnRef idx="2">
+            <a:schemeClr val="accent1">
+              <a:shade val="50000"/>
+            </a:schemeClr>
+          </a:lnRef>
+          <a:fillRef idx="1">
+            <a:schemeClr val="accent1"/>
+          </a:fillRef>
+          <a:effectRef idx="0">
+            <a:schemeClr val="accent1"/>
+          </a:effectRef>
+          <a:fontRef idx="minor">
+            <a:schemeClr val="lt1"/>
+          </a:fontRef>
+        </p:style>
+        <p:txBody>
+          <a:bodyPr rtlCol="0" anchor="ctr"/>
+          <a:lstStyle>
+            <a:lvl1pPr>
+              <a:defRPr>
+                <a:solidFill>
+                  <a:schemeClr val="lt1"/>
+                </a:solidFill>
+                <a:latin typeface="+mn-lt"/>
+                <a:ea typeface="+mn-ea"/>
+                <a:cs typeface="+mn-cs"/>
+              </a:defRPr>
+            </a:lvl1pPr>
+            <a:lvl2pPr>
+              <a:defRPr>
+                <a:solidFill>
+                  <a:schemeClr val="lt1"/>
+                </a:solidFill>
+                <a:latin typeface="+mn-lt"/>
+                <a:ea typeface="+mn-ea"/>
+                <a:cs typeface="+mn-cs"/>
+              </a:defRPr>
+            </a:lvl2pPr>
+            <a:lvl3pPr>
+              <a:defRPr>
+                <a:solidFill>
+                  <a:schemeClr val="lt1"/>
+                </a:solidFill>
+                <a:latin typeface="+mn-lt"/>
+                <a:ea typeface="+mn-ea"/>
+                <a:cs typeface="+mn-cs"/>
+              </a:defRPr>
+            </a:lvl3pPr>
+            <a:lvl4pPr>
+              <a:defRPr>
+                <a:solidFill>
+                  <a:schemeClr val="lt1"/>
+                </a:solidFill>
+                <a:latin typeface="+mn-lt"/>
+                <a:ea typeface="+mn-ea"/>
+                <a:cs typeface="+mn-cs"/>
+              </a:defRPr>
+            </a:lvl4pPr>
+            <a:lvl5pPr>
+              <a:defRPr>
+                <a:solidFill>
+                  <a:schemeClr val="lt1"/>
+                </a:solidFill>
+                <a:latin typeface="+mn-lt"/>
+                <a:ea typeface="+mn-ea"/>
+                <a:cs typeface="+mn-cs"/>
+              </a:defRPr>
+            </a:lvl5pPr>
+            <a:lvl6pPr>
+              <a:defRPr>
+                <a:solidFill>
+                  <a:schemeClr val="lt1"/>
+                </a:solidFill>
+                <a:latin typeface="+mn-lt"/>
+                <a:ea typeface="+mn-ea"/>
+                <a:cs typeface="+mn-cs"/>
+              </a:defRPr>
+            </a:lvl6pPr>
+            <a:lvl7pPr>
+              <a:defRPr>
+                <a:solidFill>
+                  <a:schemeClr val="lt1"/>
+                </a:solidFill>
+                <a:latin typeface="+mn-lt"/>
+                <a:ea typeface="+mn-ea"/>
+                <a:cs typeface="+mn-cs"/>
+              </a:defRPr>
+            </a:lvl7pPr>
+            <a:lvl8pPr>
+              <a:defRPr>
+                <a:solidFill>
+                  <a:schemeClr val="lt1"/>
+                </a:solidFill>
+                <a:latin typeface="+mn-lt"/>
+                <a:ea typeface="+mn-ea"/>
+                <a:cs typeface="+mn-cs"/>
+              </a:defRPr>
+            </a:lvl8pPr>
+            <a:lvl9pPr>
+              <a:defRPr>
+                <a:solidFill>
+                  <a:schemeClr val="lt1"/>
+                </a:solidFill>
+                <a:latin typeface="+mn-lt"/>
+                <a:ea typeface="+mn-ea"/>
+                <a:cs typeface="+mn-cs"/>
+              </a:defRPr>
+            </a:lvl9pPr>
+          </a:lstStyle>
+          <a:p>
+            <a:pPr algn="ctr"/>
+            <a:endParaRPr lang="en-US" dirty="0"/>
+          </a:p>
+        </p:txBody>
+      </p:sp>
+      <p:sp>
+        <p:nvSpPr>
+          <p:cNvPr id="6" name="Parallelogram 5">
+            <a:extLst>
+              <a:ext uri="{FF2B5EF4-FFF2-40B4-BE49-F238E27FC236}">
+                <a16:creationId xmlns:a16="http://schemas.microsoft.com/office/drawing/2014/main" id="{EF912816-F0C7-7549-BCF3-5B801FFB2A09}"/>
+              </a:ext>
+            </a:extLst>
+          </p:cNvPr>
+          <p:cNvSpPr/>
+          <p:nvPr/>
+        </p:nvSpPr>
+        <p:spPr>
+          <a:xfrm rot="10800000">
+            <a:off x="2630164" y="1786"/>
+            <a:ext cx="6186487" cy="1074539"/>
+          </a:xfrm>
+          <a:prstGeom prst="parallelogram">
+            <a:avLst>
+              <a:gd name="adj" fmla="val 76856"/>
+            </a:avLst>
+          </a:prstGeom>
+          <a:solidFill>
+            <a:srgbClr val="797979"/>
+          </a:solidFill>
+          <a:ln>
+            <a:solidFill>
+              <a:srgbClr val="8C8C8C"/>
+            </a:solidFill>
+          </a:ln>
+        </p:spPr>
+        <p:style>
+          <a:lnRef idx="2">
+            <a:schemeClr val="accent1">
+              <a:shade val="50000"/>
+            </a:schemeClr>
+          </a:lnRef>
+          <a:fillRef idx="1">
+            <a:schemeClr val="accent1"/>
+          </a:fillRef>
+          <a:effectRef idx="0">
+            <a:schemeClr val="accent1"/>
+          </a:effectRef>
+          <a:fontRef idx="minor">
+            <a:schemeClr val="lt1"/>
+          </a:fontRef>
+        </p:style>
+        <p:txBody>
+          <a:bodyPr vert="horz" rtlCol="0" anchor="ctr"/>
+          <a:lstStyle>
+            <a:lvl1pPr>
+              <a:defRPr>
+                <a:solidFill>
+                  <a:schemeClr val="lt1"/>
+                </a:solidFill>
+                <a:latin typeface="+mn-lt"/>
+                <a:ea typeface="+mn-ea"/>
+                <a:cs typeface="+mn-cs"/>
+              </a:defRPr>
+            </a:lvl1pPr>
+            <a:lvl2pPr>
+              <a:defRPr>
+                <a:solidFill>
+                  <a:schemeClr val="lt1"/>
+                </a:solidFill>
+                <a:latin typeface="+mn-lt"/>
+                <a:ea typeface="+mn-ea"/>
+                <a:cs typeface="+mn-cs"/>
+              </a:defRPr>
+            </a:lvl2pPr>
+            <a:lvl3pPr>
+              <a:defRPr>
+                <a:solidFill>
+                  <a:schemeClr val="lt1"/>
+                </a:solidFill>
+                <a:latin typeface="+mn-lt"/>
+                <a:ea typeface="+mn-ea"/>
+                <a:cs typeface="+mn-cs"/>
+              </a:defRPr>
+            </a:lvl3pPr>
+            <a:lvl4pPr>
+              <a:defRPr>
+                <a:solidFill>
+                  <a:schemeClr val="lt1"/>
+                </a:solidFill>
+                <a:latin typeface="+mn-lt"/>
+                <a:ea typeface="+mn-ea"/>
+                <a:cs typeface="+mn-cs"/>
+              </a:defRPr>
+            </a:lvl4pPr>
+            <a:lvl5pPr>
+              <a:defRPr>
+                <a:solidFill>
+                  <a:schemeClr val="lt1"/>
+                </a:solidFill>
+                <a:latin typeface="+mn-lt"/>
+                <a:ea typeface="+mn-ea"/>
+                <a:cs typeface="+mn-cs"/>
+              </a:defRPr>
+            </a:lvl5pPr>
+            <a:lvl6pPr>
+              <a:defRPr>
+                <a:solidFill>
+                  <a:schemeClr val="lt1"/>
+                </a:solidFill>
+                <a:latin typeface="+mn-lt"/>
+                <a:ea typeface="+mn-ea"/>
+                <a:cs typeface="+mn-cs"/>
+              </a:defRPr>
+            </a:lvl6pPr>
+            <a:lvl7pPr>
+              <a:defRPr>
+                <a:solidFill>
+                  <a:schemeClr val="lt1"/>
+                </a:solidFill>
+                <a:latin typeface="+mn-lt"/>
+                <a:ea typeface="+mn-ea"/>
+                <a:cs typeface="+mn-cs"/>
+              </a:defRPr>
+            </a:lvl7pPr>
+            <a:lvl8pPr>
+              <a:defRPr>
+                <a:solidFill>
+                  <a:schemeClr val="lt1"/>
+                </a:solidFill>
+                <a:latin typeface="+mn-lt"/>
+                <a:ea typeface="+mn-ea"/>
+                <a:cs typeface="+mn-cs"/>
+              </a:defRPr>
+            </a:lvl8pPr>
+            <a:lvl9pPr>
+              <a:defRPr>
+                <a:solidFill>
+                  <a:schemeClr val="lt1"/>
+                </a:solidFill>
+                <a:latin typeface="+mn-lt"/>
+                <a:ea typeface="+mn-ea"/>
+                <a:cs typeface="+mn-cs"/>
+              </a:defRPr>
+            </a:lvl9pPr>
+          </a:lstStyle>
+          <a:p>
+            <a:pPr algn="ctr"/>
+            <a:endParaRPr lang="en-US" dirty="0"/>
+          </a:p>
+        </p:txBody>
+      </p:sp>
+      <p:sp>
+        <p:nvSpPr>
+          <p:cNvPr id="7" name="Rectangle 6">
+            <a:extLst>
+              <a:ext uri="{FF2B5EF4-FFF2-40B4-BE49-F238E27FC236}">
+                <a16:creationId xmlns:a16="http://schemas.microsoft.com/office/drawing/2014/main" id="{1DA28668-FFC5-5C45-9515-21560010B9E1}"/>
+              </a:ext>
+            </a:extLst>
+          </p:cNvPr>
+          <p:cNvSpPr/>
+          <p:nvPr/>
+        </p:nvSpPr>
+        <p:spPr>
+          <a:xfrm>
+            <a:off x="0" y="841339"/>
+            <a:ext cx="9144001" cy="114364"/>
+          </a:xfrm>
+          <a:prstGeom prst="rect">
+            <a:avLst/>
+          </a:prstGeom>
+          <a:solidFill>
+            <a:srgbClr val="60BA4B"/>
+          </a:solidFill>
+          <a:ln>
+            <a:solidFill>
+              <a:srgbClr val="60BA4B"/>
+            </a:solidFill>
+          </a:ln>
+        </p:spPr>
+        <p:style>
+          <a:lnRef idx="2">
+            <a:schemeClr val="accent1">
+              <a:shade val="50000"/>
+            </a:schemeClr>
+          </a:lnRef>
+          <a:fillRef idx="1">
+            <a:schemeClr val="accent1"/>
+          </a:fillRef>
+          <a:effectRef idx="0">
+            <a:schemeClr val="accent1"/>
+          </a:effectRef>
+          <a:fontRef idx="minor">
+            <a:schemeClr val="lt1"/>
+          </a:fontRef>
+        </p:style>
+        <p:txBody>
+          <a:bodyPr rtlCol="0" anchor="ctr"/>
+          <a:lstStyle>
+            <a:lvl1pPr>
+              <a:defRPr>
+                <a:solidFill>
+                  <a:schemeClr val="lt1"/>
+                </a:solidFill>
+                <a:latin typeface="+mn-lt"/>
+                <a:ea typeface="+mn-ea"/>
+                <a:cs typeface="+mn-cs"/>
+              </a:defRPr>
+            </a:lvl1pPr>
+            <a:lvl2pPr>
+              <a:defRPr>
+                <a:solidFill>
+                  <a:schemeClr val="lt1"/>
+                </a:solidFill>
+                <a:latin typeface="+mn-lt"/>
+                <a:ea typeface="+mn-ea"/>
+                <a:cs typeface="+mn-cs"/>
+              </a:defRPr>
+            </a:lvl2pPr>
+            <a:lvl3pPr>
+              <a:defRPr>
+                <a:solidFill>
+                  <a:schemeClr val="lt1"/>
+                </a:solidFill>
+                <a:latin typeface="+mn-lt"/>
+                <a:ea typeface="+mn-ea"/>
+                <a:cs typeface="+mn-cs"/>
+              </a:defRPr>
+            </a:lvl3pPr>
+            <a:lvl4pPr>
+              <a:defRPr>
+                <a:solidFill>
+                  <a:schemeClr val="lt1"/>
+                </a:solidFill>
+                <a:latin typeface="+mn-lt"/>
+                <a:ea typeface="+mn-ea"/>
+                <a:cs typeface="+mn-cs"/>
+              </a:defRPr>
+            </a:lvl4pPr>
+            <a:lvl5pPr>
+              <a:defRPr>
+                <a:solidFill>
+                  <a:schemeClr val="lt1"/>
+                </a:solidFill>
+                <a:latin typeface="+mn-lt"/>
+                <a:ea typeface="+mn-ea"/>
+                <a:cs typeface="+mn-cs"/>
+              </a:defRPr>
+            </a:lvl5pPr>
+            <a:lvl6pPr>
+              <a:defRPr>
+                <a:solidFill>
+                  <a:schemeClr val="lt1"/>
+                </a:solidFill>
+                <a:latin typeface="+mn-lt"/>
+                <a:ea typeface="+mn-ea"/>
+                <a:cs typeface="+mn-cs"/>
+              </a:defRPr>
+            </a:lvl6pPr>
+            <a:lvl7pPr>
+              <a:defRPr>
+                <a:solidFill>
+                  <a:schemeClr val="lt1"/>
+                </a:solidFill>
+                <a:latin typeface="+mn-lt"/>
+                <a:ea typeface="+mn-ea"/>
+                <a:cs typeface="+mn-cs"/>
+              </a:defRPr>
+            </a:lvl7pPr>
+            <a:lvl8pPr>
+              <a:defRPr>
+                <a:solidFill>
+                  <a:schemeClr val="lt1"/>
+                </a:solidFill>
+                <a:latin typeface="+mn-lt"/>
+                <a:ea typeface="+mn-ea"/>
+                <a:cs typeface="+mn-cs"/>
+              </a:defRPr>
+            </a:lvl8pPr>
+            <a:lvl9pPr>
+              <a:defRPr>
+                <a:solidFill>
+                  <a:schemeClr val="lt1"/>
+                </a:solidFill>
+                <a:latin typeface="+mn-lt"/>
+                <a:ea typeface="+mn-ea"/>
+                <a:cs typeface="+mn-cs"/>
+              </a:defRPr>
+            </a:lvl9pPr>
+          </a:lstStyle>
+          <a:p>
+            <a:pPr algn="ctr"/>
+            <a:endParaRPr lang="en-US" dirty="0"/>
           </a:p>
         </p:txBody>
       </p:sp>
       <p:pic>
         <p:nvPicPr>
-          <p:cNvPr id="4" name="Picture 3">
+          <p:cNvPr id="8" name="Graphic 4">
             <a:extLst>
               <a:ext uri="{FF2B5EF4-FFF2-40B4-BE49-F238E27FC236}">
-                <a16:creationId xmlns:a16="http://schemas.microsoft.com/office/drawing/2014/main" id="{D2280CF3-5F82-D94A-850C-FE81EC81EB8E}"/>
+                <a16:creationId xmlns:a16="http://schemas.microsoft.com/office/drawing/2014/main" id="{4D359863-1A17-6144-89EA-48CCFD288DAB}"/>
               </a:ext>
             </a:extLst>
           </p:cNvPr>
@@ -3727,57 +3486,77 @@
           <p:nvPr/>
         </p:nvPicPr>
         <p:blipFill>
-          <a:blip r:embed="rId2"/>
+          <a:blip r:embed="rId2">
+            <a:extLst>
+              <a:ext uri="{28A0092B-C50C-407E-A947-70E740481C1C}">
+                <a14:useLocalDpi xmlns:a14="http://schemas.microsoft.com/office/drawing/2010/main" val="0"/>
+              </a:ext>
+              <a:ext uri="{96DAC541-7B7A-43D3-8B79-37D633B846F1}">
+                <asvg:svgBlip xmlns:asvg="http://schemas.microsoft.com/office/drawing/2016/SVG/main" r:embed="rId3"/>
+              </a:ext>
+            </a:extLst>
+          </a:blip>
           <a:stretch>
             <a:fillRect/>
           </a:stretch>
         </p:blipFill>
         <p:spPr>
           <a:xfrm>
-            <a:off x="0" y="6308344"/>
-            <a:ext cx="5486400" cy="558800"/>
+            <a:off x="379739" y="224486"/>
+            <a:ext cx="2419327" cy="395890"/>
           </a:xfrm>
           <a:prstGeom prst="rect">
             <a:avLst/>
           </a:prstGeom>
         </p:spPr>
       </p:pic>
-      <p:pic>
-        <p:nvPicPr>
-          <p:cNvPr id="5" name="Picture 4">
+      <p:sp>
+        <p:nvSpPr>
+          <p:cNvPr id="9" name="TextBox 8">
             <a:extLst>
               <a:ext uri="{FF2B5EF4-FFF2-40B4-BE49-F238E27FC236}">
-                <a16:creationId xmlns:a16="http://schemas.microsoft.com/office/drawing/2014/main" id="{03892464-7064-264D-A925-CA421E6DFBCE}"/>
+                <a16:creationId xmlns:a16="http://schemas.microsoft.com/office/drawing/2014/main" id="{D1209A55-F83F-9941-8549-B7FADC251038}"/>
               </a:ext>
             </a:extLst>
           </p:cNvPr>
-          <p:cNvPicPr>
-            <a:picLocks noChangeAspect="1"/>
-          </p:cNvPicPr>
+          <p:cNvSpPr txBox="1"/>
           <p:nvPr/>
-        </p:nvPicPr>
-        <p:blipFill>
-          <a:blip r:embed="rId3"/>
-          <a:stretch>
-            <a:fillRect/>
-          </a:stretch>
-        </p:blipFill>
+        </p:nvSpPr>
         <p:spPr>
           <a:xfrm>
-            <a:off x="528395" y="6367717"/>
-            <a:ext cx="1955800" cy="381000"/>
+            <a:off x="3636367" y="74809"/>
+            <a:ext cx="4342983" cy="707886"/>
           </a:xfrm>
           <a:prstGeom prst="rect">
             <a:avLst/>
           </a:prstGeom>
+          <a:noFill/>
         </p:spPr>
-      </p:pic>
+        <p:txBody>
+          <a:bodyPr vert="horz" wrap="square" rtlCol="0" anchor="ctr">
+            <a:spAutoFit/>
+          </a:bodyPr>
+          <a:lstStyle/>
+          <a:p>
+            <a:pPr algn="ctr"/>
+            <a:r>
+              <a:rPr lang="en-US" sz="2000" b="1" dirty="0">
+                <a:solidFill>
+                  <a:schemeClr val="bg1"/>
+                </a:solidFill>
+                <a:latin typeface="Georgia" panose="02040502050405020303" pitchFamily="18" charset="0"/>
+              </a:rPr>
+              <a:t>Computational and Informatics Resources for Glycoscience</a:t>
+            </a:r>
+          </a:p>
+        </p:txBody>
+      </p:sp>
       <p:pic>
         <p:nvPicPr>
-          <p:cNvPr id="6" name="Picture 5">
+          <p:cNvPr id="14" name="Picture 13">
             <a:extLst>
               <a:ext uri="{FF2B5EF4-FFF2-40B4-BE49-F238E27FC236}">
-                <a16:creationId xmlns:a16="http://schemas.microsoft.com/office/drawing/2014/main" id="{DBA092D9-7A08-774F-A288-BA01ED498F59}"/>
+                <a16:creationId xmlns:a16="http://schemas.microsoft.com/office/drawing/2014/main" id="{847DF0CF-49BE-A74B-813D-AD5293A8EF6C}"/>
               </a:ext>
             </a:extLst>
           </p:cNvPr>
@@ -3794,8 +3573,8 @@
         </p:blipFill>
         <p:spPr>
           <a:xfrm>
-            <a:off x="2834877" y="6365495"/>
-            <a:ext cx="2159000" cy="381000"/>
+            <a:off x="7391400" y="6094704"/>
+            <a:ext cx="1752600" cy="762000"/>
           </a:xfrm>
           <a:prstGeom prst="rect">
             <a:avLst/>
@@ -3804,10 +3583,10 @@
       </p:pic>
       <p:pic>
         <p:nvPicPr>
-          <p:cNvPr id="7" name="Picture 6">
+          <p:cNvPr id="13" name="Picture 12">
             <a:extLst>
               <a:ext uri="{FF2B5EF4-FFF2-40B4-BE49-F238E27FC236}">
-                <a16:creationId xmlns:a16="http://schemas.microsoft.com/office/drawing/2014/main" id="{DF542354-12CC-5E49-87AE-E02AF0D3ADD0}"/>
+                <a16:creationId xmlns:a16="http://schemas.microsoft.com/office/drawing/2014/main" id="{43B53FC9-03BE-334C-A481-72F66DBC44FC}"/>
               </a:ext>
             </a:extLst>
           </p:cNvPr>
@@ -3824,37 +3603,7 @@
         </p:blipFill>
         <p:spPr>
           <a:xfrm>
-            <a:off x="7391400" y="6103848"/>
-            <a:ext cx="1752600" cy="762000"/>
-          </a:xfrm>
-          <a:prstGeom prst="rect">
-            <a:avLst/>
-          </a:prstGeom>
-        </p:spPr>
-      </p:pic>
-      <p:pic>
-        <p:nvPicPr>
-          <p:cNvPr id="8" name="Picture 7">
-            <a:extLst>
-              <a:ext uri="{FF2B5EF4-FFF2-40B4-BE49-F238E27FC236}">
-                <a16:creationId xmlns:a16="http://schemas.microsoft.com/office/drawing/2014/main" id="{6D957290-3663-C14B-A7C4-77B681917FE7}"/>
-              </a:ext>
-            </a:extLst>
-          </p:cNvPr>
-          <p:cNvPicPr>
-            <a:picLocks noChangeAspect="1"/>
-          </p:cNvPicPr>
-          <p:nvPr/>
-        </p:nvPicPr>
-        <p:blipFill>
-          <a:blip r:embed="rId6"/>
-          <a:stretch>
-            <a:fillRect/>
-          </a:stretch>
-        </p:blipFill>
-        <p:spPr>
-          <a:xfrm>
-            <a:off x="5598666" y="6409264"/>
+            <a:off x="5598666" y="6400120"/>
             <a:ext cx="1901508" cy="290678"/>
           </a:xfrm>
           <a:prstGeom prst="rect">
@@ -3862,51 +3611,316 @@
           </a:prstGeom>
         </p:spPr>
       </p:pic>
-      <p:sp>
-        <p:nvSpPr>
-          <p:cNvPr id="9" name="TextBox 8">
+      <p:grpSp>
+        <p:nvGrpSpPr>
+          <p:cNvPr id="22" name="Group 21">
             <a:extLst>
               <a:ext uri="{FF2B5EF4-FFF2-40B4-BE49-F238E27FC236}">
-                <a16:creationId xmlns:a16="http://schemas.microsoft.com/office/drawing/2014/main" id="{A883D505-6817-564B-A11A-894D4389A823}"/>
+                <a16:creationId xmlns:a16="http://schemas.microsoft.com/office/drawing/2014/main" id="{2A5AFA24-E28A-BF48-A425-D1DEC83C0A05}"/>
               </a:ext>
             </a:extLst>
           </p:cNvPr>
-          <p:cNvSpPr txBox="1"/>
+          <p:cNvGrpSpPr/>
           <p:nvPr/>
-        </p:nvSpPr>
-        <p:spPr>
+        </p:nvGrpSpPr>
+        <p:grpSpPr>
           <a:xfrm>
-            <a:off x="3143667" y="74279"/>
-            <a:ext cx="4342983" cy="707886"/>
+            <a:off x="0" y="6287043"/>
+            <a:ext cx="5486400" cy="648484"/>
+            <a:chOff x="0" y="5635583"/>
+            <a:chExt cx="5486400" cy="648484"/>
           </a:xfrm>
-          <a:prstGeom prst="rect">
-            <a:avLst/>
-          </a:prstGeom>
-          <a:noFill/>
-        </p:spPr>
-        <p:txBody>
-          <a:bodyPr vert="horz" wrap="square" rtlCol="0" anchor="ctr">
-            <a:spAutoFit/>
-          </a:bodyPr>
-          <a:lstStyle/>
-          <a:p>
-            <a:pPr algn="ctr"/>
-            <a:r>
-              <a:rPr lang="en-US" sz="2000" dirty="0">
-                <a:solidFill>
-                  <a:schemeClr val="bg1"/>
-                </a:solidFill>
-                <a:latin typeface="Georgia" panose="02040502050405020303" pitchFamily="18" charset="0"/>
-              </a:rPr>
-              <a:t>Computational and Informatics Resources for Glycoscience</a:t>
-            </a:r>
-          </a:p>
-        </p:txBody>
-      </p:sp>
+        </p:grpSpPr>
+        <p:pic>
+          <p:nvPicPr>
+            <p:cNvPr id="15" name="Picture 14">
+              <a:extLst>
+                <a:ext uri="{FF2B5EF4-FFF2-40B4-BE49-F238E27FC236}">
+                  <a16:creationId xmlns:a16="http://schemas.microsoft.com/office/drawing/2014/main" id="{09210E1F-E0DD-BA4B-8015-981038A4F968}"/>
+                </a:ext>
+              </a:extLst>
+            </p:cNvPr>
+            <p:cNvPicPr>
+              <a:picLocks noChangeAspect="1"/>
+            </p:cNvPicPr>
+            <p:nvPr/>
+          </p:nvPicPr>
+          <p:blipFill>
+            <a:blip r:embed="rId6"/>
+            <a:stretch>
+              <a:fillRect/>
+            </a:stretch>
+          </p:blipFill>
+          <p:spPr>
+            <a:xfrm>
+              <a:off x="0" y="5648931"/>
+              <a:ext cx="5486400" cy="558800"/>
+            </a:xfrm>
+            <a:prstGeom prst="rect">
+              <a:avLst/>
+            </a:prstGeom>
+          </p:spPr>
+        </p:pic>
+        <p:grpSp>
+          <p:nvGrpSpPr>
+            <p:cNvPr id="21" name="Group 20">
+              <a:extLst>
+                <a:ext uri="{FF2B5EF4-FFF2-40B4-BE49-F238E27FC236}">
+                  <a16:creationId xmlns:a16="http://schemas.microsoft.com/office/drawing/2014/main" id="{043F8F49-D101-D747-94BB-3344758C8381}"/>
+                </a:ext>
+              </a:extLst>
+            </p:cNvPr>
+            <p:cNvGrpSpPr/>
+            <p:nvPr/>
+          </p:nvGrpSpPr>
+          <p:grpSpPr>
+            <a:xfrm>
+              <a:off x="479138" y="5635583"/>
+              <a:ext cx="4794619" cy="648484"/>
+              <a:chOff x="479138" y="5635583"/>
+              <a:chExt cx="4794619" cy="648484"/>
+            </a:xfrm>
+          </p:grpSpPr>
+          <p:grpSp>
+            <p:nvGrpSpPr>
+              <p:cNvPr id="19" name="Group 18">
+                <a:extLst>
+                  <a:ext uri="{FF2B5EF4-FFF2-40B4-BE49-F238E27FC236}">
+                    <a16:creationId xmlns:a16="http://schemas.microsoft.com/office/drawing/2014/main" id="{EC97F466-774E-AB4B-8774-EC3E009AC678}"/>
+                  </a:ext>
+                </a:extLst>
+              </p:cNvPr>
+              <p:cNvGrpSpPr/>
+              <p:nvPr/>
+            </p:nvGrpSpPr>
+            <p:grpSpPr>
+              <a:xfrm>
+                <a:off x="479138" y="5635583"/>
+                <a:ext cx="2199500" cy="648484"/>
+                <a:chOff x="398768" y="5646778"/>
+                <a:chExt cx="2114818" cy="648484"/>
+              </a:xfrm>
+            </p:grpSpPr>
+            <p:sp>
+              <p:nvSpPr>
+                <p:cNvPr id="16" name="TextBox 15">
+                  <a:extLst>
+                    <a:ext uri="{FF2B5EF4-FFF2-40B4-BE49-F238E27FC236}">
+                      <a16:creationId xmlns:a16="http://schemas.microsoft.com/office/drawing/2014/main" id="{2DE338B1-D1A8-D843-BE42-E96B0CFA043B}"/>
+                    </a:ext>
+                  </a:extLst>
+                </p:cNvPr>
+                <p:cNvSpPr txBox="1"/>
+                <p:nvPr/>
+              </p:nvSpPr>
+              <p:spPr>
+                <a:xfrm>
+                  <a:off x="398768" y="5646778"/>
+                  <a:ext cx="754173" cy="507831"/>
+                </a:xfrm>
+                <a:prstGeom prst="rect">
+                  <a:avLst/>
+                </a:prstGeom>
+                <a:noFill/>
+              </p:spPr>
+              <p:txBody>
+                <a:bodyPr wrap="square" rtlCol="0">
+                  <a:spAutoFit/>
+                </a:bodyPr>
+                <a:lstStyle/>
+                <a:p>
+                  <a:r>
+                    <a:rPr lang="en-US" sz="900" dirty="0">
+                      <a:solidFill>
+                        <a:srgbClr val="60BA4B"/>
+                      </a:solidFill>
+                      <a:latin typeface="Georgia" panose="02040502050405020303" pitchFamily="18" charset="0"/>
+                    </a:rPr>
+                    <a:t>Data store:    </a:t>
+                  </a:r>
+                </a:p>
+                <a:p>
+                  <a:r>
+                    <a:rPr lang="en-US" sz="900" dirty="0">
+                      <a:solidFill>
+                        <a:srgbClr val="60BA4B"/>
+                      </a:solidFill>
+                      <a:latin typeface="Georgia" panose="02040502050405020303" pitchFamily="18" charset="0"/>
+                    </a:rPr>
+                    <a:t>WS API:</a:t>
+                  </a:r>
+                </a:p>
+                <a:p>
+                  <a:r>
+                    <a:rPr lang="en-US" sz="900" dirty="0">
+                      <a:solidFill>
+                        <a:srgbClr val="60BA4B"/>
+                      </a:solidFill>
+                      <a:latin typeface="Georgia" panose="02040502050405020303" pitchFamily="18" charset="0"/>
+                    </a:rPr>
+                    <a:t>SPARQL:  </a:t>
+                  </a:r>
+                </a:p>
+              </p:txBody>
+            </p:sp>
+            <p:sp>
+              <p:nvSpPr>
+                <p:cNvPr id="18" name="TextBox 17">
+                  <a:extLst>
+                    <a:ext uri="{FF2B5EF4-FFF2-40B4-BE49-F238E27FC236}">
+                      <a16:creationId xmlns:a16="http://schemas.microsoft.com/office/drawing/2014/main" id="{D8082B90-D63C-8144-9256-FCEF85F8C654}"/>
+                    </a:ext>
+                  </a:extLst>
+                </p:cNvPr>
+                <p:cNvSpPr txBox="1"/>
+                <p:nvPr/>
+              </p:nvSpPr>
+              <p:spPr>
+                <a:xfrm>
+                  <a:off x="1036376" y="5648931"/>
+                  <a:ext cx="1477210" cy="646331"/>
+                </a:xfrm>
+                <a:prstGeom prst="rect">
+                  <a:avLst/>
+                </a:prstGeom>
+                <a:noFill/>
+              </p:spPr>
+              <p:txBody>
+                <a:bodyPr wrap="square" rtlCol="0">
+                  <a:spAutoFit/>
+                </a:bodyPr>
+                <a:lstStyle/>
+                <a:p>
+                  <a:r>
+                    <a:rPr lang="en-US" sz="900" i="1" dirty="0">
+                      <a:solidFill>
+                        <a:schemeClr val="bg1"/>
+                      </a:solidFill>
+                      <a:latin typeface="Georgia" panose="02040502050405020303" pitchFamily="18" charset="0"/>
+                    </a:rPr>
+                    <a:t>https://data.glygen.org</a:t>
+                  </a:r>
+                </a:p>
+                <a:p>
+                  <a:r>
+                    <a:rPr lang="en-US" sz="900" i="1" dirty="0">
+                      <a:solidFill>
+                        <a:schemeClr val="bg1"/>
+                      </a:solidFill>
+                      <a:latin typeface="Georgia" panose="02040502050405020303" pitchFamily="18" charset="0"/>
+                    </a:rPr>
+                    <a:t>https://api.glygen.org</a:t>
+                  </a:r>
+                </a:p>
+                <a:p>
+                  <a:r>
+                    <a:rPr lang="en-US" sz="900" i="1" dirty="0">
+                      <a:solidFill>
+                        <a:schemeClr val="bg1"/>
+                      </a:solidFill>
+                      <a:latin typeface="Georgia" panose="02040502050405020303" pitchFamily="18" charset="0"/>
+                    </a:rPr>
+                    <a:t>https://sparql.glygen.org</a:t>
+                  </a:r>
+                </a:p>
+                <a:p>
+                  <a:endParaRPr lang="en-US" sz="900" i="1" dirty="0">
+                    <a:solidFill>
+                      <a:schemeClr val="bg1"/>
+                    </a:solidFill>
+                    <a:latin typeface="Georgia" panose="02040502050405020303" pitchFamily="18" charset="0"/>
+                  </a:endParaRPr>
+                </a:p>
+              </p:txBody>
+            </p:sp>
+          </p:grpSp>
+          <p:sp>
+            <p:nvSpPr>
+              <p:cNvPr id="20" name="TextBox 19">
+                <a:extLst>
+                  <a:ext uri="{FF2B5EF4-FFF2-40B4-BE49-F238E27FC236}">
+                    <a16:creationId xmlns:a16="http://schemas.microsoft.com/office/drawing/2014/main" id="{05F64ED4-6785-FB47-89ED-835EC48BABB3}"/>
+                  </a:ext>
+                </a:extLst>
+              </p:cNvPr>
+              <p:cNvSpPr txBox="1"/>
+              <p:nvPr/>
+            </p:nvSpPr>
+            <p:spPr>
+              <a:xfrm>
+                <a:off x="2626321" y="5648931"/>
+                <a:ext cx="2647436" cy="507831"/>
+              </a:xfrm>
+              <a:prstGeom prst="rect">
+                <a:avLst/>
+              </a:prstGeom>
+              <a:noFill/>
+            </p:spPr>
+            <p:txBody>
+              <a:bodyPr wrap="square" rtlCol="0">
+                <a:spAutoFit/>
+              </a:bodyPr>
+              <a:lstStyle/>
+              <a:p>
+                <a:pPr algn="ctr"/>
+                <a:r>
+                  <a:rPr lang="en-US" sz="900" b="1" dirty="0">
+                    <a:solidFill>
+                      <a:srgbClr val="60BA4B"/>
+                    </a:solidFill>
+                    <a:latin typeface="Georgia" panose="02040502050405020303" pitchFamily="18" charset="0"/>
+                  </a:rPr>
+                  <a:t>CONTACT</a:t>
+                </a:r>
+              </a:p>
+              <a:p>
+                <a:r>
+                  <a:rPr lang="en-US" sz="900" b="1" dirty="0">
+                    <a:solidFill>
+                      <a:schemeClr val="bg1"/>
+                    </a:solidFill>
+                    <a:latin typeface="Georgia" panose="02040502050405020303" pitchFamily="18" charset="0"/>
+                  </a:rPr>
+                  <a:t>Raja Mazumder </a:t>
+                </a:r>
+                <a:r>
+                  <a:rPr lang="en-US" sz="900" dirty="0">
+                    <a:solidFill>
+                      <a:schemeClr val="bg1"/>
+                    </a:solidFill>
+                    <a:latin typeface="Georgia" panose="02040502050405020303" pitchFamily="18" charset="0"/>
+                  </a:rPr>
+                  <a:t>       mazumder@gwu.edu</a:t>
+                </a:r>
+              </a:p>
+              <a:p>
+                <a:r>
+                  <a:rPr lang="en-US" sz="900" b="1" dirty="0">
+                    <a:solidFill>
+                      <a:schemeClr val="bg1"/>
+                    </a:solidFill>
+                    <a:latin typeface="Georgia" panose="02040502050405020303" pitchFamily="18" charset="0"/>
+                  </a:rPr>
+                  <a:t>Michael Tiemeyer</a:t>
+                </a:r>
+                <a:r>
+                  <a:rPr lang="en-US" sz="900" dirty="0">
+                    <a:solidFill>
+                      <a:schemeClr val="bg1"/>
+                    </a:solidFill>
+                    <a:latin typeface="Georgia" panose="02040502050405020303" pitchFamily="18" charset="0"/>
+                  </a:rPr>
+                  <a:t>    mtiemeyer@ccrc.uga.edu</a:t>
+                </a:r>
+              </a:p>
+            </p:txBody>
+          </p:sp>
+        </p:grpSp>
+      </p:grpSp>
     </p:spTree>
     <p:extLst>
       <p:ext uri="{BB962C8B-B14F-4D97-AF65-F5344CB8AC3E}">
-        <p14:creationId xmlns:p14="http://schemas.microsoft.com/office/powerpoint/2010/main" val="2546655430"/>
+        <p14:creationId xmlns:p14="http://schemas.microsoft.com/office/powerpoint/2010/main" val="2591489913"/>
       </p:ext>
     </p:extLst>
   </p:cSld>
@@ -3938,7 +3952,7 @@
           <p:cNvPr id="2" name="Title 1">
             <a:extLst>
               <a:ext uri="{FF2B5EF4-FFF2-40B4-BE49-F238E27FC236}">
-                <a16:creationId xmlns:a16="http://schemas.microsoft.com/office/drawing/2014/main" id="{1112FFA7-DBFC-5E4F-8165-36A02670A3BB}"/>
+                <a16:creationId xmlns:a16="http://schemas.microsoft.com/office/drawing/2014/main" id="{01B8BF86-43D0-6443-889B-A9BD3964665F}"/>
               </a:ext>
             </a:extLst>
           </p:cNvPr>
@@ -3954,16 +3968,576 @@
           <a:bodyPr/>
           <a:lstStyle/>
           <a:p>
+            <a:endParaRPr lang="en-US" dirty="0"/>
+          </a:p>
+        </p:txBody>
+      </p:sp>
+      <p:sp>
+        <p:nvSpPr>
+          <p:cNvPr id="3" name="Content Placeholder 2">
+            <a:extLst>
+              <a:ext uri="{FF2B5EF4-FFF2-40B4-BE49-F238E27FC236}">
+                <a16:creationId xmlns:a16="http://schemas.microsoft.com/office/drawing/2014/main" id="{5BBDB390-F834-A640-8DDF-38ED5218DB6E}"/>
+              </a:ext>
+            </a:extLst>
+          </p:cNvPr>
+          <p:cNvSpPr>
+            <a:spLocks noGrp="1"/>
+          </p:cNvSpPr>
+          <p:nvPr>
+            <p:ph idx="1"/>
+          </p:nvPr>
+        </p:nvSpPr>
+        <p:spPr/>
+        <p:txBody>
+          <a:bodyPr/>
+          <a:lstStyle/>
+          <a:p>
             <a:endParaRPr lang="en-US"/>
           </a:p>
         </p:txBody>
       </p:sp>
+      <p:grpSp>
+        <p:nvGrpSpPr>
+          <p:cNvPr id="4" name="Group 3">
+            <a:extLst>
+              <a:ext uri="{FF2B5EF4-FFF2-40B4-BE49-F238E27FC236}">
+                <a16:creationId xmlns:a16="http://schemas.microsoft.com/office/drawing/2014/main" id="{A4924F94-F5EB-5E41-8BCC-8922A6D56B07}"/>
+              </a:ext>
+            </a:extLst>
+          </p:cNvPr>
+          <p:cNvGrpSpPr/>
+          <p:nvPr/>
+        </p:nvGrpSpPr>
+        <p:grpSpPr>
+          <a:xfrm>
+            <a:off x="-2" y="0"/>
+            <a:ext cx="9144002" cy="1076325"/>
+            <a:chOff x="0" y="0"/>
+            <a:chExt cx="9144002" cy="1076325"/>
+          </a:xfrm>
+        </p:grpSpPr>
+        <p:sp>
+          <p:nvSpPr>
+            <p:cNvPr id="5" name="Rectangle 4">
+              <a:extLst>
+                <a:ext uri="{FF2B5EF4-FFF2-40B4-BE49-F238E27FC236}">
+                  <a16:creationId xmlns:a16="http://schemas.microsoft.com/office/drawing/2014/main" id="{95C13FE0-4773-3148-95CF-58ADF2E7661B}"/>
+                </a:ext>
+              </a:extLst>
+            </p:cNvPr>
+            <p:cNvSpPr/>
+            <p:nvPr/>
+          </p:nvSpPr>
+          <p:spPr>
+            <a:xfrm>
+              <a:off x="3" y="0"/>
+              <a:ext cx="9143999" cy="944025"/>
+            </a:xfrm>
+            <a:prstGeom prst="rect">
+              <a:avLst/>
+            </a:prstGeom>
+            <a:solidFill>
+              <a:srgbClr val="2D78B7"/>
+            </a:solidFill>
+            <a:ln>
+              <a:noFill/>
+            </a:ln>
+          </p:spPr>
+          <p:style>
+            <a:lnRef idx="2">
+              <a:schemeClr val="accent1">
+                <a:shade val="50000"/>
+              </a:schemeClr>
+            </a:lnRef>
+            <a:fillRef idx="1">
+              <a:schemeClr val="accent1"/>
+            </a:fillRef>
+            <a:effectRef idx="0">
+              <a:schemeClr val="accent1"/>
+            </a:effectRef>
+            <a:fontRef idx="minor">
+              <a:schemeClr val="lt1"/>
+            </a:fontRef>
+          </p:style>
+          <p:txBody>
+            <a:bodyPr rtlCol="0" anchor="ctr"/>
+            <a:lstStyle>
+              <a:lvl1pPr>
+                <a:defRPr>
+                  <a:solidFill>
+                    <a:schemeClr val="lt1"/>
+                  </a:solidFill>
+                  <a:latin typeface="+mn-lt"/>
+                  <a:ea typeface="+mn-ea"/>
+                  <a:cs typeface="+mn-cs"/>
+                </a:defRPr>
+              </a:lvl1pPr>
+              <a:lvl2pPr>
+                <a:defRPr>
+                  <a:solidFill>
+                    <a:schemeClr val="lt1"/>
+                  </a:solidFill>
+                  <a:latin typeface="+mn-lt"/>
+                  <a:ea typeface="+mn-ea"/>
+                  <a:cs typeface="+mn-cs"/>
+                </a:defRPr>
+              </a:lvl2pPr>
+              <a:lvl3pPr>
+                <a:defRPr>
+                  <a:solidFill>
+                    <a:schemeClr val="lt1"/>
+                  </a:solidFill>
+                  <a:latin typeface="+mn-lt"/>
+                  <a:ea typeface="+mn-ea"/>
+                  <a:cs typeface="+mn-cs"/>
+                </a:defRPr>
+              </a:lvl3pPr>
+              <a:lvl4pPr>
+                <a:defRPr>
+                  <a:solidFill>
+                    <a:schemeClr val="lt1"/>
+                  </a:solidFill>
+                  <a:latin typeface="+mn-lt"/>
+                  <a:ea typeface="+mn-ea"/>
+                  <a:cs typeface="+mn-cs"/>
+                </a:defRPr>
+              </a:lvl4pPr>
+              <a:lvl5pPr>
+                <a:defRPr>
+                  <a:solidFill>
+                    <a:schemeClr val="lt1"/>
+                  </a:solidFill>
+                  <a:latin typeface="+mn-lt"/>
+                  <a:ea typeface="+mn-ea"/>
+                  <a:cs typeface="+mn-cs"/>
+                </a:defRPr>
+              </a:lvl5pPr>
+              <a:lvl6pPr>
+                <a:defRPr>
+                  <a:solidFill>
+                    <a:schemeClr val="lt1"/>
+                  </a:solidFill>
+                  <a:latin typeface="+mn-lt"/>
+                  <a:ea typeface="+mn-ea"/>
+                  <a:cs typeface="+mn-cs"/>
+                </a:defRPr>
+              </a:lvl6pPr>
+              <a:lvl7pPr>
+                <a:defRPr>
+                  <a:solidFill>
+                    <a:schemeClr val="lt1"/>
+                  </a:solidFill>
+                  <a:latin typeface="+mn-lt"/>
+                  <a:ea typeface="+mn-ea"/>
+                  <a:cs typeface="+mn-cs"/>
+                </a:defRPr>
+              </a:lvl7pPr>
+              <a:lvl8pPr>
+                <a:defRPr>
+                  <a:solidFill>
+                    <a:schemeClr val="lt1"/>
+                  </a:solidFill>
+                  <a:latin typeface="+mn-lt"/>
+                  <a:ea typeface="+mn-ea"/>
+                  <a:cs typeface="+mn-cs"/>
+                </a:defRPr>
+              </a:lvl8pPr>
+              <a:lvl9pPr>
+                <a:defRPr>
+                  <a:solidFill>
+                    <a:schemeClr val="lt1"/>
+                  </a:solidFill>
+                  <a:latin typeface="+mn-lt"/>
+                  <a:ea typeface="+mn-ea"/>
+                  <a:cs typeface="+mn-cs"/>
+                </a:defRPr>
+              </a:lvl9pPr>
+            </a:lstStyle>
+            <a:p>
+              <a:pPr algn="ctr"/>
+              <a:endParaRPr lang="en-US" dirty="0"/>
+            </a:p>
+          </p:txBody>
+        </p:sp>
+        <p:sp>
+          <p:nvSpPr>
+            <p:cNvPr id="6" name="Parallelogram 5">
+              <a:extLst>
+                <a:ext uri="{FF2B5EF4-FFF2-40B4-BE49-F238E27FC236}">
+                  <a16:creationId xmlns:a16="http://schemas.microsoft.com/office/drawing/2014/main" id="{7AA09D4B-EFDC-3A40-B755-96517A633B64}"/>
+                </a:ext>
+              </a:extLst>
+            </p:cNvPr>
+            <p:cNvSpPr/>
+            <p:nvPr/>
+          </p:nvSpPr>
+          <p:spPr>
+            <a:xfrm rot="10800000">
+              <a:off x="2630164" y="1786"/>
+              <a:ext cx="6186487" cy="1074539"/>
+            </a:xfrm>
+            <a:prstGeom prst="parallelogram">
+              <a:avLst>
+                <a:gd name="adj" fmla="val 76856"/>
+              </a:avLst>
+            </a:prstGeom>
+            <a:solidFill>
+              <a:srgbClr val="797979"/>
+            </a:solidFill>
+            <a:ln>
+              <a:solidFill>
+                <a:srgbClr val="8C8C8C"/>
+              </a:solidFill>
+            </a:ln>
+          </p:spPr>
+          <p:style>
+            <a:lnRef idx="2">
+              <a:schemeClr val="accent1">
+                <a:shade val="50000"/>
+              </a:schemeClr>
+            </a:lnRef>
+            <a:fillRef idx="1">
+              <a:schemeClr val="accent1"/>
+            </a:fillRef>
+            <a:effectRef idx="0">
+              <a:schemeClr val="accent1"/>
+            </a:effectRef>
+            <a:fontRef idx="minor">
+              <a:schemeClr val="lt1"/>
+            </a:fontRef>
+          </p:style>
+          <p:txBody>
+            <a:bodyPr vert="horz" rtlCol="0" anchor="ctr"/>
+            <a:lstStyle>
+              <a:lvl1pPr>
+                <a:defRPr>
+                  <a:solidFill>
+                    <a:schemeClr val="lt1"/>
+                  </a:solidFill>
+                  <a:latin typeface="+mn-lt"/>
+                  <a:ea typeface="+mn-ea"/>
+                  <a:cs typeface="+mn-cs"/>
+                </a:defRPr>
+              </a:lvl1pPr>
+              <a:lvl2pPr>
+                <a:defRPr>
+                  <a:solidFill>
+                    <a:schemeClr val="lt1"/>
+                  </a:solidFill>
+                  <a:latin typeface="+mn-lt"/>
+                  <a:ea typeface="+mn-ea"/>
+                  <a:cs typeface="+mn-cs"/>
+                </a:defRPr>
+              </a:lvl2pPr>
+              <a:lvl3pPr>
+                <a:defRPr>
+                  <a:solidFill>
+                    <a:schemeClr val="lt1"/>
+                  </a:solidFill>
+                  <a:latin typeface="+mn-lt"/>
+                  <a:ea typeface="+mn-ea"/>
+                  <a:cs typeface="+mn-cs"/>
+                </a:defRPr>
+              </a:lvl3pPr>
+              <a:lvl4pPr>
+                <a:defRPr>
+                  <a:solidFill>
+                    <a:schemeClr val="lt1"/>
+                  </a:solidFill>
+                  <a:latin typeface="+mn-lt"/>
+                  <a:ea typeface="+mn-ea"/>
+                  <a:cs typeface="+mn-cs"/>
+                </a:defRPr>
+              </a:lvl4pPr>
+              <a:lvl5pPr>
+                <a:defRPr>
+                  <a:solidFill>
+                    <a:schemeClr val="lt1"/>
+                  </a:solidFill>
+                  <a:latin typeface="+mn-lt"/>
+                  <a:ea typeface="+mn-ea"/>
+                  <a:cs typeface="+mn-cs"/>
+                </a:defRPr>
+              </a:lvl5pPr>
+              <a:lvl6pPr>
+                <a:defRPr>
+                  <a:solidFill>
+                    <a:schemeClr val="lt1"/>
+                  </a:solidFill>
+                  <a:latin typeface="+mn-lt"/>
+                  <a:ea typeface="+mn-ea"/>
+                  <a:cs typeface="+mn-cs"/>
+                </a:defRPr>
+              </a:lvl6pPr>
+              <a:lvl7pPr>
+                <a:defRPr>
+                  <a:solidFill>
+                    <a:schemeClr val="lt1"/>
+                  </a:solidFill>
+                  <a:latin typeface="+mn-lt"/>
+                  <a:ea typeface="+mn-ea"/>
+                  <a:cs typeface="+mn-cs"/>
+                </a:defRPr>
+              </a:lvl7pPr>
+              <a:lvl8pPr>
+                <a:defRPr>
+                  <a:solidFill>
+                    <a:schemeClr val="lt1"/>
+                  </a:solidFill>
+                  <a:latin typeface="+mn-lt"/>
+                  <a:ea typeface="+mn-ea"/>
+                  <a:cs typeface="+mn-cs"/>
+                </a:defRPr>
+              </a:lvl8pPr>
+              <a:lvl9pPr>
+                <a:defRPr>
+                  <a:solidFill>
+                    <a:schemeClr val="lt1"/>
+                  </a:solidFill>
+                  <a:latin typeface="+mn-lt"/>
+                  <a:ea typeface="+mn-ea"/>
+                  <a:cs typeface="+mn-cs"/>
+                </a:defRPr>
+              </a:lvl9pPr>
+            </a:lstStyle>
+            <a:p>
+              <a:pPr algn="ctr"/>
+              <a:endParaRPr lang="en-US" dirty="0"/>
+            </a:p>
+          </p:txBody>
+        </p:sp>
+        <p:sp>
+          <p:nvSpPr>
+            <p:cNvPr id="7" name="Rectangle 6">
+              <a:extLst>
+                <a:ext uri="{FF2B5EF4-FFF2-40B4-BE49-F238E27FC236}">
+                  <a16:creationId xmlns:a16="http://schemas.microsoft.com/office/drawing/2014/main" id="{F7D81343-BA84-CD44-92C0-CD5C8EB8BE53}"/>
+                </a:ext>
+              </a:extLst>
+            </p:cNvPr>
+            <p:cNvSpPr/>
+            <p:nvPr/>
+          </p:nvSpPr>
+          <p:spPr>
+            <a:xfrm>
+              <a:off x="0" y="841339"/>
+              <a:ext cx="9144001" cy="114364"/>
+            </a:xfrm>
+            <a:prstGeom prst="rect">
+              <a:avLst/>
+            </a:prstGeom>
+            <a:solidFill>
+              <a:srgbClr val="60BA4B"/>
+            </a:solidFill>
+            <a:ln>
+              <a:solidFill>
+                <a:srgbClr val="60BA4B"/>
+              </a:solidFill>
+            </a:ln>
+          </p:spPr>
+          <p:style>
+            <a:lnRef idx="2">
+              <a:schemeClr val="accent1">
+                <a:shade val="50000"/>
+              </a:schemeClr>
+            </a:lnRef>
+            <a:fillRef idx="1">
+              <a:schemeClr val="accent1"/>
+            </a:fillRef>
+            <a:effectRef idx="0">
+              <a:schemeClr val="accent1"/>
+            </a:effectRef>
+            <a:fontRef idx="minor">
+              <a:schemeClr val="lt1"/>
+            </a:fontRef>
+          </p:style>
+          <p:txBody>
+            <a:bodyPr rtlCol="0" anchor="ctr"/>
+            <a:lstStyle>
+              <a:lvl1pPr>
+                <a:defRPr>
+                  <a:solidFill>
+                    <a:schemeClr val="lt1"/>
+                  </a:solidFill>
+                  <a:latin typeface="+mn-lt"/>
+                  <a:ea typeface="+mn-ea"/>
+                  <a:cs typeface="+mn-cs"/>
+                </a:defRPr>
+              </a:lvl1pPr>
+              <a:lvl2pPr>
+                <a:defRPr>
+                  <a:solidFill>
+                    <a:schemeClr val="lt1"/>
+                  </a:solidFill>
+                  <a:latin typeface="+mn-lt"/>
+                  <a:ea typeface="+mn-ea"/>
+                  <a:cs typeface="+mn-cs"/>
+                </a:defRPr>
+              </a:lvl2pPr>
+              <a:lvl3pPr>
+                <a:defRPr>
+                  <a:solidFill>
+                    <a:schemeClr val="lt1"/>
+                  </a:solidFill>
+                  <a:latin typeface="+mn-lt"/>
+                  <a:ea typeface="+mn-ea"/>
+                  <a:cs typeface="+mn-cs"/>
+                </a:defRPr>
+              </a:lvl3pPr>
+              <a:lvl4pPr>
+                <a:defRPr>
+                  <a:solidFill>
+                    <a:schemeClr val="lt1"/>
+                  </a:solidFill>
+                  <a:latin typeface="+mn-lt"/>
+                  <a:ea typeface="+mn-ea"/>
+                  <a:cs typeface="+mn-cs"/>
+                </a:defRPr>
+              </a:lvl4pPr>
+              <a:lvl5pPr>
+                <a:defRPr>
+                  <a:solidFill>
+                    <a:schemeClr val="lt1"/>
+                  </a:solidFill>
+                  <a:latin typeface="+mn-lt"/>
+                  <a:ea typeface="+mn-ea"/>
+                  <a:cs typeface="+mn-cs"/>
+                </a:defRPr>
+              </a:lvl5pPr>
+              <a:lvl6pPr>
+                <a:defRPr>
+                  <a:solidFill>
+                    <a:schemeClr val="lt1"/>
+                  </a:solidFill>
+                  <a:latin typeface="+mn-lt"/>
+                  <a:ea typeface="+mn-ea"/>
+                  <a:cs typeface="+mn-cs"/>
+                </a:defRPr>
+              </a:lvl6pPr>
+              <a:lvl7pPr>
+                <a:defRPr>
+                  <a:solidFill>
+                    <a:schemeClr val="lt1"/>
+                  </a:solidFill>
+                  <a:latin typeface="+mn-lt"/>
+                  <a:ea typeface="+mn-ea"/>
+                  <a:cs typeface="+mn-cs"/>
+                </a:defRPr>
+              </a:lvl7pPr>
+              <a:lvl8pPr>
+                <a:defRPr>
+                  <a:solidFill>
+                    <a:schemeClr val="lt1"/>
+                  </a:solidFill>
+                  <a:latin typeface="+mn-lt"/>
+                  <a:ea typeface="+mn-ea"/>
+                  <a:cs typeface="+mn-cs"/>
+                </a:defRPr>
+              </a:lvl8pPr>
+              <a:lvl9pPr>
+                <a:defRPr>
+                  <a:solidFill>
+                    <a:schemeClr val="lt1"/>
+                  </a:solidFill>
+                  <a:latin typeface="+mn-lt"/>
+                  <a:ea typeface="+mn-ea"/>
+                  <a:cs typeface="+mn-cs"/>
+                </a:defRPr>
+              </a:lvl9pPr>
+            </a:lstStyle>
+            <a:p>
+              <a:pPr algn="ctr"/>
+              <a:endParaRPr lang="en-US" dirty="0"/>
+            </a:p>
+          </p:txBody>
+        </p:sp>
+        <p:pic>
+          <p:nvPicPr>
+            <p:cNvPr id="8" name="Graphic 4">
+              <a:extLst>
+                <a:ext uri="{FF2B5EF4-FFF2-40B4-BE49-F238E27FC236}">
+                  <a16:creationId xmlns:a16="http://schemas.microsoft.com/office/drawing/2014/main" id="{C3D4DEFD-1029-A744-B01D-ED0FB77E0B1E}"/>
+                </a:ext>
+              </a:extLst>
+            </p:cNvPr>
+            <p:cNvPicPr>
+              <a:picLocks noChangeAspect="1"/>
+            </p:cNvPicPr>
+            <p:nvPr/>
+          </p:nvPicPr>
+          <p:blipFill>
+            <a:blip r:embed="rId2">
+              <a:extLst>
+                <a:ext uri="{28A0092B-C50C-407E-A947-70E740481C1C}">
+                  <a14:useLocalDpi xmlns:a14="http://schemas.microsoft.com/office/drawing/2010/main" val="0"/>
+                </a:ext>
+                <a:ext uri="{96DAC541-7B7A-43D3-8B79-37D633B846F1}">
+                  <asvg:svgBlip xmlns:asvg="http://schemas.microsoft.com/office/drawing/2016/SVG/main" r:embed="rId3"/>
+                </a:ext>
+              </a:extLst>
+            </a:blip>
+            <a:stretch>
+              <a:fillRect/>
+            </a:stretch>
+          </p:blipFill>
+          <p:spPr>
+            <a:xfrm>
+              <a:off x="379739" y="224486"/>
+              <a:ext cx="2419327" cy="395890"/>
+            </a:xfrm>
+            <a:prstGeom prst="rect">
+              <a:avLst/>
+            </a:prstGeom>
+          </p:spPr>
+        </p:pic>
+        <p:sp>
+          <p:nvSpPr>
+            <p:cNvPr id="9" name="TextBox 8">
+              <a:extLst>
+                <a:ext uri="{FF2B5EF4-FFF2-40B4-BE49-F238E27FC236}">
+                  <a16:creationId xmlns:a16="http://schemas.microsoft.com/office/drawing/2014/main" id="{5B7A31AF-1D2A-024A-BF3E-F4898863D30B}"/>
+                </a:ext>
+              </a:extLst>
+            </p:cNvPr>
+            <p:cNvSpPr txBox="1"/>
+            <p:nvPr/>
+          </p:nvSpPr>
+          <p:spPr>
+            <a:xfrm>
+              <a:off x="3636367" y="74809"/>
+              <a:ext cx="4342983" cy="707886"/>
+            </a:xfrm>
+            <a:prstGeom prst="rect">
+              <a:avLst/>
+            </a:prstGeom>
+            <a:noFill/>
+          </p:spPr>
+          <p:txBody>
+            <a:bodyPr vert="horz" wrap="square" rtlCol="0" anchor="ctr">
+              <a:spAutoFit/>
+            </a:bodyPr>
+            <a:lstStyle/>
+            <a:p>
+              <a:r>
+                <a:rPr lang="en-US" sz="4000" b="1" dirty="0">
+                  <a:solidFill>
+                    <a:schemeClr val="bg1"/>
+                  </a:solidFill>
+                  <a:latin typeface="Georgia" panose="02040502050405020303" pitchFamily="18" charset="0"/>
+                </a:rPr>
+                <a:t>Template</a:t>
+              </a:r>
+            </a:p>
+          </p:txBody>
+        </p:sp>
+      </p:grpSp>
       <p:pic>
         <p:nvPicPr>
-          <p:cNvPr id="4" name="Picture 3">
+          <p:cNvPr id="10" name="Picture 9">
             <a:extLst>
               <a:ext uri="{FF2B5EF4-FFF2-40B4-BE49-F238E27FC236}">
-                <a16:creationId xmlns:a16="http://schemas.microsoft.com/office/drawing/2014/main" id="{D529F2FD-CEAA-2C45-B7DE-9284E0E8ECB0}"/>
+                <a16:creationId xmlns:a16="http://schemas.microsoft.com/office/drawing/2014/main" id="{FD4B7CD3-C8C8-8D45-B3B4-624FF5561AED}"/>
               </a:ext>
             </a:extLst>
           </p:cNvPr>
@@ -3973,7 +4547,7 @@
           <p:nvPr/>
         </p:nvPicPr>
         <p:blipFill>
-          <a:blip r:embed="rId2"/>
+          <a:blip r:embed="rId4"/>
           <a:stretch>
             <a:fillRect/>
           </a:stretch>
@@ -3988,37 +4562,12 @@
           </a:prstGeom>
         </p:spPr>
       </p:pic>
-      <p:sp>
-        <p:nvSpPr>
-          <p:cNvPr id="7" name="Content Placeholder 6">
+      <p:pic>
+        <p:nvPicPr>
+          <p:cNvPr id="11" name="Picture 10">
             <a:extLst>
               <a:ext uri="{FF2B5EF4-FFF2-40B4-BE49-F238E27FC236}">
-                <a16:creationId xmlns:a16="http://schemas.microsoft.com/office/drawing/2014/main" id="{CE82878F-6C10-8B4F-8270-9F188801E11F}"/>
-              </a:ext>
-            </a:extLst>
-          </p:cNvPr>
-          <p:cNvSpPr>
-            <a:spLocks noGrp="1"/>
-          </p:cNvSpPr>
-          <p:nvPr>
-            <p:ph idx="1"/>
-          </p:nvPr>
-        </p:nvSpPr>
-        <p:spPr/>
-        <p:txBody>
-          <a:bodyPr/>
-          <a:lstStyle/>
-          <a:p>
-            <a:endParaRPr lang="en-US"/>
-          </a:p>
-        </p:txBody>
-      </p:sp>
-      <p:pic>
-        <p:nvPicPr>
-          <p:cNvPr id="8" name="Picture 7">
-            <a:extLst>
-              <a:ext uri="{FF2B5EF4-FFF2-40B4-BE49-F238E27FC236}">
-                <a16:creationId xmlns:a16="http://schemas.microsoft.com/office/drawing/2014/main" id="{129DCAFE-619E-3B41-8834-6A75062D739C}"/>
+                <a16:creationId xmlns:a16="http://schemas.microsoft.com/office/drawing/2014/main" id="{9370252A-5438-1144-A6BC-C4FEE6D2E055}"/>
               </a:ext>
             </a:extLst>
           </p:cNvPr>
@@ -4028,7 +4577,7 @@
           <p:nvPr/>
         </p:nvPicPr>
         <p:blipFill>
-          <a:blip r:embed="rId3"/>
+          <a:blip r:embed="rId5"/>
           <a:stretch>
             <a:fillRect/>
           </a:stretch>
@@ -4043,50 +4592,10 @@
           </a:prstGeom>
         </p:spPr>
       </p:pic>
-      <p:sp>
-        <p:nvSpPr>
-          <p:cNvPr id="9" name="TextBox 8">
-            <a:extLst>
-              <a:ext uri="{FF2B5EF4-FFF2-40B4-BE49-F238E27FC236}">
-                <a16:creationId xmlns:a16="http://schemas.microsoft.com/office/drawing/2014/main" id="{EE888953-0295-4742-AD75-ABCCA4E79079}"/>
-              </a:ext>
-            </a:extLst>
-          </p:cNvPr>
-          <p:cNvSpPr txBox="1"/>
-          <p:nvPr/>
-        </p:nvSpPr>
-        <p:spPr>
-          <a:xfrm>
-            <a:off x="2902227" y="78977"/>
-            <a:ext cx="4472608" cy="707886"/>
-          </a:xfrm>
-          <a:prstGeom prst="rect">
-            <a:avLst/>
-          </a:prstGeom>
-          <a:noFill/>
-        </p:spPr>
-        <p:txBody>
-          <a:bodyPr wrap="square" rtlCol="0">
-            <a:spAutoFit/>
-          </a:bodyPr>
-          <a:lstStyle/>
-          <a:p>
-            <a:r>
-              <a:rPr lang="en-US" sz="4000" dirty="0">
-                <a:solidFill>
-                  <a:schemeClr val="bg1"/>
-                </a:solidFill>
-                <a:latin typeface="Georgia" panose="02040502050405020303" pitchFamily="18" charset="0"/>
-              </a:rPr>
-              <a:t>Template </a:t>
-            </a:r>
-          </a:p>
-        </p:txBody>
-      </p:sp>
     </p:spTree>
     <p:extLst>
       <p:ext uri="{BB962C8B-B14F-4D97-AF65-F5344CB8AC3E}">
-        <p14:creationId xmlns:p14="http://schemas.microsoft.com/office/powerpoint/2010/main" val="3628608135"/>
+        <p14:creationId xmlns:p14="http://schemas.microsoft.com/office/powerpoint/2010/main" val="820920500"/>
       </p:ext>
     </p:extLst>
   </p:cSld>
@@ -4115,80 +4624,595 @@
       </p:grpSpPr>
       <p:sp>
         <p:nvSpPr>
-          <p:cNvPr id="2" name="TextBox 1">
+          <p:cNvPr id="2" name="Title 1">
             <a:extLst>
               <a:ext uri="{FF2B5EF4-FFF2-40B4-BE49-F238E27FC236}">
-                <a16:creationId xmlns:a16="http://schemas.microsoft.com/office/drawing/2014/main" id="{E398CFC2-C586-C84E-9FE2-28DAA99C491E}"/>
+                <a16:creationId xmlns:a16="http://schemas.microsoft.com/office/drawing/2014/main" id="{01B8BF86-43D0-6443-889B-A9BD3964665F}"/>
               </a:ext>
             </a:extLst>
           </p:cNvPr>
-          <p:cNvSpPr txBox="1"/>
-          <p:nvPr/>
-        </p:nvSpPr>
-        <p:spPr>
-          <a:xfrm>
-            <a:off x="2902226" y="150313"/>
-            <a:ext cx="6241774" cy="584775"/>
-          </a:xfrm>
-          <a:prstGeom prst="rect">
-            <a:avLst/>
-          </a:prstGeom>
-          <a:noFill/>
-        </p:spPr>
-        <p:txBody>
-          <a:bodyPr wrap="square" rtlCol="0">
-            <a:spAutoFit/>
-          </a:bodyPr>
+          <p:cNvSpPr>
+            <a:spLocks noGrp="1"/>
+          </p:cNvSpPr>
+          <p:nvPr>
+            <p:ph type="title"/>
+          </p:nvPr>
+        </p:nvSpPr>
+        <p:spPr/>
+        <p:txBody>
+          <a:bodyPr/>
           <a:lstStyle/>
           <a:p>
-            <a:r>
-              <a:rPr lang="en-US" sz="3200" dirty="0">
-                <a:solidFill>
-                  <a:schemeClr val="bg1"/>
-                </a:solidFill>
-                <a:latin typeface="Georgia" panose="02040502050405020303" pitchFamily="18" charset="0"/>
-              </a:rPr>
-              <a:t>Template Template Template</a:t>
-            </a:r>
-          </a:p>
-        </p:txBody>
-      </p:sp>
-      <p:pic>
-        <p:nvPicPr>
-          <p:cNvPr id="3" name="Picture 2">
+            <a:endParaRPr lang="en-US" dirty="0"/>
+          </a:p>
+        </p:txBody>
+      </p:sp>
+      <p:sp>
+        <p:nvSpPr>
+          <p:cNvPr id="3" name="Content Placeholder 2">
             <a:extLst>
               <a:ext uri="{FF2B5EF4-FFF2-40B4-BE49-F238E27FC236}">
-                <a16:creationId xmlns:a16="http://schemas.microsoft.com/office/drawing/2014/main" id="{E7010683-CD83-A447-BB71-E75B0C626259}"/>
+                <a16:creationId xmlns:a16="http://schemas.microsoft.com/office/drawing/2014/main" id="{5BBDB390-F834-A640-8DDF-38ED5218DB6E}"/>
               </a:ext>
             </a:extLst>
           </p:cNvPr>
-          <p:cNvPicPr>
-            <a:picLocks noChangeAspect="1"/>
-          </p:cNvPicPr>
+          <p:cNvSpPr>
+            <a:spLocks noGrp="1"/>
+          </p:cNvSpPr>
+          <p:nvPr>
+            <p:ph idx="1"/>
+          </p:nvPr>
+        </p:nvSpPr>
+        <p:spPr/>
+        <p:txBody>
+          <a:bodyPr/>
+          <a:lstStyle/>
+          <a:p>
+            <a:endParaRPr lang="en-US" dirty="0"/>
+          </a:p>
+        </p:txBody>
+      </p:sp>
+      <p:grpSp>
+        <p:nvGrpSpPr>
+          <p:cNvPr id="4" name="Group 3">
+            <a:extLst>
+              <a:ext uri="{FF2B5EF4-FFF2-40B4-BE49-F238E27FC236}">
+                <a16:creationId xmlns:a16="http://schemas.microsoft.com/office/drawing/2014/main" id="{A4924F94-F5EB-5E41-8BCC-8922A6D56B07}"/>
+              </a:ext>
+            </a:extLst>
+          </p:cNvPr>
+          <p:cNvGrpSpPr/>
           <p:nvPr/>
-        </p:nvPicPr>
-        <p:blipFill>
-          <a:blip r:embed="rId3"/>
-          <a:stretch>
-            <a:fillRect/>
-          </a:stretch>
-        </p:blipFill>
-        <p:spPr>
+        </p:nvGrpSpPr>
+        <p:grpSpPr>
           <a:xfrm>
-            <a:off x="0" y="6273800"/>
-            <a:ext cx="9144000" cy="584200"/>
+            <a:off x="-2" y="0"/>
+            <a:ext cx="9144002" cy="1076325"/>
+            <a:chOff x="0" y="0"/>
+            <a:chExt cx="9144002" cy="1076325"/>
           </a:xfrm>
-          <a:prstGeom prst="rect">
-            <a:avLst/>
-          </a:prstGeom>
-        </p:spPr>
-      </p:pic>
+        </p:grpSpPr>
+        <p:sp>
+          <p:nvSpPr>
+            <p:cNvPr id="5" name="Rectangle 4">
+              <a:extLst>
+                <a:ext uri="{FF2B5EF4-FFF2-40B4-BE49-F238E27FC236}">
+                  <a16:creationId xmlns:a16="http://schemas.microsoft.com/office/drawing/2014/main" id="{95C13FE0-4773-3148-95CF-58ADF2E7661B}"/>
+                </a:ext>
+              </a:extLst>
+            </p:cNvPr>
+            <p:cNvSpPr/>
+            <p:nvPr/>
+          </p:nvSpPr>
+          <p:spPr>
+            <a:xfrm>
+              <a:off x="3" y="0"/>
+              <a:ext cx="9143999" cy="944025"/>
+            </a:xfrm>
+            <a:prstGeom prst="rect">
+              <a:avLst/>
+            </a:prstGeom>
+            <a:solidFill>
+              <a:srgbClr val="2D78B7"/>
+            </a:solidFill>
+            <a:ln>
+              <a:noFill/>
+            </a:ln>
+          </p:spPr>
+          <p:style>
+            <a:lnRef idx="2">
+              <a:schemeClr val="accent1">
+                <a:shade val="50000"/>
+              </a:schemeClr>
+            </a:lnRef>
+            <a:fillRef idx="1">
+              <a:schemeClr val="accent1"/>
+            </a:fillRef>
+            <a:effectRef idx="0">
+              <a:schemeClr val="accent1"/>
+            </a:effectRef>
+            <a:fontRef idx="minor">
+              <a:schemeClr val="lt1"/>
+            </a:fontRef>
+          </p:style>
+          <p:txBody>
+            <a:bodyPr rtlCol="0" anchor="ctr"/>
+            <a:lstStyle>
+              <a:lvl1pPr>
+                <a:defRPr>
+                  <a:solidFill>
+                    <a:schemeClr val="lt1"/>
+                  </a:solidFill>
+                  <a:latin typeface="+mn-lt"/>
+                  <a:ea typeface="+mn-ea"/>
+                  <a:cs typeface="+mn-cs"/>
+                </a:defRPr>
+              </a:lvl1pPr>
+              <a:lvl2pPr>
+                <a:defRPr>
+                  <a:solidFill>
+                    <a:schemeClr val="lt1"/>
+                  </a:solidFill>
+                  <a:latin typeface="+mn-lt"/>
+                  <a:ea typeface="+mn-ea"/>
+                  <a:cs typeface="+mn-cs"/>
+                </a:defRPr>
+              </a:lvl2pPr>
+              <a:lvl3pPr>
+                <a:defRPr>
+                  <a:solidFill>
+                    <a:schemeClr val="lt1"/>
+                  </a:solidFill>
+                  <a:latin typeface="+mn-lt"/>
+                  <a:ea typeface="+mn-ea"/>
+                  <a:cs typeface="+mn-cs"/>
+                </a:defRPr>
+              </a:lvl3pPr>
+              <a:lvl4pPr>
+                <a:defRPr>
+                  <a:solidFill>
+                    <a:schemeClr val="lt1"/>
+                  </a:solidFill>
+                  <a:latin typeface="+mn-lt"/>
+                  <a:ea typeface="+mn-ea"/>
+                  <a:cs typeface="+mn-cs"/>
+                </a:defRPr>
+              </a:lvl4pPr>
+              <a:lvl5pPr>
+                <a:defRPr>
+                  <a:solidFill>
+                    <a:schemeClr val="lt1"/>
+                  </a:solidFill>
+                  <a:latin typeface="+mn-lt"/>
+                  <a:ea typeface="+mn-ea"/>
+                  <a:cs typeface="+mn-cs"/>
+                </a:defRPr>
+              </a:lvl5pPr>
+              <a:lvl6pPr>
+                <a:defRPr>
+                  <a:solidFill>
+                    <a:schemeClr val="lt1"/>
+                  </a:solidFill>
+                  <a:latin typeface="+mn-lt"/>
+                  <a:ea typeface="+mn-ea"/>
+                  <a:cs typeface="+mn-cs"/>
+                </a:defRPr>
+              </a:lvl6pPr>
+              <a:lvl7pPr>
+                <a:defRPr>
+                  <a:solidFill>
+                    <a:schemeClr val="lt1"/>
+                  </a:solidFill>
+                  <a:latin typeface="+mn-lt"/>
+                  <a:ea typeface="+mn-ea"/>
+                  <a:cs typeface="+mn-cs"/>
+                </a:defRPr>
+              </a:lvl7pPr>
+              <a:lvl8pPr>
+                <a:defRPr>
+                  <a:solidFill>
+                    <a:schemeClr val="lt1"/>
+                  </a:solidFill>
+                  <a:latin typeface="+mn-lt"/>
+                  <a:ea typeface="+mn-ea"/>
+                  <a:cs typeface="+mn-cs"/>
+                </a:defRPr>
+              </a:lvl8pPr>
+              <a:lvl9pPr>
+                <a:defRPr>
+                  <a:solidFill>
+                    <a:schemeClr val="lt1"/>
+                  </a:solidFill>
+                  <a:latin typeface="+mn-lt"/>
+                  <a:ea typeface="+mn-ea"/>
+                  <a:cs typeface="+mn-cs"/>
+                </a:defRPr>
+              </a:lvl9pPr>
+            </a:lstStyle>
+            <a:p>
+              <a:pPr algn="ctr"/>
+              <a:endParaRPr lang="en-US" dirty="0"/>
+            </a:p>
+          </p:txBody>
+        </p:sp>
+        <p:sp>
+          <p:nvSpPr>
+            <p:cNvPr id="6" name="Parallelogram 5">
+              <a:extLst>
+                <a:ext uri="{FF2B5EF4-FFF2-40B4-BE49-F238E27FC236}">
+                  <a16:creationId xmlns:a16="http://schemas.microsoft.com/office/drawing/2014/main" id="{7AA09D4B-EFDC-3A40-B755-96517A633B64}"/>
+                </a:ext>
+              </a:extLst>
+            </p:cNvPr>
+            <p:cNvSpPr/>
+            <p:nvPr/>
+          </p:nvSpPr>
+          <p:spPr>
+            <a:xfrm rot="10800000">
+              <a:off x="2630164" y="1786"/>
+              <a:ext cx="6186487" cy="1074539"/>
+            </a:xfrm>
+            <a:prstGeom prst="parallelogram">
+              <a:avLst>
+                <a:gd name="adj" fmla="val 76856"/>
+              </a:avLst>
+            </a:prstGeom>
+            <a:solidFill>
+              <a:srgbClr val="797979"/>
+            </a:solidFill>
+            <a:ln>
+              <a:solidFill>
+                <a:srgbClr val="8C8C8C"/>
+              </a:solidFill>
+            </a:ln>
+          </p:spPr>
+          <p:style>
+            <a:lnRef idx="2">
+              <a:schemeClr val="accent1">
+                <a:shade val="50000"/>
+              </a:schemeClr>
+            </a:lnRef>
+            <a:fillRef idx="1">
+              <a:schemeClr val="accent1"/>
+            </a:fillRef>
+            <a:effectRef idx="0">
+              <a:schemeClr val="accent1"/>
+            </a:effectRef>
+            <a:fontRef idx="minor">
+              <a:schemeClr val="lt1"/>
+            </a:fontRef>
+          </p:style>
+          <p:txBody>
+            <a:bodyPr vert="horz" rtlCol="0" anchor="ctr"/>
+            <a:lstStyle>
+              <a:lvl1pPr>
+                <a:defRPr>
+                  <a:solidFill>
+                    <a:schemeClr val="lt1"/>
+                  </a:solidFill>
+                  <a:latin typeface="+mn-lt"/>
+                  <a:ea typeface="+mn-ea"/>
+                  <a:cs typeface="+mn-cs"/>
+                </a:defRPr>
+              </a:lvl1pPr>
+              <a:lvl2pPr>
+                <a:defRPr>
+                  <a:solidFill>
+                    <a:schemeClr val="lt1"/>
+                  </a:solidFill>
+                  <a:latin typeface="+mn-lt"/>
+                  <a:ea typeface="+mn-ea"/>
+                  <a:cs typeface="+mn-cs"/>
+                </a:defRPr>
+              </a:lvl2pPr>
+              <a:lvl3pPr>
+                <a:defRPr>
+                  <a:solidFill>
+                    <a:schemeClr val="lt1"/>
+                  </a:solidFill>
+                  <a:latin typeface="+mn-lt"/>
+                  <a:ea typeface="+mn-ea"/>
+                  <a:cs typeface="+mn-cs"/>
+                </a:defRPr>
+              </a:lvl3pPr>
+              <a:lvl4pPr>
+                <a:defRPr>
+                  <a:solidFill>
+                    <a:schemeClr val="lt1"/>
+                  </a:solidFill>
+                  <a:latin typeface="+mn-lt"/>
+                  <a:ea typeface="+mn-ea"/>
+                  <a:cs typeface="+mn-cs"/>
+                </a:defRPr>
+              </a:lvl4pPr>
+              <a:lvl5pPr>
+                <a:defRPr>
+                  <a:solidFill>
+                    <a:schemeClr val="lt1"/>
+                  </a:solidFill>
+                  <a:latin typeface="+mn-lt"/>
+                  <a:ea typeface="+mn-ea"/>
+                  <a:cs typeface="+mn-cs"/>
+                </a:defRPr>
+              </a:lvl5pPr>
+              <a:lvl6pPr>
+                <a:defRPr>
+                  <a:solidFill>
+                    <a:schemeClr val="lt1"/>
+                  </a:solidFill>
+                  <a:latin typeface="+mn-lt"/>
+                  <a:ea typeface="+mn-ea"/>
+                  <a:cs typeface="+mn-cs"/>
+                </a:defRPr>
+              </a:lvl6pPr>
+              <a:lvl7pPr>
+                <a:defRPr>
+                  <a:solidFill>
+                    <a:schemeClr val="lt1"/>
+                  </a:solidFill>
+                  <a:latin typeface="+mn-lt"/>
+                  <a:ea typeface="+mn-ea"/>
+                  <a:cs typeface="+mn-cs"/>
+                </a:defRPr>
+              </a:lvl7pPr>
+              <a:lvl8pPr>
+                <a:defRPr>
+                  <a:solidFill>
+                    <a:schemeClr val="lt1"/>
+                  </a:solidFill>
+                  <a:latin typeface="+mn-lt"/>
+                  <a:ea typeface="+mn-ea"/>
+                  <a:cs typeface="+mn-cs"/>
+                </a:defRPr>
+              </a:lvl8pPr>
+              <a:lvl9pPr>
+                <a:defRPr>
+                  <a:solidFill>
+                    <a:schemeClr val="lt1"/>
+                  </a:solidFill>
+                  <a:latin typeface="+mn-lt"/>
+                  <a:ea typeface="+mn-ea"/>
+                  <a:cs typeface="+mn-cs"/>
+                </a:defRPr>
+              </a:lvl9pPr>
+            </a:lstStyle>
+            <a:p>
+              <a:pPr algn="ctr"/>
+              <a:endParaRPr lang="en-US" dirty="0"/>
+            </a:p>
+          </p:txBody>
+        </p:sp>
+        <p:sp>
+          <p:nvSpPr>
+            <p:cNvPr id="7" name="Rectangle 6">
+              <a:extLst>
+                <a:ext uri="{FF2B5EF4-FFF2-40B4-BE49-F238E27FC236}">
+                  <a16:creationId xmlns:a16="http://schemas.microsoft.com/office/drawing/2014/main" id="{F7D81343-BA84-CD44-92C0-CD5C8EB8BE53}"/>
+                </a:ext>
+              </a:extLst>
+            </p:cNvPr>
+            <p:cNvSpPr/>
+            <p:nvPr/>
+          </p:nvSpPr>
+          <p:spPr>
+            <a:xfrm>
+              <a:off x="0" y="841339"/>
+              <a:ext cx="9144001" cy="114364"/>
+            </a:xfrm>
+            <a:prstGeom prst="rect">
+              <a:avLst/>
+            </a:prstGeom>
+            <a:solidFill>
+              <a:srgbClr val="60BA4B"/>
+            </a:solidFill>
+            <a:ln>
+              <a:solidFill>
+                <a:srgbClr val="60BA4B"/>
+              </a:solidFill>
+            </a:ln>
+          </p:spPr>
+          <p:style>
+            <a:lnRef idx="2">
+              <a:schemeClr val="accent1">
+                <a:shade val="50000"/>
+              </a:schemeClr>
+            </a:lnRef>
+            <a:fillRef idx="1">
+              <a:schemeClr val="accent1"/>
+            </a:fillRef>
+            <a:effectRef idx="0">
+              <a:schemeClr val="accent1"/>
+            </a:effectRef>
+            <a:fontRef idx="minor">
+              <a:schemeClr val="lt1"/>
+            </a:fontRef>
+          </p:style>
+          <p:txBody>
+            <a:bodyPr rtlCol="0" anchor="ctr"/>
+            <a:lstStyle>
+              <a:lvl1pPr>
+                <a:defRPr>
+                  <a:solidFill>
+                    <a:schemeClr val="lt1"/>
+                  </a:solidFill>
+                  <a:latin typeface="+mn-lt"/>
+                  <a:ea typeface="+mn-ea"/>
+                  <a:cs typeface="+mn-cs"/>
+                </a:defRPr>
+              </a:lvl1pPr>
+              <a:lvl2pPr>
+                <a:defRPr>
+                  <a:solidFill>
+                    <a:schemeClr val="lt1"/>
+                  </a:solidFill>
+                  <a:latin typeface="+mn-lt"/>
+                  <a:ea typeface="+mn-ea"/>
+                  <a:cs typeface="+mn-cs"/>
+                </a:defRPr>
+              </a:lvl2pPr>
+              <a:lvl3pPr>
+                <a:defRPr>
+                  <a:solidFill>
+                    <a:schemeClr val="lt1"/>
+                  </a:solidFill>
+                  <a:latin typeface="+mn-lt"/>
+                  <a:ea typeface="+mn-ea"/>
+                  <a:cs typeface="+mn-cs"/>
+                </a:defRPr>
+              </a:lvl3pPr>
+              <a:lvl4pPr>
+                <a:defRPr>
+                  <a:solidFill>
+                    <a:schemeClr val="lt1"/>
+                  </a:solidFill>
+                  <a:latin typeface="+mn-lt"/>
+                  <a:ea typeface="+mn-ea"/>
+                  <a:cs typeface="+mn-cs"/>
+                </a:defRPr>
+              </a:lvl4pPr>
+              <a:lvl5pPr>
+                <a:defRPr>
+                  <a:solidFill>
+                    <a:schemeClr val="lt1"/>
+                  </a:solidFill>
+                  <a:latin typeface="+mn-lt"/>
+                  <a:ea typeface="+mn-ea"/>
+                  <a:cs typeface="+mn-cs"/>
+                </a:defRPr>
+              </a:lvl5pPr>
+              <a:lvl6pPr>
+                <a:defRPr>
+                  <a:solidFill>
+                    <a:schemeClr val="lt1"/>
+                  </a:solidFill>
+                  <a:latin typeface="+mn-lt"/>
+                  <a:ea typeface="+mn-ea"/>
+                  <a:cs typeface="+mn-cs"/>
+                </a:defRPr>
+              </a:lvl6pPr>
+              <a:lvl7pPr>
+                <a:defRPr>
+                  <a:solidFill>
+                    <a:schemeClr val="lt1"/>
+                  </a:solidFill>
+                  <a:latin typeface="+mn-lt"/>
+                  <a:ea typeface="+mn-ea"/>
+                  <a:cs typeface="+mn-cs"/>
+                </a:defRPr>
+              </a:lvl7pPr>
+              <a:lvl8pPr>
+                <a:defRPr>
+                  <a:solidFill>
+                    <a:schemeClr val="lt1"/>
+                  </a:solidFill>
+                  <a:latin typeface="+mn-lt"/>
+                  <a:ea typeface="+mn-ea"/>
+                  <a:cs typeface="+mn-cs"/>
+                </a:defRPr>
+              </a:lvl8pPr>
+              <a:lvl9pPr>
+                <a:defRPr>
+                  <a:solidFill>
+                    <a:schemeClr val="lt1"/>
+                  </a:solidFill>
+                  <a:latin typeface="+mn-lt"/>
+                  <a:ea typeface="+mn-ea"/>
+                  <a:cs typeface="+mn-cs"/>
+                </a:defRPr>
+              </a:lvl9pPr>
+            </a:lstStyle>
+            <a:p>
+              <a:pPr algn="ctr"/>
+              <a:endParaRPr lang="en-US" dirty="0"/>
+            </a:p>
+          </p:txBody>
+        </p:sp>
+        <p:pic>
+          <p:nvPicPr>
+            <p:cNvPr id="8" name="Graphic 4">
+              <a:extLst>
+                <a:ext uri="{FF2B5EF4-FFF2-40B4-BE49-F238E27FC236}">
+                  <a16:creationId xmlns:a16="http://schemas.microsoft.com/office/drawing/2014/main" id="{C3D4DEFD-1029-A744-B01D-ED0FB77E0B1E}"/>
+                </a:ext>
+              </a:extLst>
+            </p:cNvPr>
+            <p:cNvPicPr>
+              <a:picLocks noChangeAspect="1"/>
+            </p:cNvPicPr>
+            <p:nvPr/>
+          </p:nvPicPr>
+          <p:blipFill>
+            <a:blip r:embed="rId2">
+              <a:extLst>
+                <a:ext uri="{28A0092B-C50C-407E-A947-70E740481C1C}">
+                  <a14:useLocalDpi xmlns:a14="http://schemas.microsoft.com/office/drawing/2010/main" val="0"/>
+                </a:ext>
+                <a:ext uri="{96DAC541-7B7A-43D3-8B79-37D633B846F1}">
+                  <asvg:svgBlip xmlns:asvg="http://schemas.microsoft.com/office/drawing/2016/SVG/main" r:embed="rId3"/>
+                </a:ext>
+              </a:extLst>
+            </a:blip>
+            <a:stretch>
+              <a:fillRect/>
+            </a:stretch>
+          </p:blipFill>
+          <p:spPr>
+            <a:xfrm>
+              <a:off x="379739" y="224486"/>
+              <a:ext cx="2419327" cy="395890"/>
+            </a:xfrm>
+            <a:prstGeom prst="rect">
+              <a:avLst/>
+            </a:prstGeom>
+          </p:spPr>
+        </p:pic>
+        <p:sp>
+          <p:nvSpPr>
+            <p:cNvPr id="9" name="TextBox 8">
+              <a:extLst>
+                <a:ext uri="{FF2B5EF4-FFF2-40B4-BE49-F238E27FC236}">
+                  <a16:creationId xmlns:a16="http://schemas.microsoft.com/office/drawing/2014/main" id="{5B7A31AF-1D2A-024A-BF3E-F4898863D30B}"/>
+                </a:ext>
+              </a:extLst>
+            </p:cNvPr>
+            <p:cNvSpPr txBox="1"/>
+            <p:nvPr/>
+          </p:nvSpPr>
+          <p:spPr>
+            <a:xfrm>
+              <a:off x="3636367" y="74809"/>
+              <a:ext cx="4342983" cy="707886"/>
+            </a:xfrm>
+            <a:prstGeom prst="rect">
+              <a:avLst/>
+            </a:prstGeom>
+            <a:noFill/>
+          </p:spPr>
+          <p:txBody>
+            <a:bodyPr vert="horz" wrap="square" rtlCol="0" anchor="ctr">
+              <a:spAutoFit/>
+            </a:bodyPr>
+            <a:lstStyle/>
+            <a:p>
+              <a:r>
+                <a:rPr lang="en-US" sz="4000" b="1" dirty="0">
+                  <a:solidFill>
+                    <a:schemeClr val="bg1"/>
+                  </a:solidFill>
+                  <a:latin typeface="Georgia" panose="02040502050405020303" pitchFamily="18" charset="0"/>
+                </a:rPr>
+                <a:t>Template</a:t>
+              </a:r>
+            </a:p>
+          </p:txBody>
+        </p:sp>
+      </p:grpSp>
       <p:pic>
         <p:nvPicPr>
-          <p:cNvPr id="4" name="Picture 3">
+          <p:cNvPr id="11" name="Picture 10">
             <a:extLst>
               <a:ext uri="{FF2B5EF4-FFF2-40B4-BE49-F238E27FC236}">
-                <a16:creationId xmlns:a16="http://schemas.microsoft.com/office/drawing/2014/main" id="{225A0C9F-B055-7C40-8A2A-CE54431F07F9}"/>
+                <a16:creationId xmlns:a16="http://schemas.microsoft.com/office/drawing/2014/main" id="{9370252A-5438-1144-A6BC-C4FEE6D2E055}"/>
               </a:ext>
             </a:extLst>
           </p:cNvPr>
@@ -4213,12 +5237,72 @@
           </a:prstGeom>
         </p:spPr>
       </p:pic>
-      <p:sp>
-        <p:nvSpPr>
-          <p:cNvPr id="5" name="TextBox 4">
+      <p:pic>
+        <p:nvPicPr>
+          <p:cNvPr id="12" name="Picture 11">
             <a:extLst>
               <a:ext uri="{FF2B5EF4-FFF2-40B4-BE49-F238E27FC236}">
-                <a16:creationId xmlns:a16="http://schemas.microsoft.com/office/drawing/2014/main" id="{4C657ED0-FB7D-F344-99EB-36CA09989D99}"/>
+                <a16:creationId xmlns:a16="http://schemas.microsoft.com/office/drawing/2014/main" id="{E4CD50C6-8D45-6046-ABE7-E51CD4B1D6EA}"/>
+              </a:ext>
+            </a:extLst>
+          </p:cNvPr>
+          <p:cNvPicPr>
+            <a:picLocks noChangeAspect="1"/>
+          </p:cNvPicPr>
+          <p:nvPr/>
+        </p:nvPicPr>
+        <p:blipFill>
+          <a:blip r:embed="rId5"/>
+          <a:stretch>
+            <a:fillRect/>
+          </a:stretch>
+        </p:blipFill>
+        <p:spPr>
+          <a:xfrm>
+            <a:off x="0" y="6273800"/>
+            <a:ext cx="9144000" cy="584200"/>
+          </a:xfrm>
+          <a:prstGeom prst="rect">
+            <a:avLst/>
+          </a:prstGeom>
+        </p:spPr>
+      </p:pic>
+      <p:pic>
+        <p:nvPicPr>
+          <p:cNvPr id="13" name="Picture 12">
+            <a:extLst>
+              <a:ext uri="{FF2B5EF4-FFF2-40B4-BE49-F238E27FC236}">
+                <a16:creationId xmlns:a16="http://schemas.microsoft.com/office/drawing/2014/main" id="{D25F6D67-56E7-6649-9D3A-995322DC3F18}"/>
+              </a:ext>
+            </a:extLst>
+          </p:cNvPr>
+          <p:cNvPicPr>
+            <a:picLocks noChangeAspect="1"/>
+          </p:cNvPicPr>
+          <p:nvPr/>
+        </p:nvPicPr>
+        <p:blipFill>
+          <a:blip r:embed="rId4"/>
+          <a:stretch>
+            <a:fillRect/>
+          </a:stretch>
+        </p:blipFill>
+        <p:spPr>
+          <a:xfrm>
+            <a:off x="5896947" y="6352733"/>
+            <a:ext cx="2455333" cy="368300"/>
+          </a:xfrm>
+          <a:prstGeom prst="rect">
+            <a:avLst/>
+          </a:prstGeom>
+        </p:spPr>
+      </p:pic>
+      <p:sp>
+        <p:nvSpPr>
+          <p:cNvPr id="14" name="TextBox 13">
+            <a:extLst>
+              <a:ext uri="{FF2B5EF4-FFF2-40B4-BE49-F238E27FC236}">
+                <a16:creationId xmlns:a16="http://schemas.microsoft.com/office/drawing/2014/main" id="{270155AE-E908-0B49-82D4-C8427A2DCED1}"/>
               </a:ext>
             </a:extLst>
           </p:cNvPr>
@@ -4257,10 +5341,98 @@
           </a:p>
         </p:txBody>
       </p:sp>
+      <p:sp>
+        <p:nvSpPr>
+          <p:cNvPr id="15" name="TextBox 14">
+            <a:extLst>
+              <a:ext uri="{FF2B5EF4-FFF2-40B4-BE49-F238E27FC236}">
+                <a16:creationId xmlns:a16="http://schemas.microsoft.com/office/drawing/2014/main" id="{D86292BD-2C64-B446-982B-C0B5F644357D}"/>
+              </a:ext>
+            </a:extLst>
+          </p:cNvPr>
+          <p:cNvSpPr txBox="1"/>
+          <p:nvPr/>
+        </p:nvSpPr>
+        <p:spPr>
+          <a:xfrm>
+            <a:off x="903622" y="6963613"/>
+            <a:ext cx="3197598" cy="461665"/>
+          </a:xfrm>
+          <a:prstGeom prst="rect">
+            <a:avLst/>
+          </a:prstGeom>
+          <a:noFill/>
+        </p:spPr>
+        <p:txBody>
+          <a:bodyPr wrap="square" rtlCol="0">
+            <a:spAutoFit/>
+          </a:bodyPr>
+          <a:lstStyle/>
+          <a:p>
+            <a:r>
+              <a:rPr lang="en-US" sz="2400" i="1" dirty="0">
+                <a:solidFill>
+                  <a:schemeClr val="bg1"/>
+                </a:solidFill>
+              </a:rPr>
+              <a:t>https://api.glygen.org</a:t>
+            </a:r>
+            <a:endParaRPr lang="en-US" sz="2400" dirty="0">
+              <a:solidFill>
+                <a:schemeClr val="bg1"/>
+              </a:solidFill>
+            </a:endParaRPr>
+          </a:p>
+        </p:txBody>
+      </p:sp>
+      <p:sp>
+        <p:nvSpPr>
+          <p:cNvPr id="16" name="TextBox 15">
+            <a:extLst>
+              <a:ext uri="{FF2B5EF4-FFF2-40B4-BE49-F238E27FC236}">
+                <a16:creationId xmlns:a16="http://schemas.microsoft.com/office/drawing/2014/main" id="{E60C93BD-5B98-0C42-8339-C9FDD82307E5}"/>
+              </a:ext>
+            </a:extLst>
+          </p:cNvPr>
+          <p:cNvSpPr txBox="1"/>
+          <p:nvPr/>
+        </p:nvSpPr>
+        <p:spPr>
+          <a:xfrm>
+            <a:off x="903622" y="7425278"/>
+            <a:ext cx="3372677" cy="461665"/>
+          </a:xfrm>
+          <a:prstGeom prst="rect">
+            <a:avLst/>
+          </a:prstGeom>
+          <a:noFill/>
+        </p:spPr>
+        <p:txBody>
+          <a:bodyPr wrap="square" rtlCol="0">
+            <a:spAutoFit/>
+          </a:bodyPr>
+          <a:lstStyle/>
+          <a:p>
+            <a:r>
+              <a:rPr lang="en-US" sz="2400" i="1" dirty="0">
+                <a:solidFill>
+                  <a:schemeClr val="bg1"/>
+                </a:solidFill>
+              </a:rPr>
+              <a:t>https://sparql.glygen.org</a:t>
+            </a:r>
+            <a:endParaRPr lang="en-US" sz="2400" dirty="0">
+              <a:solidFill>
+                <a:schemeClr val="bg1"/>
+              </a:solidFill>
+            </a:endParaRPr>
+          </a:p>
+        </p:txBody>
+      </p:sp>
     </p:spTree>
     <p:extLst>
       <p:ext uri="{BB962C8B-B14F-4D97-AF65-F5344CB8AC3E}">
-        <p14:creationId xmlns:p14="http://schemas.microsoft.com/office/powerpoint/2010/main" val="3885591101"/>
+        <p14:creationId xmlns:p14="http://schemas.microsoft.com/office/powerpoint/2010/main" val="504674813"/>
       </p:ext>
     </p:extLst>
   </p:cSld>
@@ -4287,12 +5459,597 @@
           <a:chExt cx="0" cy="0"/>
         </a:xfrm>
       </p:grpSpPr>
+      <p:sp>
+        <p:nvSpPr>
+          <p:cNvPr id="2" name="Title 1">
+            <a:extLst>
+              <a:ext uri="{FF2B5EF4-FFF2-40B4-BE49-F238E27FC236}">
+                <a16:creationId xmlns:a16="http://schemas.microsoft.com/office/drawing/2014/main" id="{01B8BF86-43D0-6443-889B-A9BD3964665F}"/>
+              </a:ext>
+            </a:extLst>
+          </p:cNvPr>
+          <p:cNvSpPr>
+            <a:spLocks noGrp="1"/>
+          </p:cNvSpPr>
+          <p:nvPr>
+            <p:ph type="title"/>
+          </p:nvPr>
+        </p:nvSpPr>
+        <p:spPr/>
+        <p:txBody>
+          <a:bodyPr/>
+          <a:lstStyle/>
+          <a:p>
+            <a:endParaRPr lang="en-US" dirty="0"/>
+          </a:p>
+        </p:txBody>
+      </p:sp>
+      <p:sp>
+        <p:nvSpPr>
+          <p:cNvPr id="3" name="Content Placeholder 2">
+            <a:extLst>
+              <a:ext uri="{FF2B5EF4-FFF2-40B4-BE49-F238E27FC236}">
+                <a16:creationId xmlns:a16="http://schemas.microsoft.com/office/drawing/2014/main" id="{5BBDB390-F834-A640-8DDF-38ED5218DB6E}"/>
+              </a:ext>
+            </a:extLst>
+          </p:cNvPr>
+          <p:cNvSpPr>
+            <a:spLocks noGrp="1"/>
+          </p:cNvSpPr>
+          <p:nvPr>
+            <p:ph idx="1"/>
+          </p:nvPr>
+        </p:nvSpPr>
+        <p:spPr/>
+        <p:txBody>
+          <a:bodyPr/>
+          <a:lstStyle/>
+          <a:p>
+            <a:endParaRPr lang="en-US" dirty="0"/>
+          </a:p>
+        </p:txBody>
+      </p:sp>
+      <p:grpSp>
+        <p:nvGrpSpPr>
+          <p:cNvPr id="4" name="Group 3">
+            <a:extLst>
+              <a:ext uri="{FF2B5EF4-FFF2-40B4-BE49-F238E27FC236}">
+                <a16:creationId xmlns:a16="http://schemas.microsoft.com/office/drawing/2014/main" id="{A4924F94-F5EB-5E41-8BCC-8922A6D56B07}"/>
+              </a:ext>
+            </a:extLst>
+          </p:cNvPr>
+          <p:cNvGrpSpPr/>
+          <p:nvPr/>
+        </p:nvGrpSpPr>
+        <p:grpSpPr>
+          <a:xfrm>
+            <a:off x="-2" y="0"/>
+            <a:ext cx="9144002" cy="1076325"/>
+            <a:chOff x="0" y="0"/>
+            <a:chExt cx="9144002" cy="1076325"/>
+          </a:xfrm>
+        </p:grpSpPr>
+        <p:sp>
+          <p:nvSpPr>
+            <p:cNvPr id="5" name="Rectangle 4">
+              <a:extLst>
+                <a:ext uri="{FF2B5EF4-FFF2-40B4-BE49-F238E27FC236}">
+                  <a16:creationId xmlns:a16="http://schemas.microsoft.com/office/drawing/2014/main" id="{95C13FE0-4773-3148-95CF-58ADF2E7661B}"/>
+                </a:ext>
+              </a:extLst>
+            </p:cNvPr>
+            <p:cNvSpPr/>
+            <p:nvPr/>
+          </p:nvSpPr>
+          <p:spPr>
+            <a:xfrm>
+              <a:off x="3" y="0"/>
+              <a:ext cx="9143999" cy="944025"/>
+            </a:xfrm>
+            <a:prstGeom prst="rect">
+              <a:avLst/>
+            </a:prstGeom>
+            <a:solidFill>
+              <a:srgbClr val="2D78B7"/>
+            </a:solidFill>
+            <a:ln>
+              <a:noFill/>
+            </a:ln>
+          </p:spPr>
+          <p:style>
+            <a:lnRef idx="2">
+              <a:schemeClr val="accent1">
+                <a:shade val="50000"/>
+              </a:schemeClr>
+            </a:lnRef>
+            <a:fillRef idx="1">
+              <a:schemeClr val="accent1"/>
+            </a:fillRef>
+            <a:effectRef idx="0">
+              <a:schemeClr val="accent1"/>
+            </a:effectRef>
+            <a:fontRef idx="minor">
+              <a:schemeClr val="lt1"/>
+            </a:fontRef>
+          </p:style>
+          <p:txBody>
+            <a:bodyPr rtlCol="0" anchor="ctr"/>
+            <a:lstStyle>
+              <a:lvl1pPr>
+                <a:defRPr>
+                  <a:solidFill>
+                    <a:schemeClr val="lt1"/>
+                  </a:solidFill>
+                  <a:latin typeface="+mn-lt"/>
+                  <a:ea typeface="+mn-ea"/>
+                  <a:cs typeface="+mn-cs"/>
+                </a:defRPr>
+              </a:lvl1pPr>
+              <a:lvl2pPr>
+                <a:defRPr>
+                  <a:solidFill>
+                    <a:schemeClr val="lt1"/>
+                  </a:solidFill>
+                  <a:latin typeface="+mn-lt"/>
+                  <a:ea typeface="+mn-ea"/>
+                  <a:cs typeface="+mn-cs"/>
+                </a:defRPr>
+              </a:lvl2pPr>
+              <a:lvl3pPr>
+                <a:defRPr>
+                  <a:solidFill>
+                    <a:schemeClr val="lt1"/>
+                  </a:solidFill>
+                  <a:latin typeface="+mn-lt"/>
+                  <a:ea typeface="+mn-ea"/>
+                  <a:cs typeface="+mn-cs"/>
+                </a:defRPr>
+              </a:lvl3pPr>
+              <a:lvl4pPr>
+                <a:defRPr>
+                  <a:solidFill>
+                    <a:schemeClr val="lt1"/>
+                  </a:solidFill>
+                  <a:latin typeface="+mn-lt"/>
+                  <a:ea typeface="+mn-ea"/>
+                  <a:cs typeface="+mn-cs"/>
+                </a:defRPr>
+              </a:lvl4pPr>
+              <a:lvl5pPr>
+                <a:defRPr>
+                  <a:solidFill>
+                    <a:schemeClr val="lt1"/>
+                  </a:solidFill>
+                  <a:latin typeface="+mn-lt"/>
+                  <a:ea typeface="+mn-ea"/>
+                  <a:cs typeface="+mn-cs"/>
+                </a:defRPr>
+              </a:lvl5pPr>
+              <a:lvl6pPr>
+                <a:defRPr>
+                  <a:solidFill>
+                    <a:schemeClr val="lt1"/>
+                  </a:solidFill>
+                  <a:latin typeface="+mn-lt"/>
+                  <a:ea typeface="+mn-ea"/>
+                  <a:cs typeface="+mn-cs"/>
+                </a:defRPr>
+              </a:lvl6pPr>
+              <a:lvl7pPr>
+                <a:defRPr>
+                  <a:solidFill>
+                    <a:schemeClr val="lt1"/>
+                  </a:solidFill>
+                  <a:latin typeface="+mn-lt"/>
+                  <a:ea typeface="+mn-ea"/>
+                  <a:cs typeface="+mn-cs"/>
+                </a:defRPr>
+              </a:lvl7pPr>
+              <a:lvl8pPr>
+                <a:defRPr>
+                  <a:solidFill>
+                    <a:schemeClr val="lt1"/>
+                  </a:solidFill>
+                  <a:latin typeface="+mn-lt"/>
+                  <a:ea typeface="+mn-ea"/>
+                  <a:cs typeface="+mn-cs"/>
+                </a:defRPr>
+              </a:lvl8pPr>
+              <a:lvl9pPr>
+                <a:defRPr>
+                  <a:solidFill>
+                    <a:schemeClr val="lt1"/>
+                  </a:solidFill>
+                  <a:latin typeface="+mn-lt"/>
+                  <a:ea typeface="+mn-ea"/>
+                  <a:cs typeface="+mn-cs"/>
+                </a:defRPr>
+              </a:lvl9pPr>
+            </a:lstStyle>
+            <a:p>
+              <a:pPr algn="ctr"/>
+              <a:endParaRPr lang="en-US" dirty="0"/>
+            </a:p>
+          </p:txBody>
+        </p:sp>
+        <p:sp>
+          <p:nvSpPr>
+            <p:cNvPr id="6" name="Parallelogram 5">
+              <a:extLst>
+                <a:ext uri="{FF2B5EF4-FFF2-40B4-BE49-F238E27FC236}">
+                  <a16:creationId xmlns:a16="http://schemas.microsoft.com/office/drawing/2014/main" id="{7AA09D4B-EFDC-3A40-B755-96517A633B64}"/>
+                </a:ext>
+              </a:extLst>
+            </p:cNvPr>
+            <p:cNvSpPr/>
+            <p:nvPr/>
+          </p:nvSpPr>
+          <p:spPr>
+            <a:xfrm rot="10800000">
+              <a:off x="2630164" y="1786"/>
+              <a:ext cx="6186487" cy="1074539"/>
+            </a:xfrm>
+            <a:prstGeom prst="parallelogram">
+              <a:avLst>
+                <a:gd name="adj" fmla="val 76856"/>
+              </a:avLst>
+            </a:prstGeom>
+            <a:solidFill>
+              <a:srgbClr val="797979"/>
+            </a:solidFill>
+            <a:ln>
+              <a:solidFill>
+                <a:srgbClr val="8C8C8C"/>
+              </a:solidFill>
+            </a:ln>
+          </p:spPr>
+          <p:style>
+            <a:lnRef idx="2">
+              <a:schemeClr val="accent1">
+                <a:shade val="50000"/>
+              </a:schemeClr>
+            </a:lnRef>
+            <a:fillRef idx="1">
+              <a:schemeClr val="accent1"/>
+            </a:fillRef>
+            <a:effectRef idx="0">
+              <a:schemeClr val="accent1"/>
+            </a:effectRef>
+            <a:fontRef idx="minor">
+              <a:schemeClr val="lt1"/>
+            </a:fontRef>
+          </p:style>
+          <p:txBody>
+            <a:bodyPr vert="horz" rtlCol="0" anchor="ctr"/>
+            <a:lstStyle>
+              <a:lvl1pPr>
+                <a:defRPr>
+                  <a:solidFill>
+                    <a:schemeClr val="lt1"/>
+                  </a:solidFill>
+                  <a:latin typeface="+mn-lt"/>
+                  <a:ea typeface="+mn-ea"/>
+                  <a:cs typeface="+mn-cs"/>
+                </a:defRPr>
+              </a:lvl1pPr>
+              <a:lvl2pPr>
+                <a:defRPr>
+                  <a:solidFill>
+                    <a:schemeClr val="lt1"/>
+                  </a:solidFill>
+                  <a:latin typeface="+mn-lt"/>
+                  <a:ea typeface="+mn-ea"/>
+                  <a:cs typeface="+mn-cs"/>
+                </a:defRPr>
+              </a:lvl2pPr>
+              <a:lvl3pPr>
+                <a:defRPr>
+                  <a:solidFill>
+                    <a:schemeClr val="lt1"/>
+                  </a:solidFill>
+                  <a:latin typeface="+mn-lt"/>
+                  <a:ea typeface="+mn-ea"/>
+                  <a:cs typeface="+mn-cs"/>
+                </a:defRPr>
+              </a:lvl3pPr>
+              <a:lvl4pPr>
+                <a:defRPr>
+                  <a:solidFill>
+                    <a:schemeClr val="lt1"/>
+                  </a:solidFill>
+                  <a:latin typeface="+mn-lt"/>
+                  <a:ea typeface="+mn-ea"/>
+                  <a:cs typeface="+mn-cs"/>
+                </a:defRPr>
+              </a:lvl4pPr>
+              <a:lvl5pPr>
+                <a:defRPr>
+                  <a:solidFill>
+                    <a:schemeClr val="lt1"/>
+                  </a:solidFill>
+                  <a:latin typeface="+mn-lt"/>
+                  <a:ea typeface="+mn-ea"/>
+                  <a:cs typeface="+mn-cs"/>
+                </a:defRPr>
+              </a:lvl5pPr>
+              <a:lvl6pPr>
+                <a:defRPr>
+                  <a:solidFill>
+                    <a:schemeClr val="lt1"/>
+                  </a:solidFill>
+                  <a:latin typeface="+mn-lt"/>
+                  <a:ea typeface="+mn-ea"/>
+                  <a:cs typeface="+mn-cs"/>
+                </a:defRPr>
+              </a:lvl6pPr>
+              <a:lvl7pPr>
+                <a:defRPr>
+                  <a:solidFill>
+                    <a:schemeClr val="lt1"/>
+                  </a:solidFill>
+                  <a:latin typeface="+mn-lt"/>
+                  <a:ea typeface="+mn-ea"/>
+                  <a:cs typeface="+mn-cs"/>
+                </a:defRPr>
+              </a:lvl7pPr>
+              <a:lvl8pPr>
+                <a:defRPr>
+                  <a:solidFill>
+                    <a:schemeClr val="lt1"/>
+                  </a:solidFill>
+                  <a:latin typeface="+mn-lt"/>
+                  <a:ea typeface="+mn-ea"/>
+                  <a:cs typeface="+mn-cs"/>
+                </a:defRPr>
+              </a:lvl8pPr>
+              <a:lvl9pPr>
+                <a:defRPr>
+                  <a:solidFill>
+                    <a:schemeClr val="lt1"/>
+                  </a:solidFill>
+                  <a:latin typeface="+mn-lt"/>
+                  <a:ea typeface="+mn-ea"/>
+                  <a:cs typeface="+mn-cs"/>
+                </a:defRPr>
+              </a:lvl9pPr>
+            </a:lstStyle>
+            <a:p>
+              <a:pPr algn="ctr"/>
+              <a:endParaRPr lang="en-US" dirty="0"/>
+            </a:p>
+          </p:txBody>
+        </p:sp>
+        <p:sp>
+          <p:nvSpPr>
+            <p:cNvPr id="7" name="Rectangle 6">
+              <a:extLst>
+                <a:ext uri="{FF2B5EF4-FFF2-40B4-BE49-F238E27FC236}">
+                  <a16:creationId xmlns:a16="http://schemas.microsoft.com/office/drawing/2014/main" id="{F7D81343-BA84-CD44-92C0-CD5C8EB8BE53}"/>
+                </a:ext>
+              </a:extLst>
+            </p:cNvPr>
+            <p:cNvSpPr/>
+            <p:nvPr/>
+          </p:nvSpPr>
+          <p:spPr>
+            <a:xfrm>
+              <a:off x="0" y="841339"/>
+              <a:ext cx="9144001" cy="114364"/>
+            </a:xfrm>
+            <a:prstGeom prst="rect">
+              <a:avLst/>
+            </a:prstGeom>
+            <a:solidFill>
+              <a:srgbClr val="60BA4B"/>
+            </a:solidFill>
+            <a:ln>
+              <a:solidFill>
+                <a:srgbClr val="60BA4B"/>
+              </a:solidFill>
+            </a:ln>
+          </p:spPr>
+          <p:style>
+            <a:lnRef idx="2">
+              <a:schemeClr val="accent1">
+                <a:shade val="50000"/>
+              </a:schemeClr>
+            </a:lnRef>
+            <a:fillRef idx="1">
+              <a:schemeClr val="accent1"/>
+            </a:fillRef>
+            <a:effectRef idx="0">
+              <a:schemeClr val="accent1"/>
+            </a:effectRef>
+            <a:fontRef idx="minor">
+              <a:schemeClr val="lt1"/>
+            </a:fontRef>
+          </p:style>
+          <p:txBody>
+            <a:bodyPr rtlCol="0" anchor="ctr"/>
+            <a:lstStyle>
+              <a:lvl1pPr>
+                <a:defRPr>
+                  <a:solidFill>
+                    <a:schemeClr val="lt1"/>
+                  </a:solidFill>
+                  <a:latin typeface="+mn-lt"/>
+                  <a:ea typeface="+mn-ea"/>
+                  <a:cs typeface="+mn-cs"/>
+                </a:defRPr>
+              </a:lvl1pPr>
+              <a:lvl2pPr>
+                <a:defRPr>
+                  <a:solidFill>
+                    <a:schemeClr val="lt1"/>
+                  </a:solidFill>
+                  <a:latin typeface="+mn-lt"/>
+                  <a:ea typeface="+mn-ea"/>
+                  <a:cs typeface="+mn-cs"/>
+                </a:defRPr>
+              </a:lvl2pPr>
+              <a:lvl3pPr>
+                <a:defRPr>
+                  <a:solidFill>
+                    <a:schemeClr val="lt1"/>
+                  </a:solidFill>
+                  <a:latin typeface="+mn-lt"/>
+                  <a:ea typeface="+mn-ea"/>
+                  <a:cs typeface="+mn-cs"/>
+                </a:defRPr>
+              </a:lvl3pPr>
+              <a:lvl4pPr>
+                <a:defRPr>
+                  <a:solidFill>
+                    <a:schemeClr val="lt1"/>
+                  </a:solidFill>
+                  <a:latin typeface="+mn-lt"/>
+                  <a:ea typeface="+mn-ea"/>
+                  <a:cs typeface="+mn-cs"/>
+                </a:defRPr>
+              </a:lvl4pPr>
+              <a:lvl5pPr>
+                <a:defRPr>
+                  <a:solidFill>
+                    <a:schemeClr val="lt1"/>
+                  </a:solidFill>
+                  <a:latin typeface="+mn-lt"/>
+                  <a:ea typeface="+mn-ea"/>
+                  <a:cs typeface="+mn-cs"/>
+                </a:defRPr>
+              </a:lvl5pPr>
+              <a:lvl6pPr>
+                <a:defRPr>
+                  <a:solidFill>
+                    <a:schemeClr val="lt1"/>
+                  </a:solidFill>
+                  <a:latin typeface="+mn-lt"/>
+                  <a:ea typeface="+mn-ea"/>
+                  <a:cs typeface="+mn-cs"/>
+                </a:defRPr>
+              </a:lvl6pPr>
+              <a:lvl7pPr>
+                <a:defRPr>
+                  <a:solidFill>
+                    <a:schemeClr val="lt1"/>
+                  </a:solidFill>
+                  <a:latin typeface="+mn-lt"/>
+                  <a:ea typeface="+mn-ea"/>
+                  <a:cs typeface="+mn-cs"/>
+                </a:defRPr>
+              </a:lvl7pPr>
+              <a:lvl8pPr>
+                <a:defRPr>
+                  <a:solidFill>
+                    <a:schemeClr val="lt1"/>
+                  </a:solidFill>
+                  <a:latin typeface="+mn-lt"/>
+                  <a:ea typeface="+mn-ea"/>
+                  <a:cs typeface="+mn-cs"/>
+                </a:defRPr>
+              </a:lvl8pPr>
+              <a:lvl9pPr>
+                <a:defRPr>
+                  <a:solidFill>
+                    <a:schemeClr val="lt1"/>
+                  </a:solidFill>
+                  <a:latin typeface="+mn-lt"/>
+                  <a:ea typeface="+mn-ea"/>
+                  <a:cs typeface="+mn-cs"/>
+                </a:defRPr>
+              </a:lvl9pPr>
+            </a:lstStyle>
+            <a:p>
+              <a:pPr algn="ctr"/>
+              <a:endParaRPr lang="en-US" dirty="0"/>
+            </a:p>
+          </p:txBody>
+        </p:sp>
+        <p:pic>
+          <p:nvPicPr>
+            <p:cNvPr id="8" name="Graphic 4">
+              <a:extLst>
+                <a:ext uri="{FF2B5EF4-FFF2-40B4-BE49-F238E27FC236}">
+                  <a16:creationId xmlns:a16="http://schemas.microsoft.com/office/drawing/2014/main" id="{C3D4DEFD-1029-A744-B01D-ED0FB77E0B1E}"/>
+                </a:ext>
+              </a:extLst>
+            </p:cNvPr>
+            <p:cNvPicPr>
+              <a:picLocks noChangeAspect="1"/>
+            </p:cNvPicPr>
+            <p:nvPr/>
+          </p:nvPicPr>
+          <p:blipFill>
+            <a:blip r:embed="rId2">
+              <a:extLst>
+                <a:ext uri="{28A0092B-C50C-407E-A947-70E740481C1C}">
+                  <a14:useLocalDpi xmlns:a14="http://schemas.microsoft.com/office/drawing/2010/main" val="0"/>
+                </a:ext>
+                <a:ext uri="{96DAC541-7B7A-43D3-8B79-37D633B846F1}">
+                  <asvg:svgBlip xmlns:asvg="http://schemas.microsoft.com/office/drawing/2016/SVG/main" r:embed="rId3"/>
+                </a:ext>
+              </a:extLst>
+            </a:blip>
+            <a:stretch>
+              <a:fillRect/>
+            </a:stretch>
+          </p:blipFill>
+          <p:spPr>
+            <a:xfrm>
+              <a:off x="379739" y="224486"/>
+              <a:ext cx="2419327" cy="395890"/>
+            </a:xfrm>
+            <a:prstGeom prst="rect">
+              <a:avLst/>
+            </a:prstGeom>
+          </p:spPr>
+        </p:pic>
+        <p:sp>
+          <p:nvSpPr>
+            <p:cNvPr id="9" name="TextBox 8">
+              <a:extLst>
+                <a:ext uri="{FF2B5EF4-FFF2-40B4-BE49-F238E27FC236}">
+                  <a16:creationId xmlns:a16="http://schemas.microsoft.com/office/drawing/2014/main" id="{5B7A31AF-1D2A-024A-BF3E-F4898863D30B}"/>
+                </a:ext>
+              </a:extLst>
+            </p:cNvPr>
+            <p:cNvSpPr txBox="1"/>
+            <p:nvPr/>
+          </p:nvSpPr>
+          <p:spPr>
+            <a:xfrm>
+              <a:off x="3636367" y="13255"/>
+              <a:ext cx="4878985" cy="830997"/>
+            </a:xfrm>
+            <a:prstGeom prst="rect">
+              <a:avLst/>
+            </a:prstGeom>
+            <a:noFill/>
+          </p:spPr>
+          <p:txBody>
+            <a:bodyPr vert="horz" wrap="square" rtlCol="0" anchor="ctr">
+              <a:spAutoFit/>
+            </a:bodyPr>
+            <a:lstStyle/>
+            <a:p>
+              <a:r>
+                <a:rPr lang="en-US" sz="2400" b="1" dirty="0">
+                  <a:solidFill>
+                    <a:schemeClr val="bg1"/>
+                  </a:solidFill>
+                  <a:latin typeface="Georgia" panose="02040502050405020303" pitchFamily="18" charset="0"/>
+                </a:rPr>
+                <a:t>Your  Very Long Heading Displayed in Two Lines</a:t>
+              </a:r>
+            </a:p>
+          </p:txBody>
+        </p:sp>
+      </p:grpSp>
       <p:pic>
         <p:nvPicPr>
-          <p:cNvPr id="2" name="Picture 1">
+          <p:cNvPr id="11" name="Picture 10">
             <a:extLst>
               <a:ext uri="{FF2B5EF4-FFF2-40B4-BE49-F238E27FC236}">
-                <a16:creationId xmlns:a16="http://schemas.microsoft.com/office/drawing/2014/main" id="{D97193BA-72D9-9B41-8C55-E9B75E71CDC6}"/>
+                <a16:creationId xmlns:a16="http://schemas.microsoft.com/office/drawing/2014/main" id="{9370252A-5438-1144-A6BC-C4FEE6D2E055}"/>
               </a:ext>
             </a:extLst>
           </p:cNvPr>
@@ -4302,7 +6059,37 @@
           <p:nvPr/>
         </p:nvPicPr>
         <p:blipFill>
-          <a:blip r:embed="rId2"/>
+          <a:blip r:embed="rId4"/>
+          <a:stretch>
+            <a:fillRect/>
+          </a:stretch>
+        </p:blipFill>
+        <p:spPr>
+          <a:xfrm>
+            <a:off x="5896947" y="6352733"/>
+            <a:ext cx="2455333" cy="368300"/>
+          </a:xfrm>
+          <a:prstGeom prst="rect">
+            <a:avLst/>
+          </a:prstGeom>
+        </p:spPr>
+      </p:pic>
+      <p:pic>
+        <p:nvPicPr>
+          <p:cNvPr id="12" name="Picture 11">
+            <a:extLst>
+              <a:ext uri="{FF2B5EF4-FFF2-40B4-BE49-F238E27FC236}">
+                <a16:creationId xmlns:a16="http://schemas.microsoft.com/office/drawing/2014/main" id="{E4CD50C6-8D45-6046-ABE7-E51CD4B1D6EA}"/>
+              </a:ext>
+            </a:extLst>
+          </p:cNvPr>
+          <p:cNvPicPr>
+            <a:picLocks noChangeAspect="1"/>
+          </p:cNvPicPr>
+          <p:nvPr/>
+        </p:nvPicPr>
+        <p:blipFill>
+          <a:blip r:embed="rId5"/>
           <a:stretch>
             <a:fillRect/>
           </a:stretch>
@@ -4319,10 +6106,10 @@
       </p:pic>
       <p:pic>
         <p:nvPicPr>
-          <p:cNvPr id="3" name="Picture 2">
+          <p:cNvPr id="13" name="Picture 12">
             <a:extLst>
               <a:ext uri="{FF2B5EF4-FFF2-40B4-BE49-F238E27FC236}">
-                <a16:creationId xmlns:a16="http://schemas.microsoft.com/office/drawing/2014/main" id="{D72C2C6C-982B-A143-B23D-E59861DC19DE}"/>
+                <a16:creationId xmlns:a16="http://schemas.microsoft.com/office/drawing/2014/main" id="{D25F6D67-56E7-6649-9D3A-995322DC3F18}"/>
               </a:ext>
             </a:extLst>
           </p:cNvPr>
@@ -4332,7 +6119,7 @@
           <p:nvPr/>
         </p:nvPicPr>
         <p:blipFill>
-          <a:blip r:embed="rId3"/>
+          <a:blip r:embed="rId4"/>
           <a:stretch>
             <a:fillRect/>
           </a:stretch>
@@ -4349,10 +6136,10 @@
       </p:pic>
       <p:pic>
         <p:nvPicPr>
-          <p:cNvPr id="4" name="Picture 3">
+          <p:cNvPr id="16" name="Picture 15">
             <a:extLst>
               <a:ext uri="{FF2B5EF4-FFF2-40B4-BE49-F238E27FC236}">
-                <a16:creationId xmlns:a16="http://schemas.microsoft.com/office/drawing/2014/main" id="{0679A5F8-1CA2-C548-A722-175EB120C2DA}"/>
+                <a16:creationId xmlns:a16="http://schemas.microsoft.com/office/drawing/2014/main" id="{D623D26A-FD9B-7145-9A3E-EE78C449BF56}"/>
               </a:ext>
             </a:extLst>
           </p:cNvPr>
@@ -4362,27 +6149,320 @@
           <p:nvPr/>
         </p:nvPicPr>
         <p:blipFill>
-          <a:blip r:embed="rId4"/>
+          <a:blip r:embed="rId6"/>
           <a:stretch>
             <a:fillRect/>
           </a:stretch>
         </p:blipFill>
         <p:spPr>
           <a:xfrm>
-            <a:off x="943133" y="6333642"/>
-            <a:ext cx="2057978" cy="411595"/>
+            <a:off x="5840798" y="5325647"/>
+            <a:ext cx="2455333" cy="368300"/>
           </a:xfrm>
           <a:prstGeom prst="rect">
             <a:avLst/>
           </a:prstGeom>
         </p:spPr>
       </p:pic>
+      <p:sp>
+        <p:nvSpPr>
+          <p:cNvPr id="19" name="TextBox 18">
+            <a:extLst>
+              <a:ext uri="{FF2B5EF4-FFF2-40B4-BE49-F238E27FC236}">
+                <a16:creationId xmlns:a16="http://schemas.microsoft.com/office/drawing/2014/main" id="{E65F6703-4683-C646-AD86-9D50A0D4B2BE}"/>
+              </a:ext>
+            </a:extLst>
+          </p:cNvPr>
+          <p:cNvSpPr txBox="1"/>
+          <p:nvPr/>
+        </p:nvSpPr>
+        <p:spPr>
+          <a:xfrm>
+            <a:off x="747360" y="6282553"/>
+            <a:ext cx="784372" cy="507831"/>
+          </a:xfrm>
+          <a:prstGeom prst="rect">
+            <a:avLst/>
+          </a:prstGeom>
+          <a:noFill/>
+        </p:spPr>
+        <p:txBody>
+          <a:bodyPr wrap="square" rtlCol="0">
+            <a:spAutoFit/>
+          </a:bodyPr>
+          <a:lstStyle/>
+          <a:p>
+            <a:r>
+              <a:rPr lang="en-US" sz="900" dirty="0">
+                <a:solidFill>
+                  <a:srgbClr val="60BA4B"/>
+                </a:solidFill>
+                <a:latin typeface="Georgia" panose="02040502050405020303" pitchFamily="18" charset="0"/>
+              </a:rPr>
+              <a:t>Data store:    </a:t>
+            </a:r>
+          </a:p>
+          <a:p>
+            <a:r>
+              <a:rPr lang="en-US" sz="900" dirty="0">
+                <a:solidFill>
+                  <a:srgbClr val="60BA4B"/>
+                </a:solidFill>
+                <a:latin typeface="Georgia" panose="02040502050405020303" pitchFamily="18" charset="0"/>
+              </a:rPr>
+              <a:t>WS API:</a:t>
+            </a:r>
+          </a:p>
+          <a:p>
+            <a:r>
+              <a:rPr lang="en-US" sz="900" dirty="0">
+                <a:solidFill>
+                  <a:srgbClr val="60BA4B"/>
+                </a:solidFill>
+                <a:latin typeface="Georgia" panose="02040502050405020303" pitchFamily="18" charset="0"/>
+              </a:rPr>
+              <a:t>SPARQL:  </a:t>
+            </a:r>
+          </a:p>
+        </p:txBody>
+      </p:sp>
+      <p:sp>
+        <p:nvSpPr>
+          <p:cNvPr id="20" name="TextBox 19">
+            <a:extLst>
+              <a:ext uri="{FF2B5EF4-FFF2-40B4-BE49-F238E27FC236}">
+                <a16:creationId xmlns:a16="http://schemas.microsoft.com/office/drawing/2014/main" id="{6B296F83-8C65-DE43-BB7C-C6BD9B91EA15}"/>
+              </a:ext>
+            </a:extLst>
+          </p:cNvPr>
+          <p:cNvSpPr txBox="1"/>
+          <p:nvPr/>
+        </p:nvSpPr>
+        <p:spPr>
+          <a:xfrm>
+            <a:off x="1410499" y="6284706"/>
+            <a:ext cx="1536361" cy="646331"/>
+          </a:xfrm>
+          <a:prstGeom prst="rect">
+            <a:avLst/>
+          </a:prstGeom>
+          <a:noFill/>
+        </p:spPr>
+        <p:txBody>
+          <a:bodyPr wrap="square" rtlCol="0">
+            <a:spAutoFit/>
+          </a:bodyPr>
+          <a:lstStyle/>
+          <a:p>
+            <a:r>
+              <a:rPr lang="en-US" sz="900" i="1" dirty="0">
+                <a:solidFill>
+                  <a:schemeClr val="bg1"/>
+                </a:solidFill>
+                <a:latin typeface="Georgia" panose="02040502050405020303" pitchFamily="18" charset="0"/>
+              </a:rPr>
+              <a:t>https://data.glygen.org</a:t>
+            </a:r>
+          </a:p>
+          <a:p>
+            <a:r>
+              <a:rPr lang="en-US" sz="900" i="1" dirty="0">
+                <a:solidFill>
+                  <a:schemeClr val="bg1"/>
+                </a:solidFill>
+                <a:latin typeface="Georgia" panose="02040502050405020303" pitchFamily="18" charset="0"/>
+              </a:rPr>
+              <a:t>https://api.glygen.org</a:t>
+            </a:r>
+          </a:p>
+          <a:p>
+            <a:r>
+              <a:rPr lang="en-US" sz="900" i="1" dirty="0">
+                <a:solidFill>
+                  <a:schemeClr val="bg1"/>
+                </a:solidFill>
+                <a:latin typeface="Georgia" panose="02040502050405020303" pitchFamily="18" charset="0"/>
+              </a:rPr>
+              <a:t>https://sparql.glygen.org</a:t>
+            </a:r>
+          </a:p>
+          <a:p>
+            <a:endParaRPr lang="en-US" sz="900" i="1" dirty="0">
+              <a:solidFill>
+                <a:schemeClr val="bg1"/>
+              </a:solidFill>
+              <a:latin typeface="Georgia" panose="02040502050405020303" pitchFamily="18" charset="0"/>
+            </a:endParaRPr>
+          </a:p>
+        </p:txBody>
+      </p:sp>
+      <p:sp>
+        <p:nvSpPr>
+          <p:cNvPr id="21" name="TextBox 20">
+            <a:extLst>
+              <a:ext uri="{FF2B5EF4-FFF2-40B4-BE49-F238E27FC236}">
+                <a16:creationId xmlns:a16="http://schemas.microsoft.com/office/drawing/2014/main" id="{C5AED1AD-ED80-DB4D-854B-B3E816B9561A}"/>
+              </a:ext>
+            </a:extLst>
+          </p:cNvPr>
+          <p:cNvSpPr txBox="1"/>
+          <p:nvPr/>
+        </p:nvSpPr>
+        <p:spPr>
+          <a:xfrm>
+            <a:off x="2883773" y="6295901"/>
+            <a:ext cx="2647436" cy="507831"/>
+          </a:xfrm>
+          <a:prstGeom prst="rect">
+            <a:avLst/>
+          </a:prstGeom>
+          <a:noFill/>
+        </p:spPr>
+        <p:txBody>
+          <a:bodyPr wrap="square" rtlCol="0">
+            <a:spAutoFit/>
+          </a:bodyPr>
+          <a:lstStyle/>
+          <a:p>
+            <a:pPr algn="ctr"/>
+            <a:r>
+              <a:rPr lang="en-US" sz="900" b="1" dirty="0">
+                <a:solidFill>
+                  <a:srgbClr val="60BA4B"/>
+                </a:solidFill>
+                <a:latin typeface="Georgia" panose="02040502050405020303" pitchFamily="18" charset="0"/>
+              </a:rPr>
+              <a:t>CONTACT</a:t>
+            </a:r>
+          </a:p>
+          <a:p>
+            <a:r>
+              <a:rPr lang="en-US" sz="900" b="1" dirty="0">
+                <a:solidFill>
+                  <a:schemeClr val="bg1"/>
+                </a:solidFill>
+                <a:latin typeface="Georgia" panose="02040502050405020303" pitchFamily="18" charset="0"/>
+              </a:rPr>
+              <a:t>Raja Mazumder </a:t>
+            </a:r>
+            <a:r>
+              <a:rPr lang="en-US" sz="900" dirty="0">
+                <a:solidFill>
+                  <a:schemeClr val="bg1"/>
+                </a:solidFill>
+                <a:latin typeface="Georgia" panose="02040502050405020303" pitchFamily="18" charset="0"/>
+              </a:rPr>
+              <a:t>       mazumder@gwu.edu</a:t>
+            </a:r>
+          </a:p>
+          <a:p>
+            <a:r>
+              <a:rPr lang="en-US" sz="900" b="1" dirty="0">
+                <a:solidFill>
+                  <a:schemeClr val="bg1"/>
+                </a:solidFill>
+                <a:latin typeface="Georgia" panose="02040502050405020303" pitchFamily="18" charset="0"/>
+              </a:rPr>
+              <a:t>Michael Tiemeyer</a:t>
+            </a:r>
+            <a:r>
+              <a:rPr lang="en-US" sz="900" dirty="0">
+                <a:solidFill>
+                  <a:schemeClr val="bg1"/>
+                </a:solidFill>
+                <a:latin typeface="Georgia" panose="02040502050405020303" pitchFamily="18" charset="0"/>
+              </a:rPr>
+              <a:t>    mtiemeyer@ccrc.uga.edu</a:t>
+            </a:r>
+          </a:p>
+        </p:txBody>
+      </p:sp>
+    </p:spTree>
+    <p:extLst>
+      <p:ext uri="{BB962C8B-B14F-4D97-AF65-F5344CB8AC3E}">
+        <p14:creationId xmlns:p14="http://schemas.microsoft.com/office/powerpoint/2010/main" val="4286709969"/>
+      </p:ext>
+    </p:extLst>
+  </p:cSld>
+  <p:clrMapOvr>
+    <a:masterClrMapping/>
+  </p:clrMapOvr>
+</p:sld>
+</file>
+
+<file path=ppt/slides/slide5.xml><?xml version="1.0" encoding="utf-8"?>
+<p:sld xmlns:a="http://schemas.openxmlformats.org/drawingml/2006/main" xmlns:r="http://schemas.openxmlformats.org/officeDocument/2006/relationships" xmlns:p="http://schemas.openxmlformats.org/presentationml/2006/main">
+  <p:cSld>
+    <p:spTree>
+      <p:nvGrpSpPr>
+        <p:cNvPr id="1" name=""/>
+        <p:cNvGrpSpPr/>
+        <p:nvPr/>
+      </p:nvGrpSpPr>
+      <p:grpSpPr>
+        <a:xfrm>
+          <a:off x="0" y="0"/>
+          <a:ext cx="0" cy="0"/>
+          <a:chOff x="0" y="0"/>
+          <a:chExt cx="0" cy="0"/>
+        </a:xfrm>
+      </p:grpSpPr>
+      <p:sp>
+        <p:nvSpPr>
+          <p:cNvPr id="2" name="Title 1">
+            <a:extLst>
+              <a:ext uri="{FF2B5EF4-FFF2-40B4-BE49-F238E27FC236}">
+                <a16:creationId xmlns:a16="http://schemas.microsoft.com/office/drawing/2014/main" id="{ADAD8F42-566E-5A44-BF42-83C471406EF6}"/>
+              </a:ext>
+            </a:extLst>
+          </p:cNvPr>
+          <p:cNvSpPr>
+            <a:spLocks noGrp="1"/>
+          </p:cNvSpPr>
+          <p:nvPr>
+            <p:ph type="title"/>
+          </p:nvPr>
+        </p:nvSpPr>
+        <p:spPr/>
+        <p:txBody>
+          <a:bodyPr/>
+          <a:lstStyle/>
+          <a:p>
+            <a:endParaRPr lang="en-US"/>
+          </a:p>
+        </p:txBody>
+      </p:sp>
+      <p:sp>
+        <p:nvSpPr>
+          <p:cNvPr id="3" name="Content Placeholder 2">
+            <a:extLst>
+              <a:ext uri="{FF2B5EF4-FFF2-40B4-BE49-F238E27FC236}">
+                <a16:creationId xmlns:a16="http://schemas.microsoft.com/office/drawing/2014/main" id="{382C0C3D-1FBB-C54A-AB31-6DFF59F831B7}"/>
+              </a:ext>
+            </a:extLst>
+          </p:cNvPr>
+          <p:cNvSpPr>
+            <a:spLocks noGrp="1"/>
+          </p:cNvSpPr>
+          <p:nvPr>
+            <p:ph idx="1"/>
+          </p:nvPr>
+        </p:nvSpPr>
+        <p:spPr/>
+        <p:txBody>
+          <a:bodyPr/>
+          <a:lstStyle/>
+          <a:p>
+            <a:endParaRPr lang="en-US"/>
+          </a:p>
+        </p:txBody>
+      </p:sp>
       <p:pic>
         <p:nvPicPr>
-          <p:cNvPr id="5" name="Picture 4">
+          <p:cNvPr id="4" name="Content Placeholder 6">
             <a:extLst>
               <a:ext uri="{FF2B5EF4-FFF2-40B4-BE49-F238E27FC236}">
-                <a16:creationId xmlns:a16="http://schemas.microsoft.com/office/drawing/2014/main" id="{BA24565B-3DAA-FC45-A088-3D51FCC8B601}"/>
+                <a16:creationId xmlns:a16="http://schemas.microsoft.com/office/drawing/2014/main" id="{1C0DBB3D-18D1-1E4B-9DE3-4A10173C4102}"/>
               </a:ext>
             </a:extLst>
           </p:cNvPr>
@@ -4392,65 +6472,103 @@
           <p:nvPr/>
         </p:nvPicPr>
         <p:blipFill>
-          <a:blip r:embed="rId5"/>
+          <a:blip r:embed="rId2">
+            <a:extLst>
+              <a:ext uri="{96DAC541-7B7A-43D3-8B79-37D633B846F1}">
+                <asvg:svgBlip xmlns:asvg="http://schemas.microsoft.com/office/drawing/2016/SVG/main" r:embed="rId3"/>
+              </a:ext>
+            </a:extLst>
+          </a:blip>
           <a:stretch>
             <a:fillRect/>
           </a:stretch>
         </p:blipFill>
         <p:spPr>
           <a:xfrm>
-            <a:off x="3350311" y="6351099"/>
-            <a:ext cx="2159000" cy="381000"/>
+            <a:off x="7004720" y="207997"/>
+            <a:ext cx="1981200" cy="787400"/>
           </a:xfrm>
           <a:prstGeom prst="rect">
             <a:avLst/>
           </a:prstGeom>
         </p:spPr>
       </p:pic>
-      <p:sp>
-        <p:nvSpPr>
-          <p:cNvPr id="6" name="TextBox 5">
+      <p:pic>
+        <p:nvPicPr>
+          <p:cNvPr id="5" name="Graphic 4">
             <a:extLst>
               <a:ext uri="{FF2B5EF4-FFF2-40B4-BE49-F238E27FC236}">
-                <a16:creationId xmlns:a16="http://schemas.microsoft.com/office/drawing/2014/main" id="{E993210D-4F8D-8548-8801-538B0EB5A371}"/>
+                <a16:creationId xmlns:a16="http://schemas.microsoft.com/office/drawing/2014/main" id="{81F85E7C-41AC-A64E-8FA9-808682500B1C}"/>
               </a:ext>
             </a:extLst>
           </p:cNvPr>
-          <p:cNvSpPr txBox="1"/>
+          <p:cNvPicPr>
+            <a:picLocks noChangeAspect="1"/>
+          </p:cNvPicPr>
           <p:nvPr/>
-        </p:nvSpPr>
+        </p:nvPicPr>
+        <p:blipFill>
+          <a:blip r:embed="rId4">
+            <a:extLst>
+              <a:ext uri="{96DAC541-7B7A-43D3-8B79-37D633B846F1}">
+                <asvg:svgBlip xmlns:asvg="http://schemas.microsoft.com/office/drawing/2016/SVG/main" r:embed="rId5"/>
+              </a:ext>
+            </a:extLst>
+          </a:blip>
+          <a:stretch>
+            <a:fillRect/>
+          </a:stretch>
+        </p:blipFill>
         <p:spPr>
           <a:xfrm>
-            <a:off x="2902226" y="78977"/>
-            <a:ext cx="5696083" cy="707886"/>
+            <a:off x="330503" y="207997"/>
+            <a:ext cx="2882900" cy="520700"/>
           </a:xfrm>
           <a:prstGeom prst="rect">
             <a:avLst/>
           </a:prstGeom>
-          <a:noFill/>
         </p:spPr>
-        <p:txBody>
-          <a:bodyPr wrap="square" rtlCol="0">
-            <a:spAutoFit/>
-          </a:bodyPr>
-          <a:lstStyle/>
-          <a:p>
-            <a:r>
-              <a:rPr lang="en-US" sz="4000" dirty="0">
-                <a:solidFill>
-                  <a:schemeClr val="bg1"/>
-                </a:solidFill>
-                <a:latin typeface="Georgia" panose="02040502050405020303" pitchFamily="18" charset="0"/>
-              </a:rPr>
-              <a:t>Template</a:t>
-            </a:r>
-          </a:p>
-        </p:txBody>
-      </p:sp>
+      </p:pic>
+      <p:pic>
+        <p:nvPicPr>
+          <p:cNvPr id="6" name="Content Placeholder 14">
+            <a:extLst>
+              <a:ext uri="{FF2B5EF4-FFF2-40B4-BE49-F238E27FC236}">
+                <a16:creationId xmlns:a16="http://schemas.microsoft.com/office/drawing/2014/main" id="{924519A9-4FC5-B742-A0EF-26F7E6554DA9}"/>
+              </a:ext>
+            </a:extLst>
+          </p:cNvPr>
+          <p:cNvPicPr>
+            <a:picLocks noChangeAspect="1"/>
+          </p:cNvPicPr>
+          <p:nvPr/>
+        </p:nvPicPr>
+        <p:blipFill>
+          <a:blip r:embed="rId6">
+            <a:extLst>
+              <a:ext uri="{96DAC541-7B7A-43D3-8B79-37D633B846F1}">
+                <asvg:svgBlip xmlns:asvg="http://schemas.microsoft.com/office/drawing/2016/SVG/main" r:embed="rId7"/>
+              </a:ext>
+            </a:extLst>
+          </a:blip>
+          <a:stretch>
+            <a:fillRect/>
+          </a:stretch>
+        </p:blipFill>
+        <p:spPr>
+          <a:xfrm>
+            <a:off x="5742170" y="6184341"/>
+            <a:ext cx="3086100" cy="520700"/>
+          </a:xfrm>
+          <a:prstGeom prst="rect">
+            <a:avLst/>
+          </a:prstGeom>
+        </p:spPr>
+      </p:pic>
     </p:spTree>
     <p:extLst>
       <p:ext uri="{BB962C8B-B14F-4D97-AF65-F5344CB8AC3E}">
-        <p14:creationId xmlns:p14="http://schemas.microsoft.com/office/powerpoint/2010/main" val="3912783123"/>
+        <p14:creationId xmlns:p14="http://schemas.microsoft.com/office/powerpoint/2010/main" val="1859055148"/>
       </p:ext>
     </p:extLst>
   </p:cSld>
@@ -4719,299 +6837,4 @@
     </a:ext>
   </a:extLst>
 </a:theme>
-</file>
-
-<file path=ppt/theme/theme2.xml><?xml version="1.0" encoding="utf-8"?>
-<a:theme xmlns:a="http://schemas.openxmlformats.org/drawingml/2006/main" name="Office Theme">
-  <a:themeElements>
-    <a:clrScheme name="Office">
-      <a:dk1>
-        <a:sysClr val="windowText" lastClr="000000"/>
-      </a:dk1>
-      <a:lt1>
-        <a:sysClr val="window" lastClr="FFFFFF"/>
-      </a:lt1>
-      <a:dk2>
-        <a:srgbClr val="44546A"/>
-      </a:dk2>
-      <a:lt2>
-        <a:srgbClr val="E7E6E6"/>
-      </a:lt2>
-      <a:accent1>
-        <a:srgbClr val="4472C4"/>
-      </a:accent1>
-      <a:accent2>
-        <a:srgbClr val="ED7D31"/>
-      </a:accent2>
-      <a:accent3>
-        <a:srgbClr val="A5A5A5"/>
-      </a:accent3>
-      <a:accent4>
-        <a:srgbClr val="FFC000"/>
-      </a:accent4>
-      <a:accent5>
-        <a:srgbClr val="5B9BD5"/>
-      </a:accent5>
-      <a:accent6>
-        <a:srgbClr val="70AD47"/>
-      </a:accent6>
-      <a:hlink>
-        <a:srgbClr val="0563C1"/>
-      </a:hlink>
-      <a:folHlink>
-        <a:srgbClr val="954F72"/>
-      </a:folHlink>
-    </a:clrScheme>
-    <a:fontScheme name="Office">
-      <a:majorFont>
-        <a:latin typeface="Calibri Light" panose="020F0302020204030204"/>
-        <a:ea typeface=""/>
-        <a:cs typeface=""/>
-        <a:font script="Jpan" typeface="游ゴシック Light"/>
-        <a:font script="Hang" typeface="맑은 고딕"/>
-        <a:font script="Hans" typeface="等线 Light"/>
-        <a:font script="Hant" typeface="新細明體"/>
-        <a:font script="Arab" typeface="Times New Roman"/>
-        <a:font script="Hebr" typeface="Times New Roman"/>
-        <a:font script="Thai" typeface="Angsana New"/>
-        <a:font script="Ethi" typeface="Nyala"/>
-        <a:font script="Beng" typeface="Vrinda"/>
-        <a:font script="Gujr" typeface="Shruti"/>
-        <a:font script="Khmr" typeface="MoolBoran"/>
-        <a:font script="Knda" typeface="Tunga"/>
-        <a:font script="Guru" typeface="Raavi"/>
-        <a:font script="Cans" typeface="Euphemia"/>
-        <a:font script="Cher" typeface="Plantagenet Cherokee"/>
-        <a:font script="Yiii" typeface="Microsoft Yi Baiti"/>
-        <a:font script="Tibt" typeface="Microsoft Himalaya"/>
-        <a:font script="Thaa" typeface="MV Boli"/>
-        <a:font script="Deva" typeface="Mangal"/>
-        <a:font script="Telu" typeface="Gautami"/>
-        <a:font script="Taml" typeface="Latha"/>
-        <a:font script="Syrc" typeface="Estrangelo Edessa"/>
-        <a:font script="Orya" typeface="Kalinga"/>
-        <a:font script="Mlym" typeface="Kartika"/>
-        <a:font script="Laoo" typeface="DokChampa"/>
-        <a:font script="Sinh" typeface="Iskoola Pota"/>
-        <a:font script="Mong" typeface="Mongolian Baiti"/>
-        <a:font script="Viet" typeface="Times New Roman"/>
-        <a:font script="Uigh" typeface="Microsoft Uighur"/>
-        <a:font script="Geor" typeface="Sylfaen"/>
-        <a:font script="Armn" typeface="Arial"/>
-        <a:font script="Bugi" typeface="Leelawadee UI"/>
-        <a:font script="Bopo" typeface="Microsoft JhengHei"/>
-        <a:font script="Java" typeface="Javanese Text"/>
-        <a:font script="Lisu" typeface="Segoe UI"/>
-        <a:font script="Mymr" typeface="Myanmar Text"/>
-        <a:font script="Nkoo" typeface="Ebrima"/>
-        <a:font script="Olck" typeface="Nirmala UI"/>
-        <a:font script="Osma" typeface="Ebrima"/>
-        <a:font script="Phag" typeface="Phagspa"/>
-        <a:font script="Syrn" typeface="Estrangelo Edessa"/>
-        <a:font script="Syrj" typeface="Estrangelo Edessa"/>
-        <a:font script="Syre" typeface="Estrangelo Edessa"/>
-        <a:font script="Sora" typeface="Nirmala UI"/>
-        <a:font script="Tale" typeface="Microsoft Tai Le"/>
-        <a:font script="Talu" typeface="Microsoft New Tai Lue"/>
-        <a:font script="Tfng" typeface="Ebrima"/>
-      </a:majorFont>
-      <a:minorFont>
-        <a:latin typeface="Calibri" panose="020F0502020204030204"/>
-        <a:ea typeface=""/>
-        <a:cs typeface=""/>
-        <a:font script="Jpan" typeface="游ゴシック"/>
-        <a:font script="Hang" typeface="맑은 고딕"/>
-        <a:font script="Hans" typeface="等线"/>
-        <a:font script="Hant" typeface="新細明體"/>
-        <a:font script="Arab" typeface="Arial"/>
-        <a:font script="Hebr" typeface="Arial"/>
-        <a:font script="Thai" typeface="Cordia New"/>
-        <a:font script="Ethi" typeface="Nyala"/>
-        <a:font script="Beng" typeface="Vrinda"/>
-        <a:font script="Gujr" typeface="Shruti"/>
-        <a:font script="Khmr" typeface="DaunPenh"/>
-        <a:font script="Knda" typeface="Tunga"/>
-        <a:font script="Guru" typeface="Raavi"/>
-        <a:font script="Cans" typeface="Euphemia"/>
-        <a:font script="Cher" typeface="Plantagenet Cherokee"/>
-        <a:font script="Yiii" typeface="Microsoft Yi Baiti"/>
-        <a:font script="Tibt" typeface="Microsoft Himalaya"/>
-        <a:font script="Thaa" typeface="MV Boli"/>
-        <a:font script="Deva" typeface="Mangal"/>
-        <a:font script="Telu" typeface="Gautami"/>
-        <a:font script="Taml" typeface="Latha"/>
-        <a:font script="Syrc" typeface="Estrangelo Edessa"/>
-        <a:font script="Orya" typeface="Kalinga"/>
-        <a:font script="Mlym" typeface="Kartika"/>
-        <a:font script="Laoo" typeface="DokChampa"/>
-        <a:font script="Sinh" typeface="Iskoola Pota"/>
-        <a:font script="Mong" typeface="Mongolian Baiti"/>
-        <a:font script="Viet" typeface="Arial"/>
-        <a:font script="Uigh" typeface="Microsoft Uighur"/>
-        <a:font script="Geor" typeface="Sylfaen"/>
-        <a:font script="Armn" typeface="Arial"/>
-        <a:font script="Bugi" typeface="Leelawadee UI"/>
-        <a:font script="Bopo" typeface="Microsoft JhengHei"/>
-        <a:font script="Java" typeface="Javanese Text"/>
-        <a:font script="Lisu" typeface="Segoe UI"/>
-        <a:font script="Mymr" typeface="Myanmar Text"/>
-        <a:font script="Nkoo" typeface="Ebrima"/>
-        <a:font script="Olck" typeface="Nirmala UI"/>
-        <a:font script="Osma" typeface="Ebrima"/>
-        <a:font script="Phag" typeface="Phagspa"/>
-        <a:font script="Syrn" typeface="Estrangelo Edessa"/>
-        <a:font script="Syrj" typeface="Estrangelo Edessa"/>
-        <a:font script="Syre" typeface="Estrangelo Edessa"/>
-        <a:font script="Sora" typeface="Nirmala UI"/>
-        <a:font script="Tale" typeface="Microsoft Tai Le"/>
-        <a:font script="Talu" typeface="Microsoft New Tai Lue"/>
-        <a:font script="Tfng" typeface="Ebrima"/>
-      </a:minorFont>
-    </a:fontScheme>
-    <a:fmtScheme name="Office">
-      <a:fillStyleLst>
-        <a:solidFill>
-          <a:schemeClr val="phClr"/>
-        </a:solidFill>
-        <a:gradFill rotWithShape="1">
-          <a:gsLst>
-            <a:gs pos="0">
-              <a:schemeClr val="phClr">
-                <a:lumMod val="110000"/>
-                <a:satMod val="105000"/>
-                <a:tint val="67000"/>
-              </a:schemeClr>
-            </a:gs>
-            <a:gs pos="50000">
-              <a:schemeClr val="phClr">
-                <a:lumMod val="105000"/>
-                <a:satMod val="103000"/>
-                <a:tint val="73000"/>
-              </a:schemeClr>
-            </a:gs>
-            <a:gs pos="100000">
-              <a:schemeClr val="phClr">
-                <a:lumMod val="105000"/>
-                <a:satMod val="109000"/>
-                <a:tint val="81000"/>
-              </a:schemeClr>
-            </a:gs>
-          </a:gsLst>
-          <a:lin ang="5400000" scaled="0"/>
-        </a:gradFill>
-        <a:gradFill rotWithShape="1">
-          <a:gsLst>
-            <a:gs pos="0">
-              <a:schemeClr val="phClr">
-                <a:satMod val="103000"/>
-                <a:lumMod val="102000"/>
-                <a:tint val="94000"/>
-              </a:schemeClr>
-            </a:gs>
-            <a:gs pos="50000">
-              <a:schemeClr val="phClr">
-                <a:satMod val="110000"/>
-                <a:lumMod val="100000"/>
-                <a:shade val="100000"/>
-              </a:schemeClr>
-            </a:gs>
-            <a:gs pos="100000">
-              <a:schemeClr val="phClr">
-                <a:lumMod val="99000"/>
-                <a:satMod val="120000"/>
-                <a:shade val="78000"/>
-              </a:schemeClr>
-            </a:gs>
-          </a:gsLst>
-          <a:lin ang="5400000" scaled="0"/>
-        </a:gradFill>
-      </a:fillStyleLst>
-      <a:lnStyleLst>
-        <a:ln w="6350" cap="flat" cmpd="sng" algn="ctr">
-          <a:solidFill>
-            <a:schemeClr val="phClr"/>
-          </a:solidFill>
-          <a:prstDash val="solid"/>
-          <a:miter lim="800000"/>
-        </a:ln>
-        <a:ln w="12700" cap="flat" cmpd="sng" algn="ctr">
-          <a:solidFill>
-            <a:schemeClr val="phClr"/>
-          </a:solidFill>
-          <a:prstDash val="solid"/>
-          <a:miter lim="800000"/>
-        </a:ln>
-        <a:ln w="19050" cap="flat" cmpd="sng" algn="ctr">
-          <a:solidFill>
-            <a:schemeClr val="phClr"/>
-          </a:solidFill>
-          <a:prstDash val="solid"/>
-          <a:miter lim="800000"/>
-        </a:ln>
-      </a:lnStyleLst>
-      <a:effectStyleLst>
-        <a:effectStyle>
-          <a:effectLst/>
-        </a:effectStyle>
-        <a:effectStyle>
-          <a:effectLst/>
-        </a:effectStyle>
-        <a:effectStyle>
-          <a:effectLst>
-            <a:outerShdw blurRad="57150" dist="19050" dir="5400000" algn="ctr" rotWithShape="0">
-              <a:srgbClr val="000000">
-                <a:alpha val="63000"/>
-              </a:srgbClr>
-            </a:outerShdw>
-          </a:effectLst>
-        </a:effectStyle>
-      </a:effectStyleLst>
-      <a:bgFillStyleLst>
-        <a:solidFill>
-          <a:schemeClr val="phClr"/>
-        </a:solidFill>
-        <a:solidFill>
-          <a:schemeClr val="phClr">
-            <a:tint val="95000"/>
-            <a:satMod val="170000"/>
-          </a:schemeClr>
-        </a:solidFill>
-        <a:gradFill rotWithShape="1">
-          <a:gsLst>
-            <a:gs pos="0">
-              <a:schemeClr val="phClr">
-                <a:tint val="93000"/>
-                <a:satMod val="150000"/>
-                <a:shade val="98000"/>
-                <a:lumMod val="102000"/>
-              </a:schemeClr>
-            </a:gs>
-            <a:gs pos="50000">
-              <a:schemeClr val="phClr">
-                <a:tint val="98000"/>
-                <a:satMod val="130000"/>
-                <a:shade val="90000"/>
-                <a:lumMod val="103000"/>
-              </a:schemeClr>
-            </a:gs>
-            <a:gs pos="100000">
-              <a:schemeClr val="phClr">
-                <a:shade val="63000"/>
-                <a:satMod val="120000"/>
-              </a:schemeClr>
-            </a:gs>
-          </a:gsLst>
-          <a:lin ang="5400000" scaled="0"/>
-        </a:gradFill>
-      </a:bgFillStyleLst>
-    </a:fmtScheme>
-  </a:themeElements>
-  <a:objectDefaults/>
-  <a:extraClrSchemeLst/>
-  <a:extLst>
-    <a:ext uri="{05A4C25C-085E-4340-85A3-A5531E510DB2}">
-      <thm15:themeFamily xmlns:thm15="http://schemas.microsoft.com/office/thememl/2012/main" name="Office Theme" id="{62F939B6-93AF-4DB8-9C6B-D6C7DFDC589F}" vid="{4A3C46E8-61CC-4603-A589-7422A47A8E4A}"/>
-    </a:ext>
-  </a:extLst>
-</a:theme>
 </file>